--- a/documents/Real-time Quicknets.pptx
+++ b/documents/Real-time Quicknets.pptx
@@ -5,7 +5,7 @@
     <p:sldMasterId id="2147483648" r:id="rId1"/>
   </p:sldMasterIdLst>
   <p:notesMasterIdLst>
-    <p:notesMasterId r:id="rId17"/>
+    <p:notesMasterId r:id="rId21"/>
   </p:notesMasterIdLst>
   <p:sldIdLst>
     <p:sldId id="256" r:id="rId2"/>
@@ -17,12 +17,16 @@
     <p:sldId id="261" r:id="rId8"/>
     <p:sldId id="265" r:id="rId9"/>
     <p:sldId id="266" r:id="rId10"/>
-    <p:sldId id="267" r:id="rId11"/>
-    <p:sldId id="268" r:id="rId12"/>
-    <p:sldId id="269" r:id="rId13"/>
-    <p:sldId id="270" r:id="rId14"/>
-    <p:sldId id="271" r:id="rId15"/>
-    <p:sldId id="272" r:id="rId16"/>
+    <p:sldId id="276" r:id="rId11"/>
+    <p:sldId id="267" r:id="rId12"/>
+    <p:sldId id="268" r:id="rId13"/>
+    <p:sldId id="269" r:id="rId14"/>
+    <p:sldId id="270" r:id="rId15"/>
+    <p:sldId id="271" r:id="rId16"/>
+    <p:sldId id="272" r:id="rId17"/>
+    <p:sldId id="273" r:id="rId18"/>
+    <p:sldId id="274" r:id="rId19"/>
+    <p:sldId id="275" r:id="rId20"/>
   </p:sldIdLst>
   <p:sldSz cx="12192000" cy="6858000"/>
   <p:notesSz cx="6858000" cy="9144000"/>
@@ -211,7 +215,7 @@
           <a:p>
             <a:fld id="{93D201DA-95C4-AD47-B102-389777227850}" type="datetimeFigureOut">
               <a:rPr lang="en-US" smtClean="0"/>
-              <a:t>10/27/2021</a:t>
+              <a:t>11/4/2021</a:t>
             </a:fld>
             <a:endParaRPr lang="en-US"/>
           </a:p>
@@ -795,7 +799,7 @@
           <a:p>
             <a:fld id="{74B4826A-EFA3-AB41-AC37-9D4251322AEA}" type="slidenum">
               <a:rPr lang="en-US" smtClean="0"/>
-              <a:t>14</a:t>
+              <a:t>15</a:t>
             </a:fld>
             <a:endParaRPr lang="en-US"/>
           </a:p>
@@ -961,7 +965,7 @@
           <a:p>
             <a:fld id="{DE016FBE-F546-1A47-B8E5-1361F3BA1840}" type="datetimeFigureOut">
               <a:rPr lang="en-US" smtClean="0"/>
-              <a:t>10/27/2021</a:t>
+              <a:t>11/4/2021</a:t>
             </a:fld>
             <a:endParaRPr lang="en-US"/>
           </a:p>
@@ -1159,7 +1163,7 @@
           <a:p>
             <a:fld id="{DE016FBE-F546-1A47-B8E5-1361F3BA1840}" type="datetimeFigureOut">
               <a:rPr lang="en-US" smtClean="0"/>
-              <a:t>10/27/2021</a:t>
+              <a:t>11/4/2021</a:t>
             </a:fld>
             <a:endParaRPr lang="en-US"/>
           </a:p>
@@ -1367,7 +1371,7 @@
           <a:p>
             <a:fld id="{DE016FBE-F546-1A47-B8E5-1361F3BA1840}" type="datetimeFigureOut">
               <a:rPr lang="en-US" smtClean="0"/>
-              <a:t>10/27/2021</a:t>
+              <a:t>11/4/2021</a:t>
             </a:fld>
             <a:endParaRPr lang="en-US"/>
           </a:p>
@@ -1591,7 +1595,7 @@
           <a:p>
             <a:fld id="{DE016FBE-F546-1A47-B8E5-1361F3BA1840}" type="datetimeFigureOut">
               <a:rPr lang="en-US" smtClean="0"/>
-              <a:t>10/27/2021</a:t>
+              <a:t>11/4/2021</a:t>
             </a:fld>
             <a:endParaRPr lang="en-US"/>
           </a:p>
@@ -1866,7 +1870,7 @@
           <a:p>
             <a:fld id="{DE016FBE-F546-1A47-B8E5-1361F3BA1840}" type="datetimeFigureOut">
               <a:rPr lang="en-US" smtClean="0"/>
-              <a:t>10/27/2021</a:t>
+              <a:t>11/4/2021</a:t>
             </a:fld>
             <a:endParaRPr lang="en-US"/>
           </a:p>
@@ -2131,7 +2135,7 @@
           <a:p>
             <a:fld id="{DE016FBE-F546-1A47-B8E5-1361F3BA1840}" type="datetimeFigureOut">
               <a:rPr lang="en-US" smtClean="0"/>
-              <a:t>10/27/2021</a:t>
+              <a:t>11/4/2021</a:t>
             </a:fld>
             <a:endParaRPr lang="en-US"/>
           </a:p>
@@ -2543,7 +2547,7 @@
           <a:p>
             <a:fld id="{DE016FBE-F546-1A47-B8E5-1361F3BA1840}" type="datetimeFigureOut">
               <a:rPr lang="en-US" smtClean="0"/>
-              <a:t>10/27/2021</a:t>
+              <a:t>11/4/2021</a:t>
             </a:fld>
             <a:endParaRPr lang="en-US"/>
           </a:p>
@@ -2684,7 +2688,7 @@
           <a:p>
             <a:fld id="{DE016FBE-F546-1A47-B8E5-1361F3BA1840}" type="datetimeFigureOut">
               <a:rPr lang="en-US" smtClean="0"/>
-              <a:t>10/27/2021</a:t>
+              <a:t>11/4/2021</a:t>
             </a:fld>
             <a:endParaRPr lang="en-US"/>
           </a:p>
@@ -2797,7 +2801,7 @@
           <a:p>
             <a:fld id="{DE016FBE-F546-1A47-B8E5-1361F3BA1840}" type="datetimeFigureOut">
               <a:rPr lang="en-US" smtClean="0"/>
-              <a:t>10/27/2021</a:t>
+              <a:t>11/4/2021</a:t>
             </a:fld>
             <a:endParaRPr lang="en-US"/>
           </a:p>
@@ -3108,7 +3112,7 @@
           <a:p>
             <a:fld id="{DE016FBE-F546-1A47-B8E5-1361F3BA1840}" type="datetimeFigureOut">
               <a:rPr lang="en-US" smtClean="0"/>
-              <a:t>10/27/2021</a:t>
+              <a:t>11/4/2021</a:t>
             </a:fld>
             <a:endParaRPr lang="en-US"/>
           </a:p>
@@ -3396,7 +3400,7 @@
           <a:p>
             <a:fld id="{DE016FBE-F546-1A47-B8E5-1361F3BA1840}" type="datetimeFigureOut">
               <a:rPr lang="en-US" smtClean="0"/>
-              <a:t>10/27/2021</a:t>
+              <a:t>11/4/2021</a:t>
             </a:fld>
             <a:endParaRPr lang="en-US"/>
           </a:p>
@@ -3637,7 +3641,7 @@
           <a:p>
             <a:fld id="{DE016FBE-F546-1A47-B8E5-1361F3BA1840}" type="datetimeFigureOut">
               <a:rPr lang="en-US" smtClean="0"/>
-              <a:t>10/27/2021</a:t>
+              <a:t>11/4/2021</a:t>
             </a:fld>
             <a:endParaRPr lang="en-US"/>
           </a:p>
@@ -4254,6 +4258,1039 @@
 </file>
 
 <file path=ppt/slides/slide10.xml><?xml version="1.0" encoding="utf-8"?>
+<p:sld xmlns:a="http://schemas.openxmlformats.org/drawingml/2006/main" xmlns:r="http://schemas.openxmlformats.org/officeDocument/2006/relationships" xmlns:p="http://schemas.openxmlformats.org/presentationml/2006/main">
+  <p:cSld>
+    <p:spTree>
+      <p:nvGrpSpPr>
+        <p:cNvPr id="1" name=""/>
+        <p:cNvGrpSpPr/>
+        <p:nvPr/>
+      </p:nvGrpSpPr>
+      <p:grpSpPr>
+        <a:xfrm>
+          <a:off x="0" y="0"/>
+          <a:ext cx="0" cy="0"/>
+          <a:chOff x="0" y="0"/>
+          <a:chExt cx="0" cy="0"/>
+        </a:xfrm>
+      </p:grpSpPr>
+      <p:sp>
+        <p:nvSpPr>
+          <p:cNvPr id="2" name="Title 1">
+            <a:extLst>
+              <a:ext uri="{FF2B5EF4-FFF2-40B4-BE49-F238E27FC236}">
+                <a16:creationId xmlns:a16="http://schemas.microsoft.com/office/drawing/2014/main" id="{804C872E-95CF-46B6-B88A-2174C13F5948}"/>
+              </a:ext>
+            </a:extLst>
+          </p:cNvPr>
+          <p:cNvSpPr>
+            <a:spLocks noGrp="1"/>
+          </p:cNvSpPr>
+          <p:nvPr>
+            <p:ph type="title"/>
+          </p:nvPr>
+        </p:nvSpPr>
+        <p:spPr/>
+        <p:txBody>
+          <a:bodyPr/>
+          <a:lstStyle/>
+          <a:p>
+            <a:r>
+              <a:rPr lang="en-US" dirty="0"/>
+              <a:t>Current Hardware needs to process much faster than required</a:t>
+            </a:r>
+          </a:p>
+        </p:txBody>
+      </p:sp>
+      <p:pic>
+        <p:nvPicPr>
+          <p:cNvPr id="1026" name="Picture 2" descr="NVIDIA DRIVE AGX Developer Kit | NVIDIA Developer">
+            <a:extLst>
+              <a:ext uri="{FF2B5EF4-FFF2-40B4-BE49-F238E27FC236}">
+                <a16:creationId xmlns:a16="http://schemas.microsoft.com/office/drawing/2014/main" id="{ACD9D4D5-C433-4A28-9854-D002125C27A6}"/>
+              </a:ext>
+            </a:extLst>
+          </p:cNvPr>
+          <p:cNvPicPr>
+            <a:picLocks noChangeAspect="1" noChangeArrowheads="1"/>
+          </p:cNvPicPr>
+          <p:nvPr/>
+        </p:nvPicPr>
+        <p:blipFill>
+          <a:blip r:embed="rId2">
+            <a:extLst>
+              <a:ext uri="{28A0092B-C50C-407E-A947-70E740481C1C}">
+                <a14:useLocalDpi xmlns:a14="http://schemas.microsoft.com/office/drawing/2010/main" val="0"/>
+              </a:ext>
+            </a:extLst>
+          </a:blip>
+          <a:srcRect/>
+          <a:stretch>
+            <a:fillRect/>
+          </a:stretch>
+        </p:blipFill>
+        <p:spPr bwMode="auto">
+          <a:xfrm>
+            <a:off x="395047" y="2348980"/>
+            <a:ext cx="4882442" cy="2746374"/>
+          </a:xfrm>
+          <a:prstGeom prst="rect">
+            <a:avLst/>
+          </a:prstGeom>
+          <a:noFill/>
+          <a:extLst>
+            <a:ext uri="{909E8E84-426E-40DD-AFC4-6F175D3DCCD1}">
+              <a14:hiddenFill xmlns:a14="http://schemas.microsoft.com/office/drawing/2010/main">
+                <a:solidFill>
+                  <a:srgbClr val="FFFFFF"/>
+                </a:solidFill>
+              </a14:hiddenFill>
+            </a:ext>
+          </a:extLst>
+        </p:spPr>
+      </p:pic>
+      <p:graphicFrame>
+        <p:nvGraphicFramePr>
+          <p:cNvPr id="4" name="Table 3">
+            <a:extLst>
+              <a:ext uri="{FF2B5EF4-FFF2-40B4-BE49-F238E27FC236}">
+                <a16:creationId xmlns:a16="http://schemas.microsoft.com/office/drawing/2014/main" id="{52D16617-FC16-46ED-96EB-1CBD6EB452B0}"/>
+              </a:ext>
+            </a:extLst>
+          </p:cNvPr>
+          <p:cNvGraphicFramePr>
+            <a:graphicFrameLocks noGrp="1"/>
+          </p:cNvGraphicFramePr>
+          <p:nvPr>
+            <p:extLst>
+              <p:ext uri="{D42A27DB-BD31-4B8C-83A1-F6EECF244321}">
+                <p14:modId xmlns:p14="http://schemas.microsoft.com/office/powerpoint/2010/main" val="43014406"/>
+              </p:ext>
+            </p:extLst>
+          </p:nvPr>
+        </p:nvGraphicFramePr>
+        <p:xfrm>
+          <a:off x="5360756" y="2219689"/>
+          <a:ext cx="6831243" cy="1604824"/>
+        </p:xfrm>
+        <a:graphic>
+          <a:graphicData uri="http://schemas.openxmlformats.org/drawingml/2006/table">
+            <a:tbl>
+              <a:tblPr/>
+              <a:tblGrid>
+                <a:gridCol w="2277081">
+                  <a:extLst>
+                    <a:ext uri="{9D8B030D-6E8A-4147-A177-3AD203B41FA5}">
+                      <a16:colId xmlns:a16="http://schemas.microsoft.com/office/drawing/2014/main" val="3267715572"/>
+                    </a:ext>
+                  </a:extLst>
+                </a:gridCol>
+                <a:gridCol w="2277081">
+                  <a:extLst>
+                    <a:ext uri="{9D8B030D-6E8A-4147-A177-3AD203B41FA5}">
+                      <a16:colId xmlns:a16="http://schemas.microsoft.com/office/drawing/2014/main" val="55732665"/>
+                    </a:ext>
+                  </a:extLst>
+                </a:gridCol>
+                <a:gridCol w="2277081">
+                  <a:extLst>
+                    <a:ext uri="{9D8B030D-6E8A-4147-A177-3AD203B41FA5}">
+                      <a16:colId xmlns:a16="http://schemas.microsoft.com/office/drawing/2014/main" val="245141222"/>
+                    </a:ext>
+                  </a:extLst>
+                </a:gridCol>
+              </a:tblGrid>
+              <a:tr h="322292">
+                <a:tc>
+                  <a:txBody>
+                    <a:bodyPr/>
+                    <a:lstStyle/>
+                    <a:p>
+                      <a:pPr fontAlgn="t"/>
+                      <a:br>
+                        <a:rPr lang="en-US" sz="1200">
+                          <a:effectLst/>
+                        </a:rPr>
+                      </a:br>
+                      <a:r>
+                        <a:rPr lang="en-US" sz="1200">
+                          <a:effectLst/>
+                        </a:rPr>
+                        <a:t>Image Signal Processor (ISP)</a:t>
+                      </a:r>
+                    </a:p>
+                  </a:txBody>
+                  <a:tcPr marL="63443" marR="63443" marT="63443" marB="63443">
+                    <a:lnL>
+                      <a:noFill/>
+                    </a:lnL>
+                    <a:lnR>
+                      <a:noFill/>
+                    </a:lnR>
+                    <a:lnT w="9525" cap="flat" cmpd="sng" algn="ctr">
+                      <a:solidFill>
+                        <a:srgbClr val="DDDDDD"/>
+                      </a:solidFill>
+                      <a:prstDash val="solid"/>
+                      <a:round/>
+                      <a:headEnd type="none" w="med" len="med"/>
+                      <a:tailEnd type="none" w="med" len="med"/>
+                    </a:lnT>
+                    <a:lnB w="9525" cap="flat" cmpd="sng" algn="ctr">
+                      <a:solidFill>
+                        <a:srgbClr val="DDDDDD"/>
+                      </a:solidFill>
+                      <a:prstDash val="solid"/>
+                      <a:round/>
+                      <a:headEnd type="none" w="med" len="med"/>
+                      <a:tailEnd type="none" w="med" len="med"/>
+                    </a:lnB>
+                    <a:solidFill>
+                      <a:srgbClr val="F9F9F9"/>
+                    </a:solidFill>
+                  </a:tcPr>
+                </a:tc>
+                <a:tc>
+                  <a:txBody>
+                    <a:bodyPr/>
+                    <a:lstStyle/>
+                    <a:p>
+                      <a:pPr fontAlgn="t"/>
+                      <a:r>
+                        <a:rPr lang="en-US" sz="1200">
+                          <a:effectLst/>
+                        </a:rPr>
+                        <a:t>1.5 Gigapixels/s</a:t>
+                      </a:r>
+                    </a:p>
+                  </a:txBody>
+                  <a:tcPr marL="63443" marR="63443" marT="63443" marB="63443">
+                    <a:lnL>
+                      <a:noFill/>
+                    </a:lnL>
+                    <a:lnR>
+                      <a:noFill/>
+                    </a:lnR>
+                    <a:lnT w="9525" cap="flat" cmpd="sng" algn="ctr">
+                      <a:solidFill>
+                        <a:srgbClr val="DDDDDD"/>
+                      </a:solidFill>
+                      <a:prstDash val="solid"/>
+                      <a:round/>
+                      <a:headEnd type="none" w="med" len="med"/>
+                      <a:tailEnd type="none" w="med" len="med"/>
+                    </a:lnT>
+                    <a:lnB w="9525" cap="flat" cmpd="sng" algn="ctr">
+                      <a:solidFill>
+                        <a:srgbClr val="DDDDDD"/>
+                      </a:solidFill>
+                      <a:prstDash val="solid"/>
+                      <a:round/>
+                      <a:headEnd type="none" w="med" len="med"/>
+                      <a:tailEnd type="none" w="med" len="med"/>
+                    </a:lnB>
+                    <a:solidFill>
+                      <a:srgbClr val="F9F9F9"/>
+                    </a:solidFill>
+                  </a:tcPr>
+                </a:tc>
+                <a:tc>
+                  <a:txBody>
+                    <a:bodyPr/>
+                    <a:lstStyle/>
+                    <a:p>
+                      <a:endParaRPr lang="en-US" sz="1200" dirty="0"/>
+                    </a:p>
+                  </a:txBody>
+                  <a:tcPr marL="76131" marR="76131" marT="38066" marB="38066">
+                    <a:lnL>
+                      <a:noFill/>
+                    </a:lnL>
+                    <a:lnB w="9525" cap="flat" cmpd="sng" algn="ctr">
+                      <a:solidFill>
+                        <a:srgbClr val="DDDDDD"/>
+                      </a:solidFill>
+                      <a:prstDash val="solid"/>
+                      <a:round/>
+                      <a:headEnd type="none" w="med" len="med"/>
+                      <a:tailEnd type="none" w="med" len="med"/>
+                    </a:lnB>
+                  </a:tcPr>
+                </a:tc>
+                <a:extLst>
+                  <a:ext uri="{0D108BD9-81ED-4DB2-BD59-A6C34878D82A}">
+                    <a16:rowId xmlns:a16="http://schemas.microsoft.com/office/drawing/2014/main" val="2440081235"/>
+                  </a:ext>
+                </a:extLst>
+              </a:tr>
+              <a:tr h="196153">
+                <a:tc>
+                  <a:txBody>
+                    <a:bodyPr/>
+                    <a:lstStyle/>
+                    <a:p>
+                      <a:pPr fontAlgn="t"/>
+                      <a:endParaRPr lang="en-US" sz="1200">
+                        <a:effectLst/>
+                      </a:endParaRPr>
+                    </a:p>
+                  </a:txBody>
+                  <a:tcPr marL="63443" marR="63443" marT="63443" marB="63443">
+                    <a:lnL>
+                      <a:noFill/>
+                    </a:lnL>
+                    <a:lnR>
+                      <a:noFill/>
+                    </a:lnR>
+                    <a:lnT w="9525" cap="flat" cmpd="sng" algn="ctr">
+                      <a:solidFill>
+                        <a:srgbClr val="DDDDDD"/>
+                      </a:solidFill>
+                      <a:prstDash val="solid"/>
+                      <a:round/>
+                      <a:headEnd type="none" w="med" len="med"/>
+                      <a:tailEnd type="none" w="med" len="med"/>
+                    </a:lnT>
+                    <a:lnB w="9525" cap="flat" cmpd="sng" algn="ctr">
+                      <a:solidFill>
+                        <a:srgbClr val="DDDDDD"/>
+                      </a:solidFill>
+                      <a:prstDash val="solid"/>
+                      <a:round/>
+                      <a:headEnd type="none" w="med" len="med"/>
+                      <a:tailEnd type="none" w="med" len="med"/>
+                    </a:lnB>
+                    <a:solidFill>
+                      <a:srgbClr val="FFFFFF"/>
+                    </a:solidFill>
+                  </a:tcPr>
+                </a:tc>
+                <a:tc>
+                  <a:txBody>
+                    <a:bodyPr/>
+                    <a:lstStyle/>
+                    <a:p>
+                      <a:pPr fontAlgn="t"/>
+                      <a:r>
+                        <a:rPr lang="en-US" sz="1200">
+                          <a:effectLst/>
+                        </a:rPr>
+                        <a:t>Video encoder</a:t>
+                      </a:r>
+                    </a:p>
+                  </a:txBody>
+                  <a:tcPr marL="63443" marR="63443" marT="63443" marB="63443">
+                    <a:lnL>
+                      <a:noFill/>
+                    </a:lnL>
+                    <a:lnR>
+                      <a:noFill/>
+                    </a:lnR>
+                    <a:lnT w="9525" cap="flat" cmpd="sng" algn="ctr">
+                      <a:solidFill>
+                        <a:srgbClr val="DDDDDD"/>
+                      </a:solidFill>
+                      <a:prstDash val="solid"/>
+                      <a:round/>
+                      <a:headEnd type="none" w="med" len="med"/>
+                      <a:tailEnd type="none" w="med" len="med"/>
+                    </a:lnT>
+                    <a:lnB w="9525" cap="flat" cmpd="sng" algn="ctr">
+                      <a:solidFill>
+                        <a:srgbClr val="DDDDDD"/>
+                      </a:solidFill>
+                      <a:prstDash val="solid"/>
+                      <a:round/>
+                      <a:headEnd type="none" w="med" len="med"/>
+                      <a:tailEnd type="none" w="med" len="med"/>
+                    </a:lnB>
+                    <a:solidFill>
+                      <a:srgbClr val="FFFFFF"/>
+                    </a:solidFill>
+                  </a:tcPr>
+                </a:tc>
+                <a:tc>
+                  <a:txBody>
+                    <a:bodyPr/>
+                    <a:lstStyle/>
+                    <a:p>
+                      <a:pPr fontAlgn="t"/>
+                      <a:r>
+                        <a:rPr lang="en-US" sz="1200" dirty="0">
+                          <a:effectLst/>
+                        </a:rPr>
+                        <a:t>Up to 1.2 </a:t>
+                      </a:r>
+                      <a:r>
+                        <a:rPr lang="en-US" sz="1200" dirty="0" err="1">
+                          <a:effectLst/>
+                        </a:rPr>
+                        <a:t>GPix</a:t>
+                      </a:r>
+                      <a:r>
+                        <a:rPr lang="en-US" sz="1200" dirty="0">
+                          <a:effectLst/>
+                        </a:rPr>
+                        <a:t>/s</a:t>
+                      </a:r>
+                    </a:p>
+                  </a:txBody>
+                  <a:tcPr marL="63443" marR="63443" marT="63443" marB="63443">
+                    <a:lnL>
+                      <a:noFill/>
+                    </a:lnL>
+                    <a:lnR>
+                      <a:noFill/>
+                    </a:lnR>
+                    <a:lnT w="9525" cap="flat" cmpd="sng" algn="ctr">
+                      <a:solidFill>
+                        <a:srgbClr val="DDDDDD"/>
+                      </a:solidFill>
+                      <a:prstDash val="solid"/>
+                      <a:round/>
+                      <a:headEnd type="none" w="med" len="med"/>
+                      <a:tailEnd type="none" w="med" len="med"/>
+                    </a:lnT>
+                    <a:lnB w="9525" cap="flat" cmpd="sng" algn="ctr">
+                      <a:solidFill>
+                        <a:srgbClr val="DDDDDD"/>
+                      </a:solidFill>
+                      <a:prstDash val="solid"/>
+                      <a:round/>
+                      <a:headEnd type="none" w="med" len="med"/>
+                      <a:tailEnd type="none" w="med" len="med"/>
+                    </a:lnB>
+                    <a:solidFill>
+                      <a:srgbClr val="FFFFFF"/>
+                    </a:solidFill>
+                  </a:tcPr>
+                </a:tc>
+                <a:extLst>
+                  <a:ext uri="{0D108BD9-81ED-4DB2-BD59-A6C34878D82A}">
+                    <a16:rowId xmlns:a16="http://schemas.microsoft.com/office/drawing/2014/main" val="3871293696"/>
+                  </a:ext>
+                </a:extLst>
+              </a:tr>
+              <a:tr h="196153">
+                <a:tc>
+                  <a:txBody>
+                    <a:bodyPr/>
+                    <a:lstStyle/>
+                    <a:p>
+                      <a:pPr fontAlgn="t"/>
+                      <a:endParaRPr lang="en-US" sz="1200">
+                        <a:effectLst/>
+                      </a:endParaRPr>
+                    </a:p>
+                  </a:txBody>
+                  <a:tcPr marL="63443" marR="63443" marT="63443" marB="63443">
+                    <a:lnL>
+                      <a:noFill/>
+                    </a:lnL>
+                    <a:lnR>
+                      <a:noFill/>
+                    </a:lnR>
+                    <a:lnT w="9525" cap="flat" cmpd="sng" algn="ctr">
+                      <a:solidFill>
+                        <a:srgbClr val="DDDDDD"/>
+                      </a:solidFill>
+                      <a:prstDash val="solid"/>
+                      <a:round/>
+                      <a:headEnd type="none" w="med" len="med"/>
+                      <a:tailEnd type="none" w="med" len="med"/>
+                    </a:lnT>
+                    <a:lnB w="9525" cap="flat" cmpd="sng" algn="ctr">
+                      <a:solidFill>
+                        <a:srgbClr val="DDDDDD"/>
+                      </a:solidFill>
+                      <a:prstDash val="solid"/>
+                      <a:round/>
+                      <a:headEnd type="none" w="med" len="med"/>
+                      <a:tailEnd type="none" w="med" len="med"/>
+                    </a:lnB>
+                    <a:solidFill>
+                      <a:srgbClr val="F9F9F9"/>
+                    </a:solidFill>
+                  </a:tcPr>
+                </a:tc>
+                <a:tc>
+                  <a:txBody>
+                    <a:bodyPr/>
+                    <a:lstStyle/>
+                    <a:p>
+                      <a:pPr fontAlgn="t"/>
+                      <a:r>
+                        <a:rPr lang="en-US" sz="1200">
+                          <a:effectLst/>
+                        </a:rPr>
+                        <a:t>Video decoder</a:t>
+                      </a:r>
+                    </a:p>
+                  </a:txBody>
+                  <a:tcPr marL="63443" marR="63443" marT="63443" marB="63443">
+                    <a:lnL>
+                      <a:noFill/>
+                    </a:lnL>
+                    <a:lnR>
+                      <a:noFill/>
+                    </a:lnR>
+                    <a:lnT w="9525" cap="flat" cmpd="sng" algn="ctr">
+                      <a:solidFill>
+                        <a:srgbClr val="DDDDDD"/>
+                      </a:solidFill>
+                      <a:prstDash val="solid"/>
+                      <a:round/>
+                      <a:headEnd type="none" w="med" len="med"/>
+                      <a:tailEnd type="none" w="med" len="med"/>
+                    </a:lnT>
+                    <a:lnB w="9525" cap="flat" cmpd="sng" algn="ctr">
+                      <a:solidFill>
+                        <a:srgbClr val="DDDDDD"/>
+                      </a:solidFill>
+                      <a:prstDash val="solid"/>
+                      <a:round/>
+                      <a:headEnd type="none" w="med" len="med"/>
+                      <a:tailEnd type="none" w="med" len="med"/>
+                    </a:lnB>
+                    <a:solidFill>
+                      <a:srgbClr val="F9F9F9"/>
+                    </a:solidFill>
+                  </a:tcPr>
+                </a:tc>
+                <a:tc>
+                  <a:txBody>
+                    <a:bodyPr/>
+                    <a:lstStyle/>
+                    <a:p>
+                      <a:pPr fontAlgn="t"/>
+                      <a:r>
+                        <a:rPr lang="en-US" sz="1200">
+                          <a:effectLst/>
+                        </a:rPr>
+                        <a:t>Up to 1.8 GPix/s</a:t>
+                      </a:r>
+                    </a:p>
+                  </a:txBody>
+                  <a:tcPr marL="63443" marR="63443" marT="63443" marB="63443">
+                    <a:lnL>
+                      <a:noFill/>
+                    </a:lnL>
+                    <a:lnR>
+                      <a:noFill/>
+                    </a:lnR>
+                    <a:lnT w="9525" cap="flat" cmpd="sng" algn="ctr">
+                      <a:solidFill>
+                        <a:srgbClr val="DDDDDD"/>
+                      </a:solidFill>
+                      <a:prstDash val="solid"/>
+                      <a:round/>
+                      <a:headEnd type="none" w="med" len="med"/>
+                      <a:tailEnd type="none" w="med" len="med"/>
+                    </a:lnT>
+                    <a:lnB w="9525" cap="flat" cmpd="sng" algn="ctr">
+                      <a:solidFill>
+                        <a:srgbClr val="DDDDDD"/>
+                      </a:solidFill>
+                      <a:prstDash val="solid"/>
+                      <a:round/>
+                      <a:headEnd type="none" w="med" len="med"/>
+                      <a:tailEnd type="none" w="med" len="med"/>
+                    </a:lnB>
+                    <a:solidFill>
+                      <a:srgbClr val="F9F9F9"/>
+                    </a:solidFill>
+                  </a:tcPr>
+                </a:tc>
+                <a:extLst>
+                  <a:ext uri="{0D108BD9-81ED-4DB2-BD59-A6C34878D82A}">
+                    <a16:rowId xmlns:a16="http://schemas.microsoft.com/office/drawing/2014/main" val="2027663659"/>
+                  </a:ext>
+                </a:extLst>
+              </a:tr>
+              <a:tr h="196153">
+                <a:tc>
+                  <a:txBody>
+                    <a:bodyPr/>
+                    <a:lstStyle/>
+                    <a:p>
+                      <a:pPr fontAlgn="t"/>
+                      <a:endParaRPr lang="en-US" sz="1200">
+                        <a:effectLst/>
+                      </a:endParaRPr>
+                    </a:p>
+                  </a:txBody>
+                  <a:tcPr marL="63443" marR="63443" marT="63443" marB="63443">
+                    <a:lnL>
+                      <a:noFill/>
+                    </a:lnL>
+                    <a:lnR>
+                      <a:noFill/>
+                    </a:lnR>
+                    <a:lnT w="9525" cap="flat" cmpd="sng" algn="ctr">
+                      <a:solidFill>
+                        <a:srgbClr val="DDDDDD"/>
+                      </a:solidFill>
+                      <a:prstDash val="solid"/>
+                      <a:round/>
+                      <a:headEnd type="none" w="med" len="med"/>
+                      <a:tailEnd type="none" w="med" len="med"/>
+                    </a:lnT>
+                    <a:lnB w="28575" cap="flat" cmpd="sng" algn="ctr">
+                      <a:solidFill>
+                        <a:srgbClr val="70B900"/>
+                      </a:solidFill>
+                      <a:prstDash val="solid"/>
+                      <a:round/>
+                      <a:headEnd type="none" w="med" len="med"/>
+                      <a:tailEnd type="none" w="med" len="med"/>
+                    </a:lnB>
+                    <a:solidFill>
+                      <a:srgbClr val="FFFFFF"/>
+                    </a:solidFill>
+                  </a:tcPr>
+                </a:tc>
+                <a:tc>
+                  <a:txBody>
+                    <a:bodyPr/>
+                    <a:lstStyle/>
+                    <a:p>
+                      <a:pPr fontAlgn="t"/>
+                      <a:r>
+                        <a:rPr lang="en-US" sz="1200">
+                          <a:effectLst/>
+                        </a:rPr>
+                        <a:t>Memory Bandwidth (256-Bit LPDDR4)</a:t>
+                      </a:r>
+                    </a:p>
+                  </a:txBody>
+                  <a:tcPr marL="63443" marR="63443" marT="63443" marB="63443">
+                    <a:lnL>
+                      <a:noFill/>
+                    </a:lnL>
+                    <a:lnR>
+                      <a:noFill/>
+                    </a:lnR>
+                    <a:lnT w="9525" cap="flat" cmpd="sng" algn="ctr">
+                      <a:solidFill>
+                        <a:srgbClr val="DDDDDD"/>
+                      </a:solidFill>
+                      <a:prstDash val="solid"/>
+                      <a:round/>
+                      <a:headEnd type="none" w="med" len="med"/>
+                      <a:tailEnd type="none" w="med" len="med"/>
+                    </a:lnT>
+                    <a:lnB w="28575" cap="flat" cmpd="sng" algn="ctr">
+                      <a:solidFill>
+                        <a:srgbClr val="70B900"/>
+                      </a:solidFill>
+                      <a:prstDash val="solid"/>
+                      <a:round/>
+                      <a:headEnd type="none" w="med" len="med"/>
+                      <a:tailEnd type="none" w="med" len="med"/>
+                    </a:lnB>
+                    <a:solidFill>
+                      <a:srgbClr val="FFFFFF"/>
+                    </a:solidFill>
+                  </a:tcPr>
+                </a:tc>
+                <a:tc>
+                  <a:txBody>
+                    <a:bodyPr/>
+                    <a:lstStyle/>
+                    <a:p>
+                      <a:pPr fontAlgn="t"/>
+                      <a:r>
+                        <a:rPr lang="en-US" sz="1200" dirty="0">
+                          <a:effectLst/>
+                        </a:rPr>
+                        <a:t>136 GB/s</a:t>
+                      </a:r>
+                    </a:p>
+                  </a:txBody>
+                  <a:tcPr marL="63443" marR="63443" marT="63443" marB="63443">
+                    <a:lnL>
+                      <a:noFill/>
+                    </a:lnL>
+                    <a:lnR>
+                      <a:noFill/>
+                    </a:lnR>
+                    <a:lnT w="9525" cap="flat" cmpd="sng" algn="ctr">
+                      <a:solidFill>
+                        <a:srgbClr val="DDDDDD"/>
+                      </a:solidFill>
+                      <a:prstDash val="solid"/>
+                      <a:round/>
+                      <a:headEnd type="none" w="med" len="med"/>
+                      <a:tailEnd type="none" w="med" len="med"/>
+                    </a:lnT>
+                    <a:lnB w="28575" cap="flat" cmpd="sng" algn="ctr">
+                      <a:solidFill>
+                        <a:srgbClr val="70B900"/>
+                      </a:solidFill>
+                      <a:prstDash val="solid"/>
+                      <a:round/>
+                      <a:headEnd type="none" w="med" len="med"/>
+                      <a:tailEnd type="none" w="med" len="med"/>
+                    </a:lnB>
+                    <a:solidFill>
+                      <a:srgbClr val="FFFFFF"/>
+                    </a:solidFill>
+                  </a:tcPr>
+                </a:tc>
+                <a:extLst>
+                  <a:ext uri="{0D108BD9-81ED-4DB2-BD59-A6C34878D82A}">
+                    <a16:rowId xmlns:a16="http://schemas.microsoft.com/office/drawing/2014/main" val="2461996244"/>
+                  </a:ext>
+                </a:extLst>
+              </a:tr>
+            </a:tbl>
+          </a:graphicData>
+        </a:graphic>
+      </p:graphicFrame>
+      <p:graphicFrame>
+        <p:nvGraphicFramePr>
+          <p:cNvPr id="5" name="Table 4">
+            <a:extLst>
+              <a:ext uri="{FF2B5EF4-FFF2-40B4-BE49-F238E27FC236}">
+                <a16:creationId xmlns:a16="http://schemas.microsoft.com/office/drawing/2014/main" id="{72A45821-FF82-4C9B-8245-FE0325EF60ED}"/>
+              </a:ext>
+            </a:extLst>
+          </p:cNvPr>
+          <p:cNvGraphicFramePr>
+            <a:graphicFrameLocks noGrp="1"/>
+          </p:cNvGraphicFramePr>
+          <p:nvPr>
+            <p:extLst>
+              <p:ext uri="{D42A27DB-BD31-4B8C-83A1-F6EECF244321}">
+                <p14:modId xmlns:p14="http://schemas.microsoft.com/office/powerpoint/2010/main" val="1061507666"/>
+              </p:ext>
+            </p:extLst>
+          </p:nvPr>
+        </p:nvGraphicFramePr>
+        <p:xfrm>
+          <a:off x="5360756" y="4001294"/>
+          <a:ext cx="6831243" cy="1167342"/>
+        </p:xfrm>
+        <a:graphic>
+          <a:graphicData uri="http://schemas.openxmlformats.org/drawingml/2006/table">
+            <a:tbl>
+              <a:tblPr/>
+              <a:tblGrid>
+                <a:gridCol w="2277081">
+                  <a:extLst>
+                    <a:ext uri="{9D8B030D-6E8A-4147-A177-3AD203B41FA5}">
+                      <a16:colId xmlns:a16="http://schemas.microsoft.com/office/drawing/2014/main" val="2917697840"/>
+                    </a:ext>
+                  </a:extLst>
+                </a:gridCol>
+                <a:gridCol w="2277081">
+                  <a:extLst>
+                    <a:ext uri="{9D8B030D-6E8A-4147-A177-3AD203B41FA5}">
+                      <a16:colId xmlns:a16="http://schemas.microsoft.com/office/drawing/2014/main" val="88360812"/>
+                    </a:ext>
+                  </a:extLst>
+                </a:gridCol>
+                <a:gridCol w="2277081">
+                  <a:extLst>
+                    <a:ext uri="{9D8B030D-6E8A-4147-A177-3AD203B41FA5}">
+                      <a16:colId xmlns:a16="http://schemas.microsoft.com/office/drawing/2014/main" val="3180993644"/>
+                    </a:ext>
+                  </a:extLst>
+                </a:gridCol>
+              </a:tblGrid>
+              <a:tr h="812064">
+                <a:tc>
+                  <a:txBody>
+                    <a:bodyPr/>
+                    <a:lstStyle/>
+                    <a:p>
+                      <a:pPr fontAlgn="t"/>
+                      <a:r>
+                        <a:rPr lang="en-US" sz="1200">
+                          <a:effectLst/>
+                        </a:rPr>
+                        <a:t>Two “Turing” Discrete GPUs (DRIVE AGX Pegasus)</a:t>
+                      </a:r>
+                    </a:p>
+                  </a:txBody>
+                  <a:tcPr marL="63443" marR="63443" marT="63443" marB="63443">
+                    <a:lnL>
+                      <a:noFill/>
+                    </a:lnL>
+                    <a:lnR>
+                      <a:noFill/>
+                    </a:lnR>
+                    <a:lnT w="9525" cap="flat" cmpd="sng" algn="ctr">
+                      <a:solidFill>
+                        <a:srgbClr val="DDDDDD"/>
+                      </a:solidFill>
+                      <a:prstDash val="solid"/>
+                      <a:round/>
+                      <a:headEnd type="none" w="med" len="med"/>
+                      <a:tailEnd type="none" w="med" len="med"/>
+                    </a:lnT>
+                    <a:lnB w="9525" cap="flat" cmpd="sng" algn="ctr">
+                      <a:solidFill>
+                        <a:srgbClr val="DDDDDD"/>
+                      </a:solidFill>
+                      <a:prstDash val="solid"/>
+                      <a:round/>
+                      <a:headEnd type="none" w="med" len="med"/>
+                      <a:tailEnd type="none" w="med" len="med"/>
+                    </a:lnB>
+                    <a:solidFill>
+                      <a:srgbClr val="F9F9F9"/>
+                    </a:solidFill>
+                  </a:tcPr>
+                </a:tc>
+                <a:tc>
+                  <a:txBody>
+                    <a:bodyPr/>
+                    <a:lstStyle/>
+                    <a:p>
+                      <a:pPr fontAlgn="t"/>
+                      <a:r>
+                        <a:rPr lang="en-US" sz="1200">
+                          <a:effectLst/>
+                        </a:rPr>
+                        <a:t>Turing discrete GPU (TU104 SXM2)</a:t>
+                      </a:r>
+                    </a:p>
+                  </a:txBody>
+                  <a:tcPr marL="63443" marR="63443" marT="63443" marB="63443">
+                    <a:lnL>
+                      <a:noFill/>
+                    </a:lnL>
+                    <a:lnR>
+                      <a:noFill/>
+                    </a:lnR>
+                    <a:lnT w="9525" cap="flat" cmpd="sng" algn="ctr">
+                      <a:solidFill>
+                        <a:srgbClr val="DDDDDD"/>
+                      </a:solidFill>
+                      <a:prstDash val="solid"/>
+                      <a:round/>
+                      <a:headEnd type="none" w="med" len="med"/>
+                      <a:tailEnd type="none" w="med" len="med"/>
+                    </a:lnT>
+                    <a:lnB w="9525" cap="flat" cmpd="sng" algn="ctr">
+                      <a:solidFill>
+                        <a:srgbClr val="DDDDDD"/>
+                      </a:solidFill>
+                      <a:prstDash val="solid"/>
+                      <a:round/>
+                      <a:headEnd type="none" w="med" len="med"/>
+                      <a:tailEnd type="none" w="med" len="med"/>
+                    </a:lnB>
+                    <a:solidFill>
+                      <a:srgbClr val="F9F9F9"/>
+                    </a:solidFill>
+                  </a:tcPr>
+                </a:tc>
+                <a:tc>
+                  <a:txBody>
+                    <a:bodyPr/>
+                    <a:lstStyle/>
+                    <a:p>
+                      <a:pPr fontAlgn="t"/>
+                      <a:r>
+                        <a:rPr lang="en-US" sz="1200">
+                          <a:effectLst/>
+                        </a:rPr>
+                        <a:t>130 TOPS (INT8) | 8.1 TFlops (FP32) connected to Xavier SoC over NVIDIA® NVLink™ (20 GB/s)</a:t>
+                      </a:r>
+                    </a:p>
+                  </a:txBody>
+                  <a:tcPr marL="63443" marR="63443" marT="63443" marB="63443">
+                    <a:lnL>
+                      <a:noFill/>
+                    </a:lnL>
+                    <a:lnR>
+                      <a:noFill/>
+                    </a:lnR>
+                    <a:lnT w="9525" cap="flat" cmpd="sng" algn="ctr">
+                      <a:solidFill>
+                        <a:srgbClr val="DDDDDD"/>
+                      </a:solidFill>
+                      <a:prstDash val="solid"/>
+                      <a:round/>
+                      <a:headEnd type="none" w="med" len="med"/>
+                      <a:tailEnd type="none" w="med" len="med"/>
+                    </a:lnT>
+                    <a:lnB w="9525" cap="flat" cmpd="sng" algn="ctr">
+                      <a:solidFill>
+                        <a:srgbClr val="DDDDDD"/>
+                      </a:solidFill>
+                      <a:prstDash val="solid"/>
+                      <a:round/>
+                      <a:headEnd type="none" w="med" len="med"/>
+                      <a:tailEnd type="none" w="med" len="med"/>
+                    </a:lnB>
+                    <a:solidFill>
+                      <a:srgbClr val="F9F9F9"/>
+                    </a:solidFill>
+                  </a:tcPr>
+                </a:tc>
+                <a:extLst>
+                  <a:ext uri="{0D108BD9-81ED-4DB2-BD59-A6C34878D82A}">
+                    <a16:rowId xmlns:a16="http://schemas.microsoft.com/office/drawing/2014/main" val="1086244321"/>
+                  </a:ext>
+                </a:extLst>
+              </a:tr>
+              <a:tr h="355278">
+                <a:tc>
+                  <a:txBody>
+                    <a:bodyPr/>
+                    <a:lstStyle/>
+                    <a:p>
+                      <a:pPr fontAlgn="t"/>
+                      <a:endParaRPr lang="en-US" sz="1200">
+                        <a:effectLst/>
+                      </a:endParaRPr>
+                    </a:p>
+                  </a:txBody>
+                  <a:tcPr marL="63443" marR="63443" marT="63443" marB="63443">
+                    <a:lnL>
+                      <a:noFill/>
+                    </a:lnL>
+                    <a:lnR>
+                      <a:noFill/>
+                    </a:lnR>
+                    <a:lnT w="9525" cap="flat" cmpd="sng" algn="ctr">
+                      <a:solidFill>
+                        <a:srgbClr val="DDDDDD"/>
+                      </a:solidFill>
+                      <a:prstDash val="solid"/>
+                      <a:round/>
+                      <a:headEnd type="none" w="med" len="med"/>
+                      <a:tailEnd type="none" w="med" len="med"/>
+                    </a:lnT>
+                    <a:lnB w="28575" cap="flat" cmpd="sng" algn="ctr">
+                      <a:solidFill>
+                        <a:srgbClr val="70B900"/>
+                      </a:solidFill>
+                      <a:prstDash val="solid"/>
+                      <a:round/>
+                      <a:headEnd type="none" w="med" len="med"/>
+                      <a:tailEnd type="none" w="med" len="med"/>
+                    </a:lnB>
+                    <a:solidFill>
+                      <a:srgbClr val="FFFFFF"/>
+                    </a:solidFill>
+                  </a:tcPr>
+                </a:tc>
+                <a:tc>
+                  <a:txBody>
+                    <a:bodyPr/>
+                    <a:lstStyle/>
+                    <a:p>
+                      <a:pPr fontAlgn="t"/>
+                      <a:r>
+                        <a:rPr lang="en-US" sz="1200">
+                          <a:effectLst/>
+                        </a:rPr>
+                        <a:t>Discrete GPU Memory Bandwidth</a:t>
+                      </a:r>
+                    </a:p>
+                  </a:txBody>
+                  <a:tcPr marL="63443" marR="63443" marT="63443" marB="63443">
+                    <a:lnL>
+                      <a:noFill/>
+                    </a:lnL>
+                    <a:lnR>
+                      <a:noFill/>
+                    </a:lnR>
+                    <a:lnT w="9525" cap="flat" cmpd="sng" algn="ctr">
+                      <a:solidFill>
+                        <a:srgbClr val="DDDDDD"/>
+                      </a:solidFill>
+                      <a:prstDash val="solid"/>
+                      <a:round/>
+                      <a:headEnd type="none" w="med" len="med"/>
+                      <a:tailEnd type="none" w="med" len="med"/>
+                    </a:lnT>
+                    <a:lnB w="28575" cap="flat" cmpd="sng" algn="ctr">
+                      <a:solidFill>
+                        <a:srgbClr val="70B900"/>
+                      </a:solidFill>
+                      <a:prstDash val="solid"/>
+                      <a:round/>
+                      <a:headEnd type="none" w="med" len="med"/>
+                      <a:tailEnd type="none" w="med" len="med"/>
+                    </a:lnB>
+                    <a:solidFill>
+                      <a:srgbClr val="FFFFFF"/>
+                    </a:solidFill>
+                  </a:tcPr>
+                </a:tc>
+                <a:tc>
+                  <a:txBody>
+                    <a:bodyPr/>
+                    <a:lstStyle/>
+                    <a:p>
+                      <a:pPr fontAlgn="t"/>
+                      <a:r>
+                        <a:rPr lang="en-US" sz="1200" dirty="0">
+                          <a:effectLst/>
+                        </a:rPr>
+                        <a:t>384 GB/s</a:t>
+                      </a:r>
+                    </a:p>
+                  </a:txBody>
+                  <a:tcPr marL="63443" marR="63443" marT="63443" marB="63443">
+                    <a:lnL>
+                      <a:noFill/>
+                    </a:lnL>
+                    <a:lnR>
+                      <a:noFill/>
+                    </a:lnR>
+                    <a:lnT w="9525" cap="flat" cmpd="sng" algn="ctr">
+                      <a:solidFill>
+                        <a:srgbClr val="DDDDDD"/>
+                      </a:solidFill>
+                      <a:prstDash val="solid"/>
+                      <a:round/>
+                      <a:headEnd type="none" w="med" len="med"/>
+                      <a:tailEnd type="none" w="med" len="med"/>
+                    </a:lnT>
+                    <a:lnB w="28575" cap="flat" cmpd="sng" algn="ctr">
+                      <a:solidFill>
+                        <a:srgbClr val="70B900"/>
+                      </a:solidFill>
+                      <a:prstDash val="solid"/>
+                      <a:round/>
+                      <a:headEnd type="none" w="med" len="med"/>
+                      <a:tailEnd type="none" w="med" len="med"/>
+                    </a:lnB>
+                    <a:solidFill>
+                      <a:srgbClr val="FFFFFF"/>
+                    </a:solidFill>
+                  </a:tcPr>
+                </a:tc>
+                <a:extLst>
+                  <a:ext uri="{0D108BD9-81ED-4DB2-BD59-A6C34878D82A}">
+                    <a16:rowId xmlns:a16="http://schemas.microsoft.com/office/drawing/2014/main" val="1405452125"/>
+                  </a:ext>
+                </a:extLst>
+              </a:tr>
+            </a:tbl>
+          </a:graphicData>
+        </a:graphic>
+      </p:graphicFrame>
+    </p:spTree>
+    <p:extLst>
+      <p:ext uri="{BB962C8B-B14F-4D97-AF65-F5344CB8AC3E}">
+        <p14:creationId xmlns:p14="http://schemas.microsoft.com/office/powerpoint/2010/main" val="2452730375"/>
+      </p:ext>
+    </p:extLst>
+  </p:cSld>
+  <p:clrMapOvr>
+    <a:masterClrMapping/>
+  </p:clrMapOvr>
+</p:sld>
+</file>
+
+<file path=ppt/slides/slide11.xml><?xml version="1.0" encoding="utf-8"?>
 <p:sld xmlns:a="http://schemas.openxmlformats.org/drawingml/2006/main" xmlns:r="http://schemas.openxmlformats.org/officeDocument/2006/relationships" xmlns:p="http://schemas.openxmlformats.org/presentationml/2006/main">
   <p:cSld>
     <p:spTree>
@@ -4859,7 +5896,7 @@
 </p:sld>
 </file>
 
-<file path=ppt/slides/slide11.xml><?xml version="1.0" encoding="utf-8"?>
+<file path=ppt/slides/slide12.xml><?xml version="1.0" encoding="utf-8"?>
 <p:sld xmlns:a="http://schemas.openxmlformats.org/drawingml/2006/main" xmlns:r="http://schemas.openxmlformats.org/officeDocument/2006/relationships" xmlns:p="http://schemas.openxmlformats.org/presentationml/2006/main">
   <p:cSld>
     <p:spTree>
@@ -5133,7 +6170,7 @@
 </p:sld>
 </file>
 
-<file path=ppt/slides/slide12.xml><?xml version="1.0" encoding="utf-8"?>
+<file path=ppt/slides/slide13.xml><?xml version="1.0" encoding="utf-8"?>
 <p:sld xmlns:a="http://schemas.openxmlformats.org/drawingml/2006/main" xmlns:r="http://schemas.openxmlformats.org/officeDocument/2006/relationships" xmlns:p="http://schemas.openxmlformats.org/presentationml/2006/main">
   <p:cSld>
     <p:spTree>
@@ -5210,7 +6247,7 @@
 </p:sld>
 </file>
 
-<file path=ppt/slides/slide13.xml><?xml version="1.0" encoding="utf-8"?>
+<file path=ppt/slides/slide14.xml><?xml version="1.0" encoding="utf-8"?>
 <p:sld xmlns:a="http://schemas.openxmlformats.org/drawingml/2006/main" xmlns:r="http://schemas.openxmlformats.org/officeDocument/2006/relationships" xmlns:p="http://schemas.openxmlformats.org/presentationml/2006/main">
   <p:cSld>
     <p:spTree>
@@ -6060,7 +7097,7 @@
 </p:sld>
 </file>
 
-<file path=ppt/slides/slide14.xml><?xml version="1.0" encoding="utf-8"?>
+<file path=ppt/slides/slide15.xml><?xml version="1.0" encoding="utf-8"?>
 <p:sld xmlns:a="http://schemas.openxmlformats.org/drawingml/2006/main" xmlns:r="http://schemas.openxmlformats.org/officeDocument/2006/relationships" xmlns:p="http://schemas.openxmlformats.org/presentationml/2006/main">
   <p:cSld>
     <p:bg>
@@ -6441,7 +7478,7 @@
 </p:sld>
 </file>
 
-<file path=ppt/slides/slide15.xml><?xml version="1.0" encoding="utf-8"?>
+<file path=ppt/slides/slide16.xml><?xml version="1.0" encoding="utf-8"?>
 <p:sld xmlns:a="http://schemas.openxmlformats.org/drawingml/2006/main" xmlns:r="http://schemas.openxmlformats.org/officeDocument/2006/relationships" xmlns:p="http://schemas.openxmlformats.org/presentationml/2006/main">
   <p:cSld>
     <p:spTree>
@@ -6537,6 +7574,1466 @@
     <p:extLst>
       <p:ext uri="{BB962C8B-B14F-4D97-AF65-F5344CB8AC3E}">
         <p14:creationId xmlns:p14="http://schemas.microsoft.com/office/powerpoint/2010/main" val="292964011"/>
+      </p:ext>
+    </p:extLst>
+  </p:cSld>
+  <p:clrMapOvr>
+    <a:masterClrMapping/>
+  </p:clrMapOvr>
+</p:sld>
+</file>
+
+<file path=ppt/slides/slide17.xml><?xml version="1.0" encoding="utf-8"?>
+<p:sld xmlns:a="http://schemas.openxmlformats.org/drawingml/2006/main" xmlns:r="http://schemas.openxmlformats.org/officeDocument/2006/relationships" xmlns:p="http://schemas.openxmlformats.org/presentationml/2006/main">
+  <p:cSld>
+    <p:spTree>
+      <p:nvGrpSpPr>
+        <p:cNvPr id="1" name=""/>
+        <p:cNvGrpSpPr/>
+        <p:nvPr/>
+      </p:nvGrpSpPr>
+      <p:grpSpPr>
+        <a:xfrm>
+          <a:off x="0" y="0"/>
+          <a:ext cx="0" cy="0"/>
+          <a:chOff x="0" y="0"/>
+          <a:chExt cx="0" cy="0"/>
+        </a:xfrm>
+      </p:grpSpPr>
+      <p:pic>
+        <p:nvPicPr>
+          <p:cNvPr id="5" name="Picture 4" descr="Chart, line chart&#10;&#10;Description automatically generated">
+            <a:extLst>
+              <a:ext uri="{FF2B5EF4-FFF2-40B4-BE49-F238E27FC236}">
+                <a16:creationId xmlns:a16="http://schemas.microsoft.com/office/drawing/2014/main" id="{13E0068F-5E6C-4DAF-B323-B2FD18F4C7CD}"/>
+              </a:ext>
+            </a:extLst>
+          </p:cNvPr>
+          <p:cNvPicPr>
+            <a:picLocks noChangeAspect="1"/>
+          </p:cNvPicPr>
+          <p:nvPr/>
+        </p:nvPicPr>
+        <p:blipFill>
+          <a:blip r:embed="rId2"/>
+          <a:stretch>
+            <a:fillRect/>
+          </a:stretch>
+        </p:blipFill>
+        <p:spPr>
+          <a:xfrm>
+            <a:off x="1404937" y="928687"/>
+            <a:ext cx="9382125" cy="5000625"/>
+          </a:xfrm>
+          <a:prstGeom prst="rect">
+            <a:avLst/>
+          </a:prstGeom>
+        </p:spPr>
+      </p:pic>
+    </p:spTree>
+    <p:extLst>
+      <p:ext uri="{BB962C8B-B14F-4D97-AF65-F5344CB8AC3E}">
+        <p14:creationId xmlns:p14="http://schemas.microsoft.com/office/powerpoint/2010/main" val="1797073204"/>
+      </p:ext>
+    </p:extLst>
+  </p:cSld>
+  <p:clrMapOvr>
+    <a:masterClrMapping/>
+  </p:clrMapOvr>
+</p:sld>
+</file>
+
+<file path=ppt/slides/slide18.xml><?xml version="1.0" encoding="utf-8"?>
+<p:sld xmlns:a="http://schemas.openxmlformats.org/drawingml/2006/main" xmlns:r="http://schemas.openxmlformats.org/officeDocument/2006/relationships" xmlns:p="http://schemas.openxmlformats.org/presentationml/2006/main">
+  <p:cSld>
+    <p:spTree>
+      <p:nvGrpSpPr>
+        <p:cNvPr id="1" name=""/>
+        <p:cNvGrpSpPr/>
+        <p:nvPr/>
+      </p:nvGrpSpPr>
+      <p:grpSpPr>
+        <a:xfrm>
+          <a:off x="0" y="0"/>
+          <a:ext cx="0" cy="0"/>
+          <a:chOff x="0" y="0"/>
+          <a:chExt cx="0" cy="0"/>
+        </a:xfrm>
+      </p:grpSpPr>
+      <p:sp>
+        <p:nvSpPr>
+          <p:cNvPr id="2" name="Title 1">
+            <a:extLst>
+              <a:ext uri="{FF2B5EF4-FFF2-40B4-BE49-F238E27FC236}">
+                <a16:creationId xmlns:a16="http://schemas.microsoft.com/office/drawing/2014/main" id="{15D4439E-AC53-4A84-808A-A6BDC4CA41D4}"/>
+              </a:ext>
+            </a:extLst>
+          </p:cNvPr>
+          <p:cNvSpPr>
+            <a:spLocks noGrp="1"/>
+          </p:cNvSpPr>
+          <p:nvPr>
+            <p:ph type="title"/>
+          </p:nvPr>
+        </p:nvSpPr>
+        <p:spPr/>
+        <p:txBody>
+          <a:bodyPr/>
+          <a:lstStyle/>
+          <a:p>
+            <a:r>
+              <a:rPr lang="en-US" dirty="0"/>
+              <a:t>Reflex Network</a:t>
+            </a:r>
+          </a:p>
+        </p:txBody>
+      </p:sp>
+      <p:grpSp>
+        <p:nvGrpSpPr>
+          <p:cNvPr id="4" name="Group 3">
+            <a:extLst>
+              <a:ext uri="{FF2B5EF4-FFF2-40B4-BE49-F238E27FC236}">
+                <a16:creationId xmlns:a16="http://schemas.microsoft.com/office/drawing/2014/main" id="{FE9159C1-826E-422D-9366-79DFBDF86357}"/>
+              </a:ext>
+            </a:extLst>
+          </p:cNvPr>
+          <p:cNvGrpSpPr/>
+          <p:nvPr/>
+        </p:nvGrpSpPr>
+        <p:grpSpPr>
+          <a:xfrm>
+            <a:off x="1361775" y="2167081"/>
+            <a:ext cx="3369987" cy="3210805"/>
+            <a:chOff x="865910" y="1127278"/>
+            <a:chExt cx="3369987" cy="3210805"/>
+          </a:xfrm>
+        </p:grpSpPr>
+        <p:sp>
+          <p:nvSpPr>
+            <p:cNvPr id="5" name="Rectangle 4">
+              <a:extLst>
+                <a:ext uri="{FF2B5EF4-FFF2-40B4-BE49-F238E27FC236}">
+                  <a16:creationId xmlns:a16="http://schemas.microsoft.com/office/drawing/2014/main" id="{1467CCC9-58B0-46A9-AC00-EF437B9163D2}"/>
+                </a:ext>
+              </a:extLst>
+            </p:cNvPr>
+            <p:cNvSpPr/>
+            <p:nvPr/>
+          </p:nvSpPr>
+          <p:spPr>
+            <a:xfrm>
+              <a:off x="1799071" y="1582714"/>
+              <a:ext cx="1570471" cy="1300757"/>
+            </a:xfrm>
+            <a:prstGeom prst="rect">
+              <a:avLst/>
+            </a:prstGeom>
+            <a:solidFill>
+              <a:schemeClr val="bg1">
+                <a:lumMod val="95000"/>
+              </a:schemeClr>
+            </a:solidFill>
+            <a:ln>
+              <a:prstDash val="dash"/>
+            </a:ln>
+          </p:spPr>
+          <p:style>
+            <a:lnRef idx="2">
+              <a:schemeClr val="accent1">
+                <a:shade val="50000"/>
+              </a:schemeClr>
+            </a:lnRef>
+            <a:fillRef idx="1">
+              <a:schemeClr val="accent1"/>
+            </a:fillRef>
+            <a:effectRef idx="0">
+              <a:schemeClr val="accent1"/>
+            </a:effectRef>
+            <a:fontRef idx="minor">
+              <a:schemeClr val="lt1"/>
+            </a:fontRef>
+          </p:style>
+          <p:txBody>
+            <a:bodyPr rtlCol="0" anchor="ctr"/>
+            <a:lstStyle/>
+            <a:p>
+              <a:pPr algn="ctr"/>
+              <a:endParaRPr lang="en-US"/>
+            </a:p>
+          </p:txBody>
+        </p:sp>
+        <p:sp>
+          <p:nvSpPr>
+            <p:cNvPr id="6" name="TextBox 5">
+              <a:extLst>
+                <a:ext uri="{FF2B5EF4-FFF2-40B4-BE49-F238E27FC236}">
+                  <a16:creationId xmlns:a16="http://schemas.microsoft.com/office/drawing/2014/main" id="{ACC28628-8C5F-4330-8358-F09D81020E19}"/>
+                </a:ext>
+              </a:extLst>
+            </p:cNvPr>
+            <p:cNvSpPr txBox="1"/>
+            <p:nvPr/>
+          </p:nvSpPr>
+          <p:spPr>
+            <a:xfrm>
+              <a:off x="865910" y="2828835"/>
+              <a:ext cx="568036" cy="1200329"/>
+            </a:xfrm>
+            <a:prstGeom prst="rect">
+              <a:avLst/>
+            </a:prstGeom>
+            <a:noFill/>
+          </p:spPr>
+          <p:txBody>
+            <a:bodyPr wrap="square" rtlCol="0">
+              <a:spAutoFit/>
+            </a:bodyPr>
+            <a:lstStyle/>
+            <a:p>
+              <a:r>
+                <a:rPr lang="en-US" dirty="0"/>
+                <a:t>S_0</a:t>
+              </a:r>
+            </a:p>
+            <a:p>
+              <a:r>
+                <a:rPr lang="en-US" dirty="0"/>
+                <a:t>S_1</a:t>
+              </a:r>
+            </a:p>
+            <a:p>
+              <a:r>
+                <a:rPr lang="en-US" dirty="0"/>
+                <a:t>S_2</a:t>
+              </a:r>
+            </a:p>
+            <a:p>
+              <a:r>
+                <a:rPr lang="en-US" dirty="0"/>
+                <a:t>S_3</a:t>
+              </a:r>
+            </a:p>
+          </p:txBody>
+        </p:sp>
+        <p:sp>
+          <p:nvSpPr>
+            <p:cNvPr id="7" name="Oval 6">
+              <a:extLst>
+                <a:ext uri="{FF2B5EF4-FFF2-40B4-BE49-F238E27FC236}">
+                  <a16:creationId xmlns:a16="http://schemas.microsoft.com/office/drawing/2014/main" id="{041380CB-2214-4B27-9ED1-E8F71AA7BC4D}"/>
+                </a:ext>
+              </a:extLst>
+            </p:cNvPr>
+            <p:cNvSpPr/>
+            <p:nvPr/>
+          </p:nvSpPr>
+          <p:spPr>
+            <a:xfrm>
+              <a:off x="2382982" y="2167082"/>
+              <a:ext cx="214746" cy="214746"/>
+            </a:xfrm>
+            <a:prstGeom prst="ellipse">
+              <a:avLst/>
+            </a:prstGeom>
+          </p:spPr>
+          <p:style>
+            <a:lnRef idx="2">
+              <a:schemeClr val="accent1">
+                <a:shade val="50000"/>
+              </a:schemeClr>
+            </a:lnRef>
+            <a:fillRef idx="1">
+              <a:schemeClr val="accent1"/>
+            </a:fillRef>
+            <a:effectRef idx="0">
+              <a:schemeClr val="accent1"/>
+            </a:effectRef>
+            <a:fontRef idx="minor">
+              <a:schemeClr val="lt1"/>
+            </a:fontRef>
+          </p:style>
+          <p:txBody>
+            <a:bodyPr rtlCol="0" anchor="ctr"/>
+            <a:lstStyle/>
+            <a:p>
+              <a:pPr algn="ctr"/>
+              <a:endParaRPr lang="en-US"/>
+            </a:p>
+          </p:txBody>
+        </p:sp>
+        <p:cxnSp>
+          <p:nvCxnSpPr>
+            <p:cNvPr id="8" name="Straight Connector 7">
+              <a:extLst>
+                <a:ext uri="{FF2B5EF4-FFF2-40B4-BE49-F238E27FC236}">
+                  <a16:creationId xmlns:a16="http://schemas.microsoft.com/office/drawing/2014/main" id="{4A6D67F0-31AC-4418-813F-F07751BB013A}"/>
+                </a:ext>
+              </a:extLst>
+            </p:cNvPr>
+            <p:cNvCxnSpPr>
+              <a:cxnSpLocks/>
+              <a:endCxn id="7" idx="2"/>
+            </p:cNvCxnSpPr>
+            <p:nvPr/>
+          </p:nvCxnSpPr>
+          <p:spPr>
+            <a:xfrm flipV="1">
+              <a:off x="1327150" y="2274455"/>
+              <a:ext cx="1055832" cy="995795"/>
+            </a:xfrm>
+            <a:prstGeom prst="line">
+              <a:avLst/>
+            </a:prstGeom>
+          </p:spPr>
+          <p:style>
+            <a:lnRef idx="1">
+              <a:schemeClr val="accent1"/>
+            </a:lnRef>
+            <a:fillRef idx="0">
+              <a:schemeClr val="accent1"/>
+            </a:fillRef>
+            <a:effectRef idx="0">
+              <a:schemeClr val="accent1"/>
+            </a:effectRef>
+            <a:fontRef idx="minor">
+              <a:schemeClr val="tx1"/>
+            </a:fontRef>
+          </p:style>
+        </p:cxnSp>
+        <p:sp>
+          <p:nvSpPr>
+            <p:cNvPr id="9" name="TextBox 8">
+              <a:extLst>
+                <a:ext uri="{FF2B5EF4-FFF2-40B4-BE49-F238E27FC236}">
+                  <a16:creationId xmlns:a16="http://schemas.microsoft.com/office/drawing/2014/main" id="{9CC3FEFE-E110-4380-9E1A-06EF75E2D037}"/>
+                </a:ext>
+              </a:extLst>
+            </p:cNvPr>
+            <p:cNvSpPr txBox="1"/>
+            <p:nvPr/>
+          </p:nvSpPr>
+          <p:spPr>
+            <a:xfrm>
+              <a:off x="1799071" y="2328142"/>
+              <a:ext cx="568036" cy="369332"/>
+            </a:xfrm>
+            <a:prstGeom prst="rect">
+              <a:avLst/>
+            </a:prstGeom>
+            <a:noFill/>
+          </p:spPr>
+          <p:txBody>
+            <a:bodyPr wrap="square" rtlCol="0">
+              <a:spAutoFit/>
+            </a:bodyPr>
+            <a:lstStyle/>
+            <a:p>
+              <a:r>
+                <a:rPr lang="en-US" dirty="0"/>
+                <a:t>1</a:t>
+              </a:r>
+            </a:p>
+          </p:txBody>
+        </p:sp>
+        <p:sp>
+          <p:nvSpPr>
+            <p:cNvPr id="10" name="Oval 9">
+              <a:extLst>
+                <a:ext uri="{FF2B5EF4-FFF2-40B4-BE49-F238E27FC236}">
+                  <a16:creationId xmlns:a16="http://schemas.microsoft.com/office/drawing/2014/main" id="{90FF42B2-B27D-4705-B540-74BCAF2FD95C}"/>
+                </a:ext>
+              </a:extLst>
+            </p:cNvPr>
+            <p:cNvSpPr/>
+            <p:nvPr/>
+          </p:nvSpPr>
+          <p:spPr>
+            <a:xfrm>
+              <a:off x="2382982" y="2459121"/>
+              <a:ext cx="214746" cy="214746"/>
+            </a:xfrm>
+            <a:prstGeom prst="ellipse">
+              <a:avLst/>
+            </a:prstGeom>
+          </p:spPr>
+          <p:style>
+            <a:lnRef idx="2">
+              <a:schemeClr val="accent1">
+                <a:shade val="50000"/>
+              </a:schemeClr>
+            </a:lnRef>
+            <a:fillRef idx="1">
+              <a:schemeClr val="accent1"/>
+            </a:fillRef>
+            <a:effectRef idx="0">
+              <a:schemeClr val="accent1"/>
+            </a:effectRef>
+            <a:fontRef idx="minor">
+              <a:schemeClr val="lt1"/>
+            </a:fontRef>
+          </p:style>
+          <p:txBody>
+            <a:bodyPr rtlCol="0" anchor="ctr"/>
+            <a:lstStyle/>
+            <a:p>
+              <a:pPr algn="ctr"/>
+              <a:endParaRPr lang="en-US"/>
+            </a:p>
+          </p:txBody>
+        </p:sp>
+        <p:cxnSp>
+          <p:nvCxnSpPr>
+            <p:cNvPr id="11" name="Straight Connector 10">
+              <a:extLst>
+                <a:ext uri="{FF2B5EF4-FFF2-40B4-BE49-F238E27FC236}">
+                  <a16:creationId xmlns:a16="http://schemas.microsoft.com/office/drawing/2014/main" id="{C5B45626-ED82-42F1-B100-706F22F7E14C}"/>
+                </a:ext>
+              </a:extLst>
+            </p:cNvPr>
+            <p:cNvCxnSpPr>
+              <a:cxnSpLocks/>
+              <a:endCxn id="10" idx="2"/>
+            </p:cNvCxnSpPr>
+            <p:nvPr/>
+          </p:nvCxnSpPr>
+          <p:spPr>
+            <a:xfrm flipV="1">
+              <a:off x="1327150" y="2566494"/>
+              <a:ext cx="1055832" cy="703756"/>
+            </a:xfrm>
+            <a:prstGeom prst="line">
+              <a:avLst/>
+            </a:prstGeom>
+          </p:spPr>
+          <p:style>
+            <a:lnRef idx="1">
+              <a:schemeClr val="accent1"/>
+            </a:lnRef>
+            <a:fillRef idx="0">
+              <a:schemeClr val="accent1"/>
+            </a:fillRef>
+            <a:effectRef idx="0">
+              <a:schemeClr val="accent1"/>
+            </a:effectRef>
+            <a:fontRef idx="minor">
+              <a:schemeClr val="tx1"/>
+            </a:fontRef>
+          </p:style>
+        </p:cxnSp>
+        <p:sp>
+          <p:nvSpPr>
+            <p:cNvPr id="12" name="Oval 11">
+              <a:extLst>
+                <a:ext uri="{FF2B5EF4-FFF2-40B4-BE49-F238E27FC236}">
+                  <a16:creationId xmlns:a16="http://schemas.microsoft.com/office/drawing/2014/main" id="{E070F4CC-0CAA-4239-8ACC-DA2F4BDA8A39}"/>
+                </a:ext>
+              </a:extLst>
+            </p:cNvPr>
+            <p:cNvSpPr/>
+            <p:nvPr/>
+          </p:nvSpPr>
+          <p:spPr>
+            <a:xfrm>
+              <a:off x="2821132" y="1698944"/>
+              <a:ext cx="214746" cy="214746"/>
+            </a:xfrm>
+            <a:prstGeom prst="ellipse">
+              <a:avLst/>
+            </a:prstGeom>
+          </p:spPr>
+          <p:style>
+            <a:lnRef idx="2">
+              <a:schemeClr val="accent6">
+                <a:shade val="50000"/>
+              </a:schemeClr>
+            </a:lnRef>
+            <a:fillRef idx="1">
+              <a:schemeClr val="accent6"/>
+            </a:fillRef>
+            <a:effectRef idx="0">
+              <a:schemeClr val="accent6"/>
+            </a:effectRef>
+            <a:fontRef idx="minor">
+              <a:schemeClr val="lt1"/>
+            </a:fontRef>
+          </p:style>
+          <p:txBody>
+            <a:bodyPr rtlCol="0" anchor="ctr"/>
+            <a:lstStyle/>
+            <a:p>
+              <a:pPr algn="ctr"/>
+              <a:endParaRPr lang="en-US"/>
+            </a:p>
+          </p:txBody>
+        </p:sp>
+        <p:sp>
+          <p:nvSpPr>
+            <p:cNvPr id="13" name="TextBox 12">
+              <a:extLst>
+                <a:ext uri="{FF2B5EF4-FFF2-40B4-BE49-F238E27FC236}">
+                  <a16:creationId xmlns:a16="http://schemas.microsoft.com/office/drawing/2014/main" id="{C58F3D7D-0FDE-4926-A515-A40993204EFA}"/>
+                </a:ext>
+              </a:extLst>
+            </p:cNvPr>
+            <p:cNvSpPr txBox="1"/>
+            <p:nvPr/>
+          </p:nvSpPr>
+          <p:spPr>
+            <a:xfrm>
+              <a:off x="2056824" y="2566494"/>
+              <a:ext cx="568036" cy="369332"/>
+            </a:xfrm>
+            <a:prstGeom prst="rect">
+              <a:avLst/>
+            </a:prstGeom>
+            <a:noFill/>
+          </p:spPr>
+          <p:txBody>
+            <a:bodyPr wrap="square" rtlCol="0">
+              <a:spAutoFit/>
+            </a:bodyPr>
+            <a:lstStyle/>
+            <a:p>
+              <a:r>
+                <a:rPr lang="en-US" dirty="0"/>
+                <a:t>-1</a:t>
+              </a:r>
+            </a:p>
+          </p:txBody>
+        </p:sp>
+        <p:cxnSp>
+          <p:nvCxnSpPr>
+            <p:cNvPr id="14" name="Straight Arrow Connector 13">
+              <a:extLst>
+                <a:ext uri="{FF2B5EF4-FFF2-40B4-BE49-F238E27FC236}">
+                  <a16:creationId xmlns:a16="http://schemas.microsoft.com/office/drawing/2014/main" id="{734CE50E-2F11-4C45-8A81-EE69EC6D23F2}"/>
+                </a:ext>
+              </a:extLst>
+            </p:cNvPr>
+            <p:cNvCxnSpPr>
+              <a:cxnSpLocks/>
+              <a:stCxn id="7" idx="0"/>
+              <a:endCxn id="12" idx="2"/>
+            </p:cNvCxnSpPr>
+            <p:nvPr/>
+          </p:nvCxnSpPr>
+          <p:spPr>
+            <a:xfrm flipV="1">
+              <a:off x="2490355" y="1806317"/>
+              <a:ext cx="330777" cy="360765"/>
+            </a:xfrm>
+            <a:prstGeom prst="straightConnector1">
+              <a:avLst/>
+            </a:prstGeom>
+            <a:ln>
+              <a:tailEnd type="triangle"/>
+            </a:ln>
+          </p:spPr>
+          <p:style>
+            <a:lnRef idx="1">
+              <a:schemeClr val="accent1"/>
+            </a:lnRef>
+            <a:fillRef idx="0">
+              <a:schemeClr val="accent1"/>
+            </a:fillRef>
+            <a:effectRef idx="0">
+              <a:schemeClr val="accent1"/>
+            </a:effectRef>
+            <a:fontRef idx="minor">
+              <a:schemeClr val="tx1"/>
+            </a:fontRef>
+          </p:style>
+        </p:cxnSp>
+        <p:cxnSp>
+          <p:nvCxnSpPr>
+            <p:cNvPr id="15" name="Straight Arrow Connector 14">
+              <a:extLst>
+                <a:ext uri="{FF2B5EF4-FFF2-40B4-BE49-F238E27FC236}">
+                  <a16:creationId xmlns:a16="http://schemas.microsoft.com/office/drawing/2014/main" id="{60572A08-A230-4408-BEBC-990BB0EF1361}"/>
+                </a:ext>
+              </a:extLst>
+            </p:cNvPr>
+            <p:cNvCxnSpPr>
+              <a:cxnSpLocks/>
+              <a:stCxn id="10" idx="6"/>
+              <a:endCxn id="12" idx="5"/>
+            </p:cNvCxnSpPr>
+            <p:nvPr/>
+          </p:nvCxnSpPr>
+          <p:spPr>
+            <a:xfrm flipV="1">
+              <a:off x="2597728" y="1882241"/>
+              <a:ext cx="406701" cy="684253"/>
+            </a:xfrm>
+            <a:prstGeom prst="straightConnector1">
+              <a:avLst/>
+            </a:prstGeom>
+            <a:ln>
+              <a:tailEnd type="triangle"/>
+            </a:ln>
+          </p:spPr>
+          <p:style>
+            <a:lnRef idx="1">
+              <a:schemeClr val="accent1"/>
+            </a:lnRef>
+            <a:fillRef idx="0">
+              <a:schemeClr val="accent1"/>
+            </a:fillRef>
+            <a:effectRef idx="0">
+              <a:schemeClr val="accent1"/>
+            </a:effectRef>
+            <a:fontRef idx="minor">
+              <a:schemeClr val="tx1"/>
+            </a:fontRef>
+          </p:style>
+        </p:cxnSp>
+        <p:sp>
+          <p:nvSpPr>
+            <p:cNvPr id="16" name="TextBox 15">
+              <a:extLst>
+                <a:ext uri="{FF2B5EF4-FFF2-40B4-BE49-F238E27FC236}">
+                  <a16:creationId xmlns:a16="http://schemas.microsoft.com/office/drawing/2014/main" id="{093C100B-B094-4B62-98CD-35223B2CFF18}"/>
+                </a:ext>
+              </a:extLst>
+            </p:cNvPr>
+            <p:cNvSpPr txBox="1"/>
+            <p:nvPr/>
+          </p:nvSpPr>
+          <p:spPr>
+            <a:xfrm>
+              <a:off x="2232615" y="1718041"/>
+              <a:ext cx="568036" cy="369332"/>
+            </a:xfrm>
+            <a:prstGeom prst="rect">
+              <a:avLst/>
+            </a:prstGeom>
+            <a:noFill/>
+          </p:spPr>
+          <p:txBody>
+            <a:bodyPr wrap="square" rtlCol="0">
+              <a:spAutoFit/>
+            </a:bodyPr>
+            <a:lstStyle/>
+            <a:p>
+              <a:r>
+                <a:rPr lang="en-US" dirty="0"/>
+                <a:t>-20</a:t>
+              </a:r>
+            </a:p>
+          </p:txBody>
+        </p:sp>
+        <p:sp>
+          <p:nvSpPr>
+            <p:cNvPr id="17" name="TextBox 16">
+              <a:extLst>
+                <a:ext uri="{FF2B5EF4-FFF2-40B4-BE49-F238E27FC236}">
+                  <a16:creationId xmlns:a16="http://schemas.microsoft.com/office/drawing/2014/main" id="{D7CC5936-8649-48C0-B7EB-DA27556D2799}"/>
+                </a:ext>
+              </a:extLst>
+            </p:cNvPr>
+            <p:cNvSpPr txBox="1"/>
+            <p:nvPr/>
+          </p:nvSpPr>
+          <p:spPr>
+            <a:xfrm>
+              <a:off x="2801506" y="2021883"/>
+              <a:ext cx="568036" cy="369332"/>
+            </a:xfrm>
+            <a:prstGeom prst="rect">
+              <a:avLst/>
+            </a:prstGeom>
+            <a:noFill/>
+          </p:spPr>
+          <p:txBody>
+            <a:bodyPr wrap="square" rtlCol="0">
+              <a:spAutoFit/>
+            </a:bodyPr>
+            <a:lstStyle/>
+            <a:p>
+              <a:r>
+                <a:rPr lang="en-US" dirty="0"/>
+                <a:t>20</a:t>
+              </a:r>
+            </a:p>
+          </p:txBody>
+        </p:sp>
+        <p:sp>
+          <p:nvSpPr>
+            <p:cNvPr id="18" name="Rectangle 17">
+              <a:extLst>
+                <a:ext uri="{FF2B5EF4-FFF2-40B4-BE49-F238E27FC236}">
+                  <a16:creationId xmlns:a16="http://schemas.microsoft.com/office/drawing/2014/main" id="{827BB6A2-F226-4A6F-95AD-47DD6E0CD99A}"/>
+                </a:ext>
+              </a:extLst>
+            </p:cNvPr>
+            <p:cNvSpPr/>
+            <p:nvPr/>
+          </p:nvSpPr>
+          <p:spPr>
+            <a:xfrm>
+              <a:off x="2351232" y="2935826"/>
+              <a:ext cx="273628" cy="1032924"/>
+            </a:xfrm>
+            <a:prstGeom prst="rect">
+              <a:avLst/>
+            </a:prstGeom>
+          </p:spPr>
+          <p:style>
+            <a:lnRef idx="2">
+              <a:schemeClr val="accent1">
+                <a:shade val="50000"/>
+              </a:schemeClr>
+            </a:lnRef>
+            <a:fillRef idx="1">
+              <a:schemeClr val="accent1"/>
+            </a:fillRef>
+            <a:effectRef idx="0">
+              <a:schemeClr val="accent1"/>
+            </a:effectRef>
+            <a:fontRef idx="minor">
+              <a:schemeClr val="lt1"/>
+            </a:fontRef>
+          </p:style>
+          <p:txBody>
+            <a:bodyPr rtlCol="0" anchor="ctr"/>
+            <a:lstStyle/>
+            <a:p>
+              <a:pPr algn="ctr"/>
+              <a:endParaRPr lang="en-US"/>
+            </a:p>
+          </p:txBody>
+        </p:sp>
+        <p:sp>
+          <p:nvSpPr>
+            <p:cNvPr id="19" name="TextBox 18">
+              <a:extLst>
+                <a:ext uri="{FF2B5EF4-FFF2-40B4-BE49-F238E27FC236}">
+                  <a16:creationId xmlns:a16="http://schemas.microsoft.com/office/drawing/2014/main" id="{8725986C-DFC5-4BD8-8F19-67FF36D6128B}"/>
+                </a:ext>
+              </a:extLst>
+            </p:cNvPr>
+            <p:cNvSpPr txBox="1"/>
+            <p:nvPr/>
+          </p:nvSpPr>
+          <p:spPr>
+            <a:xfrm>
+              <a:off x="3055085" y="3968751"/>
+              <a:ext cx="1180812" cy="369332"/>
+            </a:xfrm>
+            <a:prstGeom prst="rect">
+              <a:avLst/>
+            </a:prstGeom>
+            <a:noFill/>
+          </p:spPr>
+          <p:txBody>
+            <a:bodyPr wrap="square" rtlCol="0">
+              <a:spAutoFit/>
+            </a:bodyPr>
+            <a:lstStyle/>
+            <a:p>
+              <a:r>
+                <a:rPr lang="en-US" dirty="0"/>
+                <a:t>256</a:t>
+              </a:r>
+            </a:p>
+          </p:txBody>
+        </p:sp>
+        <p:sp>
+          <p:nvSpPr>
+            <p:cNvPr id="20" name="Rectangle 19">
+              <a:extLst>
+                <a:ext uri="{FF2B5EF4-FFF2-40B4-BE49-F238E27FC236}">
+                  <a16:creationId xmlns:a16="http://schemas.microsoft.com/office/drawing/2014/main" id="{6C2346CF-DD90-4477-B2CA-3B11C6C673A1}"/>
+                </a:ext>
+              </a:extLst>
+            </p:cNvPr>
+            <p:cNvSpPr/>
+            <p:nvPr/>
+          </p:nvSpPr>
+          <p:spPr>
+            <a:xfrm>
+              <a:off x="3163454" y="2935826"/>
+              <a:ext cx="273628" cy="1032924"/>
+            </a:xfrm>
+            <a:prstGeom prst="rect">
+              <a:avLst/>
+            </a:prstGeom>
+          </p:spPr>
+          <p:style>
+            <a:lnRef idx="2">
+              <a:schemeClr val="accent1">
+                <a:shade val="50000"/>
+              </a:schemeClr>
+            </a:lnRef>
+            <a:fillRef idx="1">
+              <a:schemeClr val="accent1"/>
+            </a:fillRef>
+            <a:effectRef idx="0">
+              <a:schemeClr val="accent1"/>
+            </a:effectRef>
+            <a:fontRef idx="minor">
+              <a:schemeClr val="lt1"/>
+            </a:fontRef>
+          </p:style>
+          <p:txBody>
+            <a:bodyPr rtlCol="0" anchor="ctr"/>
+            <a:lstStyle/>
+            <a:p>
+              <a:pPr algn="ctr"/>
+              <a:endParaRPr lang="en-US"/>
+            </a:p>
+          </p:txBody>
+        </p:sp>
+        <p:cxnSp>
+          <p:nvCxnSpPr>
+            <p:cNvPr id="21" name="Straight Arrow Connector 20">
+              <a:extLst>
+                <a:ext uri="{FF2B5EF4-FFF2-40B4-BE49-F238E27FC236}">
+                  <a16:creationId xmlns:a16="http://schemas.microsoft.com/office/drawing/2014/main" id="{A4C6E71B-7418-4962-A9FD-69F846753EB5}"/>
+                </a:ext>
+              </a:extLst>
+            </p:cNvPr>
+            <p:cNvCxnSpPr>
+              <a:stCxn id="18" idx="3"/>
+              <a:endCxn id="20" idx="1"/>
+            </p:cNvCxnSpPr>
+            <p:nvPr/>
+          </p:nvCxnSpPr>
+          <p:spPr>
+            <a:xfrm>
+              <a:off x="2624860" y="3452288"/>
+              <a:ext cx="538594" cy="0"/>
+            </a:xfrm>
+            <a:prstGeom prst="straightConnector1">
+              <a:avLst/>
+            </a:prstGeom>
+            <a:ln>
+              <a:tailEnd type="triangle"/>
+            </a:ln>
+          </p:spPr>
+          <p:style>
+            <a:lnRef idx="1">
+              <a:schemeClr val="accent1"/>
+            </a:lnRef>
+            <a:fillRef idx="0">
+              <a:schemeClr val="accent1"/>
+            </a:fillRef>
+            <a:effectRef idx="0">
+              <a:schemeClr val="accent1"/>
+            </a:effectRef>
+            <a:fontRef idx="minor">
+              <a:schemeClr val="tx1"/>
+            </a:fontRef>
+          </p:style>
+        </p:cxnSp>
+        <p:sp>
+          <p:nvSpPr>
+            <p:cNvPr id="22" name="TextBox 21">
+              <a:extLst>
+                <a:ext uri="{FF2B5EF4-FFF2-40B4-BE49-F238E27FC236}">
+                  <a16:creationId xmlns:a16="http://schemas.microsoft.com/office/drawing/2014/main" id="{1BF51C82-AE3D-43BC-BAD3-C4809BCB3625}"/>
+                </a:ext>
+              </a:extLst>
+            </p:cNvPr>
+            <p:cNvSpPr txBox="1"/>
+            <p:nvPr/>
+          </p:nvSpPr>
+          <p:spPr>
+            <a:xfrm>
+              <a:off x="1926227" y="3961991"/>
+              <a:ext cx="1180812" cy="369332"/>
+            </a:xfrm>
+            <a:prstGeom prst="rect">
+              <a:avLst/>
+            </a:prstGeom>
+            <a:noFill/>
+          </p:spPr>
+          <p:txBody>
+            <a:bodyPr wrap="square" rtlCol="0">
+              <a:spAutoFit/>
+            </a:bodyPr>
+            <a:lstStyle/>
+            <a:p>
+              <a:r>
+                <a:rPr lang="en-US" dirty="0"/>
+                <a:t>256  + 2</a:t>
+              </a:r>
+            </a:p>
+          </p:txBody>
+        </p:sp>
+        <p:sp>
+          <p:nvSpPr>
+            <p:cNvPr id="23" name="Oval 22">
+              <a:extLst>
+                <a:ext uri="{FF2B5EF4-FFF2-40B4-BE49-F238E27FC236}">
+                  <a16:creationId xmlns:a16="http://schemas.microsoft.com/office/drawing/2014/main" id="{8D3C1439-A3CF-41A9-9131-F137AEF17514}"/>
+                </a:ext>
+              </a:extLst>
+            </p:cNvPr>
+            <p:cNvSpPr/>
+            <p:nvPr/>
+          </p:nvSpPr>
+          <p:spPr>
+            <a:xfrm>
+              <a:off x="4010340" y="3344915"/>
+              <a:ext cx="214746" cy="214746"/>
+            </a:xfrm>
+            <a:prstGeom prst="ellipse">
+              <a:avLst/>
+            </a:prstGeom>
+          </p:spPr>
+          <p:style>
+            <a:lnRef idx="2">
+              <a:schemeClr val="accent6">
+                <a:shade val="50000"/>
+              </a:schemeClr>
+            </a:lnRef>
+            <a:fillRef idx="1">
+              <a:schemeClr val="accent6"/>
+            </a:fillRef>
+            <a:effectRef idx="0">
+              <a:schemeClr val="accent6"/>
+            </a:effectRef>
+            <a:fontRef idx="minor">
+              <a:schemeClr val="lt1"/>
+            </a:fontRef>
+          </p:style>
+          <p:txBody>
+            <a:bodyPr rtlCol="0" anchor="ctr"/>
+            <a:lstStyle/>
+            <a:p>
+              <a:pPr algn="ctr"/>
+              <a:endParaRPr lang="en-US"/>
+            </a:p>
+          </p:txBody>
+        </p:sp>
+        <p:cxnSp>
+          <p:nvCxnSpPr>
+            <p:cNvPr id="24" name="Straight Arrow Connector 23">
+              <a:extLst>
+                <a:ext uri="{FF2B5EF4-FFF2-40B4-BE49-F238E27FC236}">
+                  <a16:creationId xmlns:a16="http://schemas.microsoft.com/office/drawing/2014/main" id="{AA7B320C-EE19-44E4-84EE-3FF868F5DBCD}"/>
+                </a:ext>
+              </a:extLst>
+            </p:cNvPr>
+            <p:cNvCxnSpPr>
+              <a:cxnSpLocks/>
+              <a:stCxn id="20" idx="3"/>
+              <a:endCxn id="23" idx="2"/>
+            </p:cNvCxnSpPr>
+            <p:nvPr/>
+          </p:nvCxnSpPr>
+          <p:spPr>
+            <a:xfrm>
+              <a:off x="3437082" y="3452288"/>
+              <a:ext cx="573258" cy="0"/>
+            </a:xfrm>
+            <a:prstGeom prst="straightConnector1">
+              <a:avLst/>
+            </a:prstGeom>
+            <a:ln>
+              <a:tailEnd type="triangle"/>
+            </a:ln>
+          </p:spPr>
+          <p:style>
+            <a:lnRef idx="1">
+              <a:schemeClr val="accent1"/>
+            </a:lnRef>
+            <a:fillRef idx="0">
+              <a:schemeClr val="accent1"/>
+            </a:fillRef>
+            <a:effectRef idx="0">
+              <a:schemeClr val="accent1"/>
+            </a:effectRef>
+            <a:fontRef idx="minor">
+              <a:schemeClr val="tx1"/>
+            </a:fontRef>
+          </p:style>
+        </p:cxnSp>
+        <p:cxnSp>
+          <p:nvCxnSpPr>
+            <p:cNvPr id="25" name="Straight Connector 24">
+              <a:extLst>
+                <a:ext uri="{FF2B5EF4-FFF2-40B4-BE49-F238E27FC236}">
+                  <a16:creationId xmlns:a16="http://schemas.microsoft.com/office/drawing/2014/main" id="{9765717B-FC74-477D-8DE0-65B62F1E5CB2}"/>
+                </a:ext>
+              </a:extLst>
+            </p:cNvPr>
+            <p:cNvCxnSpPr>
+              <a:endCxn id="18" idx="1"/>
+            </p:cNvCxnSpPr>
+            <p:nvPr/>
+          </p:nvCxnSpPr>
+          <p:spPr>
+            <a:xfrm>
+              <a:off x="1327150" y="2990850"/>
+              <a:ext cx="1024082" cy="461438"/>
+            </a:xfrm>
+            <a:prstGeom prst="line">
+              <a:avLst/>
+            </a:prstGeom>
+          </p:spPr>
+          <p:style>
+            <a:lnRef idx="1">
+              <a:schemeClr val="accent1"/>
+            </a:lnRef>
+            <a:fillRef idx="0">
+              <a:schemeClr val="accent1"/>
+            </a:fillRef>
+            <a:effectRef idx="0">
+              <a:schemeClr val="accent1"/>
+            </a:effectRef>
+            <a:fontRef idx="minor">
+              <a:schemeClr val="tx1"/>
+            </a:fontRef>
+          </p:style>
+        </p:cxnSp>
+        <p:cxnSp>
+          <p:nvCxnSpPr>
+            <p:cNvPr id="26" name="Straight Connector 25">
+              <a:extLst>
+                <a:ext uri="{FF2B5EF4-FFF2-40B4-BE49-F238E27FC236}">
+                  <a16:creationId xmlns:a16="http://schemas.microsoft.com/office/drawing/2014/main" id="{FC9DB352-AA6E-4338-9E02-338EC10BD23F}"/>
+                </a:ext>
+              </a:extLst>
+            </p:cNvPr>
+            <p:cNvCxnSpPr>
+              <a:endCxn id="18" idx="1"/>
+            </p:cNvCxnSpPr>
+            <p:nvPr/>
+          </p:nvCxnSpPr>
+          <p:spPr>
+            <a:xfrm>
+              <a:off x="1327150" y="3221569"/>
+              <a:ext cx="1024082" cy="230719"/>
+            </a:xfrm>
+            <a:prstGeom prst="line">
+              <a:avLst/>
+            </a:prstGeom>
+          </p:spPr>
+          <p:style>
+            <a:lnRef idx="1">
+              <a:schemeClr val="accent1"/>
+            </a:lnRef>
+            <a:fillRef idx="0">
+              <a:schemeClr val="accent1"/>
+            </a:fillRef>
+            <a:effectRef idx="0">
+              <a:schemeClr val="accent1"/>
+            </a:effectRef>
+            <a:fontRef idx="minor">
+              <a:schemeClr val="tx1"/>
+            </a:fontRef>
+          </p:style>
+        </p:cxnSp>
+        <p:cxnSp>
+          <p:nvCxnSpPr>
+            <p:cNvPr id="27" name="Straight Connector 26">
+              <a:extLst>
+                <a:ext uri="{FF2B5EF4-FFF2-40B4-BE49-F238E27FC236}">
+                  <a16:creationId xmlns:a16="http://schemas.microsoft.com/office/drawing/2014/main" id="{F79ABEBA-5F72-4DE2-A0A2-2506D86A227C}"/>
+                </a:ext>
+              </a:extLst>
+            </p:cNvPr>
+            <p:cNvCxnSpPr>
+              <a:endCxn id="18" idx="1"/>
+            </p:cNvCxnSpPr>
+            <p:nvPr/>
+          </p:nvCxnSpPr>
+          <p:spPr>
+            <a:xfrm flipV="1">
+              <a:off x="1327150" y="3452288"/>
+              <a:ext cx="1024082" cy="107373"/>
+            </a:xfrm>
+            <a:prstGeom prst="line">
+              <a:avLst/>
+            </a:prstGeom>
+          </p:spPr>
+          <p:style>
+            <a:lnRef idx="1">
+              <a:schemeClr val="accent1"/>
+            </a:lnRef>
+            <a:fillRef idx="0">
+              <a:schemeClr val="accent1"/>
+            </a:fillRef>
+            <a:effectRef idx="0">
+              <a:schemeClr val="accent1"/>
+            </a:effectRef>
+            <a:fontRef idx="minor">
+              <a:schemeClr val="tx1"/>
+            </a:fontRef>
+          </p:style>
+        </p:cxnSp>
+        <p:cxnSp>
+          <p:nvCxnSpPr>
+            <p:cNvPr id="28" name="Straight Connector 27">
+              <a:extLst>
+                <a:ext uri="{FF2B5EF4-FFF2-40B4-BE49-F238E27FC236}">
+                  <a16:creationId xmlns:a16="http://schemas.microsoft.com/office/drawing/2014/main" id="{13A8F59A-6727-4904-BEF4-3F27C2319E4E}"/>
+                </a:ext>
+              </a:extLst>
+            </p:cNvPr>
+            <p:cNvCxnSpPr>
+              <a:endCxn id="18" idx="1"/>
+            </p:cNvCxnSpPr>
+            <p:nvPr/>
+          </p:nvCxnSpPr>
+          <p:spPr>
+            <a:xfrm flipV="1">
+              <a:off x="1327150" y="3452288"/>
+              <a:ext cx="1024082" cy="440262"/>
+            </a:xfrm>
+            <a:prstGeom prst="line">
+              <a:avLst/>
+            </a:prstGeom>
+          </p:spPr>
+          <p:style>
+            <a:lnRef idx="1">
+              <a:schemeClr val="accent1"/>
+            </a:lnRef>
+            <a:fillRef idx="0">
+              <a:schemeClr val="accent1"/>
+            </a:fillRef>
+            <a:effectRef idx="0">
+              <a:schemeClr val="accent1"/>
+            </a:effectRef>
+            <a:fontRef idx="minor">
+              <a:schemeClr val="tx1"/>
+            </a:fontRef>
+          </p:style>
+        </p:cxnSp>
+        <p:cxnSp>
+          <p:nvCxnSpPr>
+            <p:cNvPr id="29" name="Straight Arrow Connector 28">
+              <a:extLst>
+                <a:ext uri="{FF2B5EF4-FFF2-40B4-BE49-F238E27FC236}">
+                  <a16:creationId xmlns:a16="http://schemas.microsoft.com/office/drawing/2014/main" id="{896CA1D7-1722-41D9-8AC1-88B4CBEFE1C0}"/>
+                </a:ext>
+              </a:extLst>
+            </p:cNvPr>
+            <p:cNvCxnSpPr>
+              <a:endCxn id="20" idx="1"/>
+            </p:cNvCxnSpPr>
+            <p:nvPr/>
+          </p:nvCxnSpPr>
+          <p:spPr>
+            <a:xfrm>
+              <a:off x="2597728" y="2566494"/>
+              <a:ext cx="565726" cy="885794"/>
+            </a:xfrm>
+            <a:prstGeom prst="straightConnector1">
+              <a:avLst/>
+            </a:prstGeom>
+            <a:ln>
+              <a:tailEnd type="triangle"/>
+            </a:ln>
+          </p:spPr>
+          <p:style>
+            <a:lnRef idx="1">
+              <a:schemeClr val="accent1"/>
+            </a:lnRef>
+            <a:fillRef idx="0">
+              <a:schemeClr val="accent1"/>
+            </a:fillRef>
+            <a:effectRef idx="0">
+              <a:schemeClr val="accent1"/>
+            </a:effectRef>
+            <a:fontRef idx="minor">
+              <a:schemeClr val="tx1"/>
+            </a:fontRef>
+          </p:style>
+        </p:cxnSp>
+        <p:cxnSp>
+          <p:nvCxnSpPr>
+            <p:cNvPr id="30" name="Straight Arrow Connector 29">
+              <a:extLst>
+                <a:ext uri="{FF2B5EF4-FFF2-40B4-BE49-F238E27FC236}">
+                  <a16:creationId xmlns:a16="http://schemas.microsoft.com/office/drawing/2014/main" id="{60B9F2B6-2762-4C3D-B56D-725FAEB8F6AD}"/>
+                </a:ext>
+              </a:extLst>
+            </p:cNvPr>
+            <p:cNvCxnSpPr>
+              <a:stCxn id="7" idx="6"/>
+              <a:endCxn id="20" idx="1"/>
+            </p:cNvCxnSpPr>
+            <p:nvPr/>
+          </p:nvCxnSpPr>
+          <p:spPr>
+            <a:xfrm>
+              <a:off x="2597728" y="2274455"/>
+              <a:ext cx="565726" cy="1177833"/>
+            </a:xfrm>
+            <a:prstGeom prst="straightConnector1">
+              <a:avLst/>
+            </a:prstGeom>
+            <a:ln>
+              <a:tailEnd type="triangle"/>
+            </a:ln>
+          </p:spPr>
+          <p:style>
+            <a:lnRef idx="1">
+              <a:schemeClr val="accent1"/>
+            </a:lnRef>
+            <a:fillRef idx="0">
+              <a:schemeClr val="accent1"/>
+            </a:fillRef>
+            <a:effectRef idx="0">
+              <a:schemeClr val="accent1"/>
+            </a:effectRef>
+            <a:fontRef idx="minor">
+              <a:schemeClr val="tx1"/>
+            </a:fontRef>
+          </p:style>
+        </p:cxnSp>
+        <p:sp>
+          <p:nvSpPr>
+            <p:cNvPr id="31" name="TextBox 30">
+              <a:extLst>
+                <a:ext uri="{FF2B5EF4-FFF2-40B4-BE49-F238E27FC236}">
+                  <a16:creationId xmlns:a16="http://schemas.microsoft.com/office/drawing/2014/main" id="{2E78A453-C4A5-46D6-AE12-B27C55304DD5}"/>
+                </a:ext>
+              </a:extLst>
+            </p:cNvPr>
+            <p:cNvSpPr txBox="1"/>
+            <p:nvPr/>
+          </p:nvSpPr>
+          <p:spPr>
+            <a:xfrm>
+              <a:off x="1839191" y="1127278"/>
+              <a:ext cx="1553730" cy="461665"/>
+            </a:xfrm>
+            <a:prstGeom prst="rect">
+              <a:avLst/>
+            </a:prstGeom>
+            <a:noFill/>
+          </p:spPr>
+          <p:txBody>
+            <a:bodyPr wrap="square" rtlCol="0">
+              <a:spAutoFit/>
+            </a:bodyPr>
+            <a:lstStyle/>
+            <a:p>
+              <a:pPr algn="ctr"/>
+              <a:r>
+                <a:rPr lang="en-US" sz="1200" dirty="0"/>
+                <a:t>Reflex output (prior knowledge)</a:t>
+              </a:r>
+            </a:p>
+          </p:txBody>
+        </p:sp>
+      </p:grpSp>
+      <p:sp>
+        <p:nvSpPr>
+          <p:cNvPr id="35" name="TextBox 34">
+            <a:extLst>
+              <a:ext uri="{FF2B5EF4-FFF2-40B4-BE49-F238E27FC236}">
+                <a16:creationId xmlns:a16="http://schemas.microsoft.com/office/drawing/2014/main" id="{8D4948CA-0D56-4AFA-8A33-F7F9412756D1}"/>
+              </a:ext>
+            </a:extLst>
+          </p:cNvPr>
+          <p:cNvSpPr txBox="1"/>
+          <p:nvPr/>
+        </p:nvSpPr>
+        <p:spPr>
+          <a:xfrm>
+            <a:off x="6096000" y="1105251"/>
+            <a:ext cx="4660053" cy="2585323"/>
+          </a:xfrm>
+          <a:prstGeom prst="rect">
+            <a:avLst/>
+          </a:prstGeom>
+          <a:noFill/>
+        </p:spPr>
+        <p:txBody>
+          <a:bodyPr wrap="square" rtlCol="0">
+            <a:spAutoFit/>
+          </a:bodyPr>
+          <a:lstStyle/>
+          <a:p>
+            <a:r>
+              <a:rPr lang="en-US" dirty="0"/>
+              <a:t>Algorithm:</a:t>
+            </a:r>
+          </a:p>
+          <a:p>
+            <a:endParaRPr lang="en-US" dirty="0"/>
+          </a:p>
+          <a:p>
+            <a:pPr marL="342900" indent="-342900">
+              <a:buAutoNum type="arabicPeriod"/>
+            </a:pPr>
+            <a:r>
+              <a:rPr lang="en-US" dirty="0"/>
+              <a:t>Process current state to get action.</a:t>
+            </a:r>
+          </a:p>
+          <a:p>
+            <a:pPr marL="342900" indent="-342900">
+              <a:buAutoNum type="arabicPeriod"/>
+            </a:pPr>
+            <a:r>
+              <a:rPr lang="en-US" dirty="0"/>
+              <a:t>If Reflex:</a:t>
+            </a:r>
+          </a:p>
+          <a:p>
+            <a:pPr marL="800100" lvl="1" indent="-342900">
+              <a:buAutoNum type="arabicPeriod"/>
+            </a:pPr>
+            <a:r>
+              <a:rPr lang="en-US" dirty="0"/>
+              <a:t>Do previous action for 0.02 seconds</a:t>
+            </a:r>
+          </a:p>
+          <a:p>
+            <a:pPr marL="800100" lvl="1" indent="-342900">
+              <a:buAutoNum type="arabicPeriod"/>
+            </a:pPr>
+            <a:r>
+              <a:rPr lang="en-US" dirty="0"/>
+              <a:t>Do reflex action for 0.06 seconds</a:t>
+            </a:r>
+          </a:p>
+          <a:p>
+            <a:pPr marL="342900" indent="-342900">
+              <a:buAutoNum type="arabicPeriod"/>
+            </a:pPr>
+            <a:r>
+              <a:rPr lang="en-US" dirty="0"/>
+              <a:t>Else:</a:t>
+            </a:r>
+          </a:p>
+          <a:p>
+            <a:pPr marL="800100" lvl="1" indent="-342900">
+              <a:buAutoNum type="arabicPeriod"/>
+            </a:pPr>
+            <a:r>
+              <a:rPr lang="en-US" dirty="0"/>
+              <a:t>Do previous action for 0.08 seconds</a:t>
+            </a:r>
+          </a:p>
+          <a:p>
+            <a:pPr marL="342900" indent="-342900">
+              <a:buAutoNum type="arabicPeriod"/>
+            </a:pPr>
+            <a:r>
+              <a:rPr lang="en-US" dirty="0"/>
+              <a:t>Previous action = action</a:t>
+            </a:r>
+          </a:p>
+        </p:txBody>
+      </p:sp>
+      <p:sp>
+        <p:nvSpPr>
+          <p:cNvPr id="37" name="TextBox 36">
+            <a:extLst>
+              <a:ext uri="{FF2B5EF4-FFF2-40B4-BE49-F238E27FC236}">
+                <a16:creationId xmlns:a16="http://schemas.microsoft.com/office/drawing/2014/main" id="{805107AF-356B-47B5-8D4A-EED03D80FCD4}"/>
+              </a:ext>
+            </a:extLst>
+          </p:cNvPr>
+          <p:cNvSpPr txBox="1"/>
+          <p:nvPr/>
+        </p:nvSpPr>
+        <p:spPr>
+          <a:xfrm>
+            <a:off x="6096001" y="4712222"/>
+            <a:ext cx="4660052" cy="923330"/>
+          </a:xfrm>
+          <a:prstGeom prst="rect">
+            <a:avLst/>
+          </a:prstGeom>
+          <a:noFill/>
+        </p:spPr>
+        <p:txBody>
+          <a:bodyPr wrap="square" rtlCol="0">
+            <a:spAutoFit/>
+          </a:bodyPr>
+          <a:lstStyle/>
+          <a:p>
+            <a:r>
+              <a:rPr lang="en-US" dirty="0"/>
+              <a:t>Reflex:</a:t>
+            </a:r>
+          </a:p>
+          <a:p>
+            <a:r>
+              <a:rPr lang="en-US" dirty="0"/>
+              <a:t>Reflex action happens at angle &gt; |0.15|. </a:t>
+            </a:r>
+          </a:p>
+          <a:p>
+            <a:r>
+              <a:rPr lang="en-US" dirty="0"/>
+              <a:t>Therefore, it happens for 25% of all states. </a:t>
+            </a:r>
+          </a:p>
+        </p:txBody>
+      </p:sp>
+    </p:spTree>
+    <p:extLst>
+      <p:ext uri="{BB962C8B-B14F-4D97-AF65-F5344CB8AC3E}">
+        <p14:creationId xmlns:p14="http://schemas.microsoft.com/office/powerpoint/2010/main" val="2264181845"/>
+      </p:ext>
+    </p:extLst>
+  </p:cSld>
+  <p:clrMapOvr>
+    <a:masterClrMapping/>
+  </p:clrMapOvr>
+</p:sld>
+</file>
+
+<file path=ppt/slides/slide19.xml><?xml version="1.0" encoding="utf-8"?>
+<p:sld xmlns:a="http://schemas.openxmlformats.org/drawingml/2006/main" xmlns:r="http://schemas.openxmlformats.org/officeDocument/2006/relationships" xmlns:p="http://schemas.openxmlformats.org/presentationml/2006/main">
+  <p:cSld>
+    <p:spTree>
+      <p:nvGrpSpPr>
+        <p:cNvPr id="1" name=""/>
+        <p:cNvGrpSpPr/>
+        <p:nvPr/>
+      </p:nvGrpSpPr>
+      <p:grpSpPr>
+        <a:xfrm>
+          <a:off x="0" y="0"/>
+          <a:ext cx="0" cy="0"/>
+          <a:chOff x="0" y="0"/>
+          <a:chExt cx="0" cy="0"/>
+        </a:xfrm>
+      </p:grpSpPr>
+      <p:pic>
+        <p:nvPicPr>
+          <p:cNvPr id="5" name="Picture 4" descr="Chart, line chart&#10;&#10;Description automatically generated">
+            <a:extLst>
+              <a:ext uri="{FF2B5EF4-FFF2-40B4-BE49-F238E27FC236}">
+                <a16:creationId xmlns:a16="http://schemas.microsoft.com/office/drawing/2014/main" id="{A66B37EE-3175-4708-8F99-13A0E13CB499}"/>
+              </a:ext>
+            </a:extLst>
+          </p:cNvPr>
+          <p:cNvPicPr>
+            <a:picLocks noChangeAspect="1"/>
+          </p:cNvPicPr>
+          <p:nvPr/>
+        </p:nvPicPr>
+        <p:blipFill>
+          <a:blip r:embed="rId2"/>
+          <a:stretch>
+            <a:fillRect/>
+          </a:stretch>
+        </p:blipFill>
+        <p:spPr>
+          <a:xfrm>
+            <a:off x="1404937" y="928687"/>
+            <a:ext cx="9382125" cy="5000625"/>
+          </a:xfrm>
+          <a:prstGeom prst="rect">
+            <a:avLst/>
+          </a:prstGeom>
+        </p:spPr>
+      </p:pic>
+    </p:spTree>
+    <p:extLst>
+      <p:ext uri="{BB962C8B-B14F-4D97-AF65-F5344CB8AC3E}">
+        <p14:creationId xmlns:p14="http://schemas.microsoft.com/office/powerpoint/2010/main" val="1235745373"/>
       </p:ext>
     </p:extLst>
   </p:cSld>

--- a/documents/Real-time Quicknets.pptx
+++ b/documents/Real-time Quicknets.pptx
@@ -5,7 +5,7 @@
     <p:sldMasterId id="2147483648" r:id="rId1"/>
   </p:sldMasterIdLst>
   <p:notesMasterIdLst>
-    <p:notesMasterId r:id="rId21"/>
+    <p:notesMasterId r:id="rId23"/>
   </p:notesMasterIdLst>
   <p:sldIdLst>
     <p:sldId id="256" r:id="rId2"/>
@@ -27,6 +27,8 @@
     <p:sldId id="273" r:id="rId18"/>
     <p:sldId id="274" r:id="rId19"/>
     <p:sldId id="275" r:id="rId20"/>
+    <p:sldId id="277" r:id="rId21"/>
+    <p:sldId id="278" r:id="rId22"/>
   </p:sldIdLst>
   <p:sldSz cx="12192000" cy="6858000"/>
   <p:notesSz cx="6858000" cy="9144000"/>
@@ -215,7 +217,7 @@
           <a:p>
             <a:fld id="{93D201DA-95C4-AD47-B102-389777227850}" type="datetimeFigureOut">
               <a:rPr lang="en-US" smtClean="0"/>
-              <a:t>11/4/2021</a:t>
+              <a:t>11/10/2021</a:t>
             </a:fld>
             <a:endParaRPr lang="en-US"/>
           </a:p>
@@ -965,7 +967,7 @@
           <a:p>
             <a:fld id="{DE016FBE-F546-1A47-B8E5-1361F3BA1840}" type="datetimeFigureOut">
               <a:rPr lang="en-US" smtClean="0"/>
-              <a:t>11/4/2021</a:t>
+              <a:t>11/10/2021</a:t>
             </a:fld>
             <a:endParaRPr lang="en-US"/>
           </a:p>
@@ -1163,7 +1165,7 @@
           <a:p>
             <a:fld id="{DE016FBE-F546-1A47-B8E5-1361F3BA1840}" type="datetimeFigureOut">
               <a:rPr lang="en-US" smtClean="0"/>
-              <a:t>11/4/2021</a:t>
+              <a:t>11/10/2021</a:t>
             </a:fld>
             <a:endParaRPr lang="en-US"/>
           </a:p>
@@ -1371,7 +1373,7 @@
           <a:p>
             <a:fld id="{DE016FBE-F546-1A47-B8E5-1361F3BA1840}" type="datetimeFigureOut">
               <a:rPr lang="en-US" smtClean="0"/>
-              <a:t>11/4/2021</a:t>
+              <a:t>11/10/2021</a:t>
             </a:fld>
             <a:endParaRPr lang="en-US"/>
           </a:p>
@@ -1595,7 +1597,7 @@
           <a:p>
             <a:fld id="{DE016FBE-F546-1A47-B8E5-1361F3BA1840}" type="datetimeFigureOut">
               <a:rPr lang="en-US" smtClean="0"/>
-              <a:t>11/4/2021</a:t>
+              <a:t>11/10/2021</a:t>
             </a:fld>
             <a:endParaRPr lang="en-US"/>
           </a:p>
@@ -1870,7 +1872,7 @@
           <a:p>
             <a:fld id="{DE016FBE-F546-1A47-B8E5-1361F3BA1840}" type="datetimeFigureOut">
               <a:rPr lang="en-US" smtClean="0"/>
-              <a:t>11/4/2021</a:t>
+              <a:t>11/10/2021</a:t>
             </a:fld>
             <a:endParaRPr lang="en-US"/>
           </a:p>
@@ -2135,7 +2137,7 @@
           <a:p>
             <a:fld id="{DE016FBE-F546-1A47-B8E5-1361F3BA1840}" type="datetimeFigureOut">
               <a:rPr lang="en-US" smtClean="0"/>
-              <a:t>11/4/2021</a:t>
+              <a:t>11/10/2021</a:t>
             </a:fld>
             <a:endParaRPr lang="en-US"/>
           </a:p>
@@ -2547,7 +2549,7 @@
           <a:p>
             <a:fld id="{DE016FBE-F546-1A47-B8E5-1361F3BA1840}" type="datetimeFigureOut">
               <a:rPr lang="en-US" smtClean="0"/>
-              <a:t>11/4/2021</a:t>
+              <a:t>11/10/2021</a:t>
             </a:fld>
             <a:endParaRPr lang="en-US"/>
           </a:p>
@@ -2688,7 +2690,7 @@
           <a:p>
             <a:fld id="{DE016FBE-F546-1A47-B8E5-1361F3BA1840}" type="datetimeFigureOut">
               <a:rPr lang="en-US" smtClean="0"/>
-              <a:t>11/4/2021</a:t>
+              <a:t>11/10/2021</a:t>
             </a:fld>
             <a:endParaRPr lang="en-US"/>
           </a:p>
@@ -2801,7 +2803,7 @@
           <a:p>
             <a:fld id="{DE016FBE-F546-1A47-B8E5-1361F3BA1840}" type="datetimeFigureOut">
               <a:rPr lang="en-US" smtClean="0"/>
-              <a:t>11/4/2021</a:t>
+              <a:t>11/10/2021</a:t>
             </a:fld>
             <a:endParaRPr lang="en-US"/>
           </a:p>
@@ -3112,7 +3114,7 @@
           <a:p>
             <a:fld id="{DE016FBE-F546-1A47-B8E5-1361F3BA1840}" type="datetimeFigureOut">
               <a:rPr lang="en-US" smtClean="0"/>
-              <a:t>11/4/2021</a:t>
+              <a:t>11/10/2021</a:t>
             </a:fld>
             <a:endParaRPr lang="en-US"/>
           </a:p>
@@ -3400,7 +3402,7 @@
           <a:p>
             <a:fld id="{DE016FBE-F546-1A47-B8E5-1361F3BA1840}" type="datetimeFigureOut">
               <a:rPr lang="en-US" smtClean="0"/>
-              <a:t>11/4/2021</a:t>
+              <a:t>11/10/2021</a:t>
             </a:fld>
             <a:endParaRPr lang="en-US"/>
           </a:p>
@@ -3641,7 +3643,7 @@
           <a:p>
             <a:fld id="{DE016FBE-F546-1A47-B8E5-1361F3BA1840}" type="datetimeFigureOut">
               <a:rPr lang="en-US" smtClean="0"/>
-              <a:t>11/4/2021</a:t>
+              <a:t>11/10/2021</a:t>
             </a:fld>
             <a:endParaRPr lang="en-US"/>
           </a:p>
@@ -9953,6 +9955,126 @@
       </p:par>
     </p:tnLst>
   </p:timing>
+</p:sld>
+</file>
+
+<file path=ppt/slides/slide20.xml><?xml version="1.0" encoding="utf-8"?>
+<p:sld xmlns:a="http://schemas.openxmlformats.org/drawingml/2006/main" xmlns:r="http://schemas.openxmlformats.org/officeDocument/2006/relationships" xmlns:p="http://schemas.openxmlformats.org/presentationml/2006/main">
+  <p:cSld>
+    <p:spTree>
+      <p:nvGrpSpPr>
+        <p:cNvPr id="1" name=""/>
+        <p:cNvGrpSpPr/>
+        <p:nvPr/>
+      </p:nvGrpSpPr>
+      <p:grpSpPr>
+        <a:xfrm>
+          <a:off x="0" y="0"/>
+          <a:ext cx="0" cy="0"/>
+          <a:chOff x="0" y="0"/>
+          <a:chExt cx="0" cy="0"/>
+        </a:xfrm>
+      </p:grpSpPr>
+      <p:pic>
+        <p:nvPicPr>
+          <p:cNvPr id="5" name="Picture 4" descr="Chart&#10;&#10;Description automatically generated">
+            <a:extLst>
+              <a:ext uri="{FF2B5EF4-FFF2-40B4-BE49-F238E27FC236}">
+                <a16:creationId xmlns:a16="http://schemas.microsoft.com/office/drawing/2014/main" id="{24FFF6FC-778A-4026-9DB5-7293B310678E}"/>
+              </a:ext>
+            </a:extLst>
+          </p:cNvPr>
+          <p:cNvPicPr>
+            <a:picLocks noChangeAspect="1"/>
+          </p:cNvPicPr>
+          <p:nvPr/>
+        </p:nvPicPr>
+        <p:blipFill>
+          <a:blip r:embed="rId2"/>
+          <a:stretch>
+            <a:fillRect/>
+          </a:stretch>
+        </p:blipFill>
+        <p:spPr>
+          <a:xfrm>
+            <a:off x="1404937" y="928687"/>
+            <a:ext cx="9382125" cy="5000625"/>
+          </a:xfrm>
+          <a:prstGeom prst="rect">
+            <a:avLst/>
+          </a:prstGeom>
+        </p:spPr>
+      </p:pic>
+    </p:spTree>
+    <p:extLst>
+      <p:ext uri="{BB962C8B-B14F-4D97-AF65-F5344CB8AC3E}">
+        <p14:creationId xmlns:p14="http://schemas.microsoft.com/office/powerpoint/2010/main" val="3950602951"/>
+      </p:ext>
+    </p:extLst>
+  </p:cSld>
+  <p:clrMapOvr>
+    <a:masterClrMapping/>
+  </p:clrMapOvr>
+</p:sld>
+</file>
+
+<file path=ppt/slides/slide21.xml><?xml version="1.0" encoding="utf-8"?>
+<p:sld xmlns:a="http://schemas.openxmlformats.org/drawingml/2006/main" xmlns:r="http://schemas.openxmlformats.org/officeDocument/2006/relationships" xmlns:p="http://schemas.openxmlformats.org/presentationml/2006/main">
+  <p:cSld>
+    <p:spTree>
+      <p:nvGrpSpPr>
+        <p:cNvPr id="1" name=""/>
+        <p:cNvGrpSpPr/>
+        <p:nvPr/>
+      </p:nvGrpSpPr>
+      <p:grpSpPr>
+        <a:xfrm>
+          <a:off x="0" y="0"/>
+          <a:ext cx="0" cy="0"/>
+          <a:chOff x="0" y="0"/>
+          <a:chExt cx="0" cy="0"/>
+        </a:xfrm>
+      </p:grpSpPr>
+      <p:pic>
+        <p:nvPicPr>
+          <p:cNvPr id="5" name="Picture 4" descr="Chart, surface chart&#10;&#10;Description automatically generated">
+            <a:extLst>
+              <a:ext uri="{FF2B5EF4-FFF2-40B4-BE49-F238E27FC236}">
+                <a16:creationId xmlns:a16="http://schemas.microsoft.com/office/drawing/2014/main" id="{AB8224CD-F9DF-4DE2-9BC9-E2A7BF29A908}"/>
+              </a:ext>
+            </a:extLst>
+          </p:cNvPr>
+          <p:cNvPicPr>
+            <a:picLocks noChangeAspect="1"/>
+          </p:cNvPicPr>
+          <p:nvPr/>
+        </p:nvPicPr>
+        <p:blipFill>
+          <a:blip r:embed="rId2"/>
+          <a:stretch>
+            <a:fillRect/>
+          </a:stretch>
+        </p:blipFill>
+        <p:spPr>
+          <a:xfrm>
+            <a:off x="2667000" y="0"/>
+            <a:ext cx="6858000" cy="6858000"/>
+          </a:xfrm>
+          <a:prstGeom prst="rect">
+            <a:avLst/>
+          </a:prstGeom>
+        </p:spPr>
+      </p:pic>
+    </p:spTree>
+    <p:extLst>
+      <p:ext uri="{BB962C8B-B14F-4D97-AF65-F5344CB8AC3E}">
+        <p14:creationId xmlns:p14="http://schemas.microsoft.com/office/powerpoint/2010/main" val="3808922156"/>
+      </p:ext>
+    </p:extLst>
+  </p:cSld>
+  <p:clrMapOvr>
+    <a:masterClrMapping/>
+  </p:clrMapOvr>
 </p:sld>
 </file>
 

--- a/documents/Real-time Quicknets.pptx
+++ b/documents/Real-time Quicknets.pptx
@@ -5,7 +5,7 @@
     <p:sldMasterId id="2147483648" r:id="rId1"/>
   </p:sldMasterIdLst>
   <p:notesMasterIdLst>
-    <p:notesMasterId r:id="rId23"/>
+    <p:notesMasterId r:id="rId24"/>
   </p:notesMasterIdLst>
   <p:sldIdLst>
     <p:sldId id="256" r:id="rId2"/>
@@ -28,7 +28,8 @@
     <p:sldId id="274" r:id="rId19"/>
     <p:sldId id="275" r:id="rId20"/>
     <p:sldId id="277" r:id="rId21"/>
-    <p:sldId id="278" r:id="rId22"/>
+    <p:sldId id="279" r:id="rId22"/>
+    <p:sldId id="278" r:id="rId23"/>
   </p:sldIdLst>
   <p:sldSz cx="12192000" cy="6858000"/>
   <p:notesSz cx="6858000" cy="9144000"/>
@@ -7142,7 +7143,7 @@
         </p:nvSpPr>
         <p:spPr>
           <a:xfrm>
-            <a:off x="838198" y="312384"/>
+            <a:off x="274529" y="312384"/>
             <a:ext cx="10515600" cy="1325563"/>
           </a:xfrm>
         </p:spPr>
@@ -7153,10 +7154,21 @@
             <a:r>
               <a:rPr lang="en-US" dirty="0">
                 <a:solidFill>
+                  <a:schemeClr val="accent2">
+                    <a:lumMod val="60000"/>
+                    <a:lumOff val="40000"/>
+                  </a:schemeClr>
+                </a:solidFill>
+              </a:rPr>
+              <a:t>Delayed Action </a:t>
+            </a:r>
+            <a:r>
+              <a:rPr lang="en-US" dirty="0">
+                <a:solidFill>
                   <a:schemeClr val="bg1"/>
                 </a:solidFill>
               </a:rPr>
-              <a:t>Delayed State</a:t>
+              <a:t>(white -&gt; original state)</a:t>
             </a:r>
           </a:p>
         </p:txBody>
@@ -7276,12 +7288,15 @@
             <a:r>
               <a:rPr lang="en-US" sz="1200" b="1" dirty="0">
                 <a:solidFill>
-                  <a:schemeClr val="bg1"/>
+                  <a:schemeClr val="accent2">
+                    <a:lumMod val="60000"/>
+                    <a:lumOff val="40000"/>
+                  </a:schemeClr>
                 </a:solidFill>
                 <a:latin typeface="Inter" panose="020B0502030000000004" pitchFamily="34" charset="0"/>
                 <a:ea typeface="Inter" panose="020B0502030000000004" pitchFamily="34" charset="0"/>
               </a:rPr>
-              <a:t>Action picked at this timestep</a:t>
+              <a:t>Action picked for this timestep</a:t>
             </a:r>
           </a:p>
         </p:txBody>
@@ -7304,7 +7319,7 @@
         <p:spPr>
           <a:xfrm flipH="1" flipV="1">
             <a:off x="1688847" y="2565468"/>
-            <a:ext cx="4407154" cy="1556260"/>
+            <a:ext cx="4407153" cy="1555510"/>
           </a:xfrm>
           <a:prstGeom prst="line">
             <a:avLst/>
@@ -9145,266 +9160,6 @@
       </p:pic>
       <p:sp>
         <p:nvSpPr>
-          <p:cNvPr id="11" name="Right Arrow 10">
-            <a:extLst>
-              <a:ext uri="{FF2B5EF4-FFF2-40B4-BE49-F238E27FC236}">
-                <a16:creationId xmlns:a16="http://schemas.microsoft.com/office/drawing/2014/main" id="{1E46492E-54EF-3542-AD8F-FB02ADD46DF1}"/>
-              </a:ext>
-            </a:extLst>
-          </p:cNvPr>
-          <p:cNvSpPr/>
-          <p:nvPr/>
-        </p:nvSpPr>
-        <p:spPr>
-          <a:xfrm>
-            <a:off x="3103165" y="3565626"/>
-            <a:ext cx="582705" cy="215152"/>
-          </a:xfrm>
-          <a:prstGeom prst="rightArrow">
-            <a:avLst/>
-          </a:prstGeom>
-          <a:solidFill>
-            <a:schemeClr val="bg1"/>
-          </a:solidFill>
-          <a:ln>
-            <a:noFill/>
-          </a:ln>
-        </p:spPr>
-        <p:style>
-          <a:lnRef idx="2">
-            <a:schemeClr val="accent1">
-              <a:shade val="50000"/>
-            </a:schemeClr>
-          </a:lnRef>
-          <a:fillRef idx="1">
-            <a:schemeClr val="accent1"/>
-          </a:fillRef>
-          <a:effectRef idx="0">
-            <a:schemeClr val="accent1"/>
-          </a:effectRef>
-          <a:fontRef idx="minor">
-            <a:schemeClr val="lt1"/>
-          </a:fontRef>
-        </p:style>
-        <p:txBody>
-          <a:bodyPr rtlCol="0" anchor="ctr"/>
-          <a:lstStyle/>
-          <a:p>
-            <a:pPr algn="ctr"/>
-            <a:endParaRPr lang="en-US"/>
-          </a:p>
-        </p:txBody>
-      </p:sp>
-      <p:sp>
-        <p:nvSpPr>
-          <p:cNvPr id="12" name="Right Arrow 11">
-            <a:extLst>
-              <a:ext uri="{FF2B5EF4-FFF2-40B4-BE49-F238E27FC236}">
-                <a16:creationId xmlns:a16="http://schemas.microsoft.com/office/drawing/2014/main" id="{F9661641-C954-CD4C-8F2C-AE5699B1A61F}"/>
-              </a:ext>
-            </a:extLst>
-          </p:cNvPr>
-          <p:cNvSpPr/>
-          <p:nvPr/>
-        </p:nvSpPr>
-        <p:spPr>
-          <a:xfrm>
-            <a:off x="3103164" y="4038429"/>
-            <a:ext cx="582705" cy="215152"/>
-          </a:xfrm>
-          <a:prstGeom prst="rightArrow">
-            <a:avLst/>
-          </a:prstGeom>
-          <a:solidFill>
-            <a:schemeClr val="bg1"/>
-          </a:solidFill>
-          <a:ln>
-            <a:noFill/>
-          </a:ln>
-        </p:spPr>
-        <p:style>
-          <a:lnRef idx="2">
-            <a:schemeClr val="accent1">
-              <a:shade val="50000"/>
-            </a:schemeClr>
-          </a:lnRef>
-          <a:fillRef idx="1">
-            <a:schemeClr val="accent1"/>
-          </a:fillRef>
-          <a:effectRef idx="0">
-            <a:schemeClr val="accent1"/>
-          </a:effectRef>
-          <a:fontRef idx="minor">
-            <a:schemeClr val="lt1"/>
-          </a:fontRef>
-        </p:style>
-        <p:txBody>
-          <a:bodyPr rtlCol="0" anchor="ctr"/>
-          <a:lstStyle/>
-          <a:p>
-            <a:pPr algn="ctr"/>
-            <a:endParaRPr lang="en-US"/>
-          </a:p>
-        </p:txBody>
-      </p:sp>
-      <p:sp>
-        <p:nvSpPr>
-          <p:cNvPr id="13" name="Right Arrow 12">
-            <a:extLst>
-              <a:ext uri="{FF2B5EF4-FFF2-40B4-BE49-F238E27FC236}">
-                <a16:creationId xmlns:a16="http://schemas.microsoft.com/office/drawing/2014/main" id="{5B8F8D8D-3D3A-C54B-99EC-FB3D3978A968}"/>
-              </a:ext>
-            </a:extLst>
-          </p:cNvPr>
-          <p:cNvSpPr/>
-          <p:nvPr/>
-        </p:nvSpPr>
-        <p:spPr>
-          <a:xfrm flipH="1">
-            <a:off x="8506126" y="3092824"/>
-            <a:ext cx="533399" cy="215152"/>
-          </a:xfrm>
-          <a:prstGeom prst="rightArrow">
-            <a:avLst/>
-          </a:prstGeom>
-          <a:solidFill>
-            <a:schemeClr val="bg1"/>
-          </a:solidFill>
-          <a:ln>
-            <a:noFill/>
-          </a:ln>
-        </p:spPr>
-        <p:style>
-          <a:lnRef idx="2">
-            <a:schemeClr val="accent1">
-              <a:shade val="50000"/>
-            </a:schemeClr>
-          </a:lnRef>
-          <a:fillRef idx="1">
-            <a:schemeClr val="accent1"/>
-          </a:fillRef>
-          <a:effectRef idx="0">
-            <a:schemeClr val="accent1"/>
-          </a:effectRef>
-          <a:fontRef idx="minor">
-            <a:schemeClr val="lt1"/>
-          </a:fontRef>
-        </p:style>
-        <p:txBody>
-          <a:bodyPr rtlCol="0" anchor="ctr"/>
-          <a:lstStyle/>
-          <a:p>
-            <a:pPr algn="ctr"/>
-            <a:endParaRPr lang="en-US" dirty="0"/>
-          </a:p>
-        </p:txBody>
-      </p:sp>
-      <p:sp>
-        <p:nvSpPr>
-          <p:cNvPr id="14" name="Right Arrow 13">
-            <a:extLst>
-              <a:ext uri="{FF2B5EF4-FFF2-40B4-BE49-F238E27FC236}">
-                <a16:creationId xmlns:a16="http://schemas.microsoft.com/office/drawing/2014/main" id="{708CB470-B6E4-8649-BF82-C9A795E017E3}"/>
-              </a:ext>
-            </a:extLst>
-          </p:cNvPr>
-          <p:cNvSpPr/>
-          <p:nvPr/>
-        </p:nvSpPr>
-        <p:spPr>
-          <a:xfrm flipH="1">
-            <a:off x="8506125" y="3565626"/>
-            <a:ext cx="533399" cy="215152"/>
-          </a:xfrm>
-          <a:prstGeom prst="rightArrow">
-            <a:avLst/>
-          </a:prstGeom>
-          <a:solidFill>
-            <a:schemeClr val="bg1"/>
-          </a:solidFill>
-          <a:ln>
-            <a:noFill/>
-          </a:ln>
-        </p:spPr>
-        <p:style>
-          <a:lnRef idx="2">
-            <a:schemeClr val="accent1">
-              <a:shade val="50000"/>
-            </a:schemeClr>
-          </a:lnRef>
-          <a:fillRef idx="1">
-            <a:schemeClr val="accent1"/>
-          </a:fillRef>
-          <a:effectRef idx="0">
-            <a:schemeClr val="accent1"/>
-          </a:effectRef>
-          <a:fontRef idx="minor">
-            <a:schemeClr val="lt1"/>
-          </a:fontRef>
-        </p:style>
-        <p:txBody>
-          <a:bodyPr rtlCol="0" anchor="ctr"/>
-          <a:lstStyle/>
-          <a:p>
-            <a:pPr algn="ctr"/>
-            <a:endParaRPr lang="en-US"/>
-          </a:p>
-        </p:txBody>
-      </p:sp>
-      <p:sp>
-        <p:nvSpPr>
-          <p:cNvPr id="15" name="Right Arrow 14">
-            <a:extLst>
-              <a:ext uri="{FF2B5EF4-FFF2-40B4-BE49-F238E27FC236}">
-                <a16:creationId xmlns:a16="http://schemas.microsoft.com/office/drawing/2014/main" id="{AE35C374-9368-4C42-94C0-AF2E7B22E541}"/>
-              </a:ext>
-            </a:extLst>
-          </p:cNvPr>
-          <p:cNvSpPr/>
-          <p:nvPr/>
-        </p:nvSpPr>
-        <p:spPr>
-          <a:xfrm flipH="1">
-            <a:off x="8506124" y="4038429"/>
-            <a:ext cx="533399" cy="215152"/>
-          </a:xfrm>
-          <a:prstGeom prst="rightArrow">
-            <a:avLst/>
-          </a:prstGeom>
-          <a:solidFill>
-            <a:schemeClr val="bg1"/>
-          </a:solidFill>
-          <a:ln>
-            <a:noFill/>
-          </a:ln>
-        </p:spPr>
-        <p:style>
-          <a:lnRef idx="2">
-            <a:schemeClr val="accent1">
-              <a:shade val="50000"/>
-            </a:schemeClr>
-          </a:lnRef>
-          <a:fillRef idx="1">
-            <a:schemeClr val="accent1"/>
-          </a:fillRef>
-          <a:effectRef idx="0">
-            <a:schemeClr val="accent1"/>
-          </a:effectRef>
-          <a:fontRef idx="minor">
-            <a:schemeClr val="lt1"/>
-          </a:fontRef>
-        </p:style>
-        <p:txBody>
-          <a:bodyPr rtlCol="0" anchor="ctr"/>
-          <a:lstStyle/>
-          <a:p>
-            <a:pPr algn="ctr"/>
-            <a:endParaRPr lang="en-US"/>
-          </a:p>
-        </p:txBody>
-      </p:sp>
-      <p:sp>
-        <p:nvSpPr>
           <p:cNvPr id="22" name="TextBox 21">
             <a:extLst>
               <a:ext uri="{FF2B5EF4-FFF2-40B4-BE49-F238E27FC236}">
@@ -9451,7 +9206,7 @@
                 <a:latin typeface="Inter" panose="020B0502030000000004" pitchFamily="34" charset="0"/>
                 <a:ea typeface="Inter" panose="020B0502030000000004" pitchFamily="34" charset="0"/>
               </a:rPr>
-              <a:t>Agent Reaction speed:	      </a:t>
+              <a:t>Agent Reaction time:	      </a:t>
             </a:r>
             <a:r>
               <a:rPr lang="en-US" sz="1200" b="1" dirty="0">
@@ -9603,7 +9358,7 @@
                 <a:latin typeface="Inter" panose="020B0502030000000004" pitchFamily="34" charset="0"/>
                 <a:ea typeface="Inter" panose="020B0502030000000004" pitchFamily="34" charset="0"/>
               </a:rPr>
-              <a:t>Initial timesteps to sample:   </a:t>
+              <a:t>Initial timesteps to sample:         </a:t>
             </a:r>
             <a:r>
               <a:rPr lang="en-US" sz="1200" b="1" dirty="0">
@@ -9647,7 +9402,7 @@
                 <a:latin typeface="Inter" panose="020B0502030000000004" pitchFamily="34" charset="0"/>
                 <a:ea typeface="Inter" panose="020B0502030000000004" pitchFamily="34" charset="0"/>
               </a:rPr>
-              <a:t>Update steps:	     </a:t>
+              <a:t>Update steps:	     	     </a:t>
             </a:r>
             <a:r>
               <a:rPr lang="en-US" sz="1200" b="1" dirty="0">
@@ -9668,145 +9423,6 @@
               <a:latin typeface="Inter" panose="020B0502030000000004" pitchFamily="34" charset="0"/>
               <a:ea typeface="Inter" panose="020B0502030000000004" pitchFamily="34" charset="0"/>
             </a:endParaRPr>
-          </a:p>
-        </p:txBody>
-      </p:sp>
-      <p:cxnSp>
-        <p:nvCxnSpPr>
-          <p:cNvPr id="18" name="Straight Connector 17">
-            <a:extLst>
-              <a:ext uri="{FF2B5EF4-FFF2-40B4-BE49-F238E27FC236}">
-                <a16:creationId xmlns:a16="http://schemas.microsoft.com/office/drawing/2014/main" id="{263DB4A8-4524-B740-BA50-2760EEC7A5B5}"/>
-              </a:ext>
-            </a:extLst>
-          </p:cNvPr>
-          <p:cNvCxnSpPr>
-            <a:cxnSpLocks/>
-          </p:cNvCxnSpPr>
-          <p:nvPr/>
-        </p:nvCxnSpPr>
-        <p:spPr>
-          <a:xfrm flipH="1" flipV="1">
-            <a:off x="1688847" y="1826804"/>
-            <a:ext cx="4407152" cy="2319202"/>
-          </a:xfrm>
-          <a:prstGeom prst="line">
-            <a:avLst/>
-          </a:prstGeom>
-          <a:ln w="15875">
-            <a:solidFill>
-              <a:schemeClr val="bg1"/>
-            </a:solidFill>
-            <a:headEnd type="oval"/>
-            <a:tailEnd type="none"/>
-          </a:ln>
-        </p:spPr>
-        <p:style>
-          <a:lnRef idx="1">
-            <a:schemeClr val="accent1"/>
-          </a:lnRef>
-          <a:fillRef idx="0">
-            <a:schemeClr val="accent1"/>
-          </a:fillRef>
-          <a:effectRef idx="0">
-            <a:schemeClr val="accent1"/>
-          </a:effectRef>
-          <a:fontRef idx="minor">
-            <a:schemeClr val="tx1"/>
-          </a:fontRef>
-        </p:style>
-      </p:cxnSp>
-      <p:sp>
-        <p:nvSpPr>
-          <p:cNvPr id="24" name="TextBox 23">
-            <a:extLst>
-              <a:ext uri="{FF2B5EF4-FFF2-40B4-BE49-F238E27FC236}">
-                <a16:creationId xmlns:a16="http://schemas.microsoft.com/office/drawing/2014/main" id="{7FEDB0EC-5A1C-4924-915A-063D18BC0C05}"/>
-              </a:ext>
-            </a:extLst>
-          </p:cNvPr>
-          <p:cNvSpPr txBox="1"/>
-          <p:nvPr/>
-        </p:nvSpPr>
-        <p:spPr>
-          <a:xfrm>
-            <a:off x="156608" y="1276236"/>
-            <a:ext cx="2828635" cy="830997"/>
-          </a:xfrm>
-          <a:prstGeom prst="rect">
-            <a:avLst/>
-          </a:prstGeom>
-          <a:noFill/>
-        </p:spPr>
-        <p:txBody>
-          <a:bodyPr wrap="square" rtlCol="0">
-            <a:spAutoFit/>
-          </a:bodyPr>
-          <a:lstStyle/>
-          <a:p>
-            <a:r>
-              <a:rPr lang="en-US" sz="1200" b="1" dirty="0">
-                <a:solidFill>
-                  <a:schemeClr val="bg1"/>
-                </a:solidFill>
-                <a:latin typeface="PLAYFAIR DISPLAY BOLD ROMAN" pitchFamily="2" charset="77"/>
-                <a:ea typeface="Inter" panose="020B0502030000000004" pitchFamily="34" charset="0"/>
-              </a:rPr>
-              <a:t>Added force parameters:</a:t>
-            </a:r>
-          </a:p>
-          <a:p>
-            <a:r>
-              <a:rPr lang="en-US" sz="1200" dirty="0">
-                <a:solidFill>
-                  <a:schemeClr val="bg1"/>
-                </a:solidFill>
-                <a:latin typeface="Inter" panose="020B0502030000000004" pitchFamily="34" charset="0"/>
-                <a:ea typeface="Inter" panose="020B0502030000000004" pitchFamily="34" charset="0"/>
-              </a:rPr>
-              <a:t>Frequency:  every 2-2 seconds</a:t>
-            </a:r>
-          </a:p>
-          <a:p>
-            <a:r>
-              <a:rPr lang="en-US" sz="1200" dirty="0">
-                <a:solidFill>
-                  <a:schemeClr val="bg1"/>
-                </a:solidFill>
-                <a:latin typeface="Inter" panose="020B0502030000000004" pitchFamily="34" charset="0"/>
-                <a:ea typeface="Inter" panose="020B0502030000000004" pitchFamily="34" charset="0"/>
-              </a:rPr>
-              <a:t>Duration: 	20 </a:t>
-            </a:r>
-            <a:r>
-              <a:rPr lang="en-US" sz="1200" dirty="0" err="1">
-                <a:solidFill>
-                  <a:schemeClr val="bg1"/>
-                </a:solidFill>
-                <a:latin typeface="Inter" panose="020B0502030000000004" pitchFamily="34" charset="0"/>
-                <a:ea typeface="Inter" panose="020B0502030000000004" pitchFamily="34" charset="0"/>
-              </a:rPr>
-              <a:t>ms</a:t>
-            </a:r>
-            <a:endParaRPr lang="en-US" sz="1200" dirty="0">
-              <a:solidFill>
-                <a:schemeClr val="bg1"/>
-              </a:solidFill>
-              <a:latin typeface="Inter" panose="020B0502030000000004" pitchFamily="34" charset="0"/>
-              <a:ea typeface="Inter" panose="020B0502030000000004" pitchFamily="34" charset="0"/>
-            </a:endParaRPr>
-          </a:p>
-          <a:p>
-            <a:r>
-              <a:rPr lang="en-US" sz="1200" dirty="0">
-                <a:solidFill>
-                  <a:schemeClr val="bg1"/>
-                </a:solidFill>
-                <a:latin typeface="Inter" panose="020B0502030000000004" pitchFamily="34" charset="0"/>
-                <a:ea typeface="Inter" panose="020B0502030000000004" pitchFamily="34" charset="0"/>
-              </a:rPr>
-              <a:t>Force: 	0 - x * g</a:t>
-            </a:r>
           </a:p>
         </p:txBody>
       </p:sp>
@@ -10037,6 +9653,168 @@
       </p:grpSpPr>
       <p:pic>
         <p:nvPicPr>
+          <p:cNvPr id="4" name="Picture 3" descr="Chart&#10;&#10;Description automatically generated">
+            <a:extLst>
+              <a:ext uri="{FF2B5EF4-FFF2-40B4-BE49-F238E27FC236}">
+                <a16:creationId xmlns:a16="http://schemas.microsoft.com/office/drawing/2014/main" id="{DDB9AA18-81C4-4F03-A34C-D0CADDD0D865}"/>
+              </a:ext>
+            </a:extLst>
+          </p:cNvPr>
+          <p:cNvPicPr>
+            <a:picLocks noChangeAspect="1"/>
+          </p:cNvPicPr>
+          <p:nvPr/>
+        </p:nvPicPr>
+        <p:blipFill>
+          <a:blip r:embed="rId2"/>
+          <a:stretch>
+            <a:fillRect/>
+          </a:stretch>
+        </p:blipFill>
+        <p:spPr>
+          <a:xfrm>
+            <a:off x="164535" y="3005593"/>
+            <a:ext cx="5485454" cy="2923719"/>
+          </a:xfrm>
+          <a:prstGeom prst="rect">
+            <a:avLst/>
+          </a:prstGeom>
+        </p:spPr>
+      </p:pic>
+      <p:pic>
+        <p:nvPicPr>
+          <p:cNvPr id="6" name="Picture 5" descr="Chart, treemap chart&#10;&#10;Description automatically generated">
+            <a:extLst>
+              <a:ext uri="{FF2B5EF4-FFF2-40B4-BE49-F238E27FC236}">
+                <a16:creationId xmlns:a16="http://schemas.microsoft.com/office/drawing/2014/main" id="{61CCA46D-F84D-41AE-9318-062314C0B15F}"/>
+              </a:ext>
+            </a:extLst>
+          </p:cNvPr>
+          <p:cNvPicPr>
+            <a:picLocks noChangeAspect="1"/>
+          </p:cNvPicPr>
+          <p:nvPr/>
+        </p:nvPicPr>
+        <p:blipFill>
+          <a:blip r:embed="rId3"/>
+          <a:stretch>
+            <a:fillRect/>
+          </a:stretch>
+        </p:blipFill>
+        <p:spPr>
+          <a:xfrm>
+            <a:off x="5649989" y="3005593"/>
+            <a:ext cx="5813654" cy="3098648"/>
+          </a:xfrm>
+          <a:prstGeom prst="rect">
+            <a:avLst/>
+          </a:prstGeom>
+        </p:spPr>
+      </p:pic>
+      <p:sp>
+        <p:nvSpPr>
+          <p:cNvPr id="7" name="TextBox 6">
+            <a:extLst>
+              <a:ext uri="{FF2B5EF4-FFF2-40B4-BE49-F238E27FC236}">
+                <a16:creationId xmlns:a16="http://schemas.microsoft.com/office/drawing/2014/main" id="{6B6247F9-953B-4B75-9452-CDF241D216BD}"/>
+              </a:ext>
+            </a:extLst>
+          </p:cNvPr>
+          <p:cNvSpPr txBox="1"/>
+          <p:nvPr/>
+        </p:nvSpPr>
+        <p:spPr>
+          <a:xfrm>
+            <a:off x="501354" y="2636261"/>
+            <a:ext cx="4110824" cy="369332"/>
+          </a:xfrm>
+          <a:prstGeom prst="rect">
+            <a:avLst/>
+          </a:prstGeom>
+          <a:noFill/>
+        </p:spPr>
+        <p:txBody>
+          <a:bodyPr wrap="square" rtlCol="0">
+            <a:spAutoFit/>
+          </a:bodyPr>
+          <a:lstStyle/>
+          <a:p>
+            <a:pPr algn="ctr"/>
+            <a:r>
+              <a:rPr lang="en-US" b="1" dirty="0"/>
+              <a:t>Non-Delayed</a:t>
+            </a:r>
+          </a:p>
+        </p:txBody>
+      </p:sp>
+      <p:sp>
+        <p:nvSpPr>
+          <p:cNvPr id="8" name="TextBox 7">
+            <a:extLst>
+              <a:ext uri="{FF2B5EF4-FFF2-40B4-BE49-F238E27FC236}">
+                <a16:creationId xmlns:a16="http://schemas.microsoft.com/office/drawing/2014/main" id="{3656C5D7-88A6-4C49-9091-024C8A9B89C5}"/>
+              </a:ext>
+            </a:extLst>
+          </p:cNvPr>
+          <p:cNvSpPr txBox="1"/>
+          <p:nvPr/>
+        </p:nvSpPr>
+        <p:spPr>
+          <a:xfrm>
+            <a:off x="6501404" y="2636261"/>
+            <a:ext cx="4110824" cy="369332"/>
+          </a:xfrm>
+          <a:prstGeom prst="rect">
+            <a:avLst/>
+          </a:prstGeom>
+          <a:noFill/>
+        </p:spPr>
+        <p:txBody>
+          <a:bodyPr wrap="square" rtlCol="0">
+            <a:spAutoFit/>
+          </a:bodyPr>
+          <a:lstStyle/>
+          <a:p>
+            <a:pPr algn="ctr"/>
+            <a:r>
+              <a:rPr lang="en-US" b="1" dirty="0"/>
+              <a:t>Delayed Response</a:t>
+            </a:r>
+          </a:p>
+        </p:txBody>
+      </p:sp>
+    </p:spTree>
+    <p:extLst>
+      <p:ext uri="{BB962C8B-B14F-4D97-AF65-F5344CB8AC3E}">
+        <p14:creationId xmlns:p14="http://schemas.microsoft.com/office/powerpoint/2010/main" val="3991452715"/>
+      </p:ext>
+    </p:extLst>
+  </p:cSld>
+  <p:clrMapOvr>
+    <a:masterClrMapping/>
+  </p:clrMapOvr>
+</p:sld>
+</file>
+
+<file path=ppt/slides/slide22.xml><?xml version="1.0" encoding="utf-8"?>
+<p:sld xmlns:a="http://schemas.openxmlformats.org/drawingml/2006/main" xmlns:r="http://schemas.openxmlformats.org/officeDocument/2006/relationships" xmlns:p="http://schemas.openxmlformats.org/presentationml/2006/main">
+  <p:cSld>
+    <p:spTree>
+      <p:nvGrpSpPr>
+        <p:cNvPr id="1" name=""/>
+        <p:cNvGrpSpPr/>
+        <p:nvPr/>
+      </p:nvGrpSpPr>
+      <p:grpSpPr>
+        <a:xfrm>
+          <a:off x="0" y="0"/>
+          <a:ext cx="0" cy="0"/>
+          <a:chOff x="0" y="0"/>
+          <a:chExt cx="0" cy="0"/>
+        </a:xfrm>
+      </p:grpSpPr>
+      <p:pic>
+        <p:nvPicPr>
           <p:cNvPr id="5" name="Picture 4" descr="Chart, surface chart&#10;&#10;Description automatically generated">
             <a:extLst>
               <a:ext uri="{FF2B5EF4-FFF2-40B4-BE49-F238E27FC236}">
@@ -10057,7 +9835,7 @@
         </p:blipFill>
         <p:spPr>
           <a:xfrm>
-            <a:off x="2667000" y="0"/>
+            <a:off x="0" y="0"/>
             <a:ext cx="6858000" cy="6858000"/>
           </a:xfrm>
           <a:prstGeom prst="rect">
@@ -10065,6 +9843,108 @@
           </a:prstGeom>
         </p:spPr>
       </p:pic>
+      <p:pic>
+        <p:nvPicPr>
+          <p:cNvPr id="7" name="Picture 6" descr="Chart, surface chart&#10;&#10;Description automatically generated">
+            <a:extLst>
+              <a:ext uri="{FF2B5EF4-FFF2-40B4-BE49-F238E27FC236}">
+                <a16:creationId xmlns:a16="http://schemas.microsoft.com/office/drawing/2014/main" id="{8BA7DA12-5C3B-47D4-A3F3-37D3A948F05F}"/>
+              </a:ext>
+            </a:extLst>
+          </p:cNvPr>
+          <p:cNvPicPr>
+            <a:picLocks noChangeAspect="1"/>
+          </p:cNvPicPr>
+          <p:nvPr/>
+        </p:nvPicPr>
+        <p:blipFill>
+          <a:blip r:embed="rId3"/>
+          <a:stretch>
+            <a:fillRect/>
+          </a:stretch>
+        </p:blipFill>
+        <p:spPr>
+          <a:xfrm>
+            <a:off x="5334000" y="0"/>
+            <a:ext cx="6858000" cy="6858000"/>
+          </a:xfrm>
+          <a:prstGeom prst="rect">
+            <a:avLst/>
+          </a:prstGeom>
+        </p:spPr>
+      </p:pic>
+      <p:sp>
+        <p:nvSpPr>
+          <p:cNvPr id="8" name="TextBox 7">
+            <a:extLst>
+              <a:ext uri="{FF2B5EF4-FFF2-40B4-BE49-F238E27FC236}">
+                <a16:creationId xmlns:a16="http://schemas.microsoft.com/office/drawing/2014/main" id="{B37F5D68-90C3-4B3D-B841-1086BC1584EE}"/>
+              </a:ext>
+            </a:extLst>
+          </p:cNvPr>
+          <p:cNvSpPr txBox="1"/>
+          <p:nvPr/>
+        </p:nvSpPr>
+        <p:spPr>
+          <a:xfrm>
+            <a:off x="826936" y="6241774"/>
+            <a:ext cx="4110824" cy="369332"/>
+          </a:xfrm>
+          <a:prstGeom prst="rect">
+            <a:avLst/>
+          </a:prstGeom>
+          <a:noFill/>
+        </p:spPr>
+        <p:txBody>
+          <a:bodyPr wrap="square" rtlCol="0">
+            <a:spAutoFit/>
+          </a:bodyPr>
+          <a:lstStyle/>
+          <a:p>
+            <a:pPr algn="ctr"/>
+            <a:r>
+              <a:rPr lang="en-US" b="1" dirty="0"/>
+              <a:t>Non Delayed</a:t>
+            </a:r>
+          </a:p>
+        </p:txBody>
+      </p:sp>
+      <p:sp>
+        <p:nvSpPr>
+          <p:cNvPr id="9" name="TextBox 8">
+            <a:extLst>
+              <a:ext uri="{FF2B5EF4-FFF2-40B4-BE49-F238E27FC236}">
+                <a16:creationId xmlns:a16="http://schemas.microsoft.com/office/drawing/2014/main" id="{58E6B6A9-ECAC-41BA-8576-7A5CA675784B}"/>
+              </a:ext>
+            </a:extLst>
+          </p:cNvPr>
+          <p:cNvSpPr txBox="1"/>
+          <p:nvPr/>
+        </p:nvSpPr>
+        <p:spPr>
+          <a:xfrm>
+            <a:off x="7254240" y="6064337"/>
+            <a:ext cx="4110824" cy="369332"/>
+          </a:xfrm>
+          <a:prstGeom prst="rect">
+            <a:avLst/>
+          </a:prstGeom>
+          <a:noFill/>
+        </p:spPr>
+        <p:txBody>
+          <a:bodyPr wrap="square" rtlCol="0">
+            <a:spAutoFit/>
+          </a:bodyPr>
+          <a:lstStyle/>
+          <a:p>
+            <a:pPr algn="ctr"/>
+            <a:r>
+              <a:rPr lang="en-US" b="1" dirty="0"/>
+              <a:t>Delayed</a:t>
+            </a:r>
+          </a:p>
+        </p:txBody>
+      </p:sp>
     </p:spTree>
     <p:extLst>
       <p:ext uri="{BB962C8B-B14F-4D97-AF65-F5344CB8AC3E}">
@@ -10178,58 +10058,6 @@
       </p:pic>
       <p:sp>
         <p:nvSpPr>
-          <p:cNvPr id="10" name="Right Arrow 9">
-            <a:extLst>
-              <a:ext uri="{FF2B5EF4-FFF2-40B4-BE49-F238E27FC236}">
-                <a16:creationId xmlns:a16="http://schemas.microsoft.com/office/drawing/2014/main" id="{494D00CE-43D7-6244-B1A8-83527E460974}"/>
-              </a:ext>
-            </a:extLst>
-          </p:cNvPr>
-          <p:cNvSpPr/>
-          <p:nvPr/>
-        </p:nvSpPr>
-        <p:spPr>
-          <a:xfrm>
-            <a:off x="3103166" y="3092824"/>
-            <a:ext cx="582705" cy="215152"/>
-          </a:xfrm>
-          <a:prstGeom prst="rightArrow">
-            <a:avLst/>
-          </a:prstGeom>
-          <a:solidFill>
-            <a:schemeClr val="bg1"/>
-          </a:solidFill>
-          <a:ln>
-            <a:noFill/>
-          </a:ln>
-        </p:spPr>
-        <p:style>
-          <a:lnRef idx="2">
-            <a:schemeClr val="accent1">
-              <a:shade val="50000"/>
-            </a:schemeClr>
-          </a:lnRef>
-          <a:fillRef idx="1">
-            <a:schemeClr val="accent1"/>
-          </a:fillRef>
-          <a:effectRef idx="0">
-            <a:schemeClr val="accent1"/>
-          </a:effectRef>
-          <a:fontRef idx="minor">
-            <a:schemeClr val="lt1"/>
-          </a:fontRef>
-        </p:style>
-        <p:txBody>
-          <a:bodyPr rtlCol="0" anchor="ctr"/>
-          <a:lstStyle/>
-          <a:p>
-            <a:pPr algn="ctr"/>
-            <a:endParaRPr lang="en-US"/>
-          </a:p>
-        </p:txBody>
-      </p:sp>
-      <p:sp>
-        <p:nvSpPr>
           <p:cNvPr id="11" name="Right Arrow 10">
             <a:extLst>
               <a:ext uri="{FF2B5EF4-FFF2-40B4-BE49-F238E27FC236}">
@@ -10334,162 +10162,6 @@
       </p:sp>
       <p:sp>
         <p:nvSpPr>
-          <p:cNvPr id="13" name="Right Arrow 12">
-            <a:extLst>
-              <a:ext uri="{FF2B5EF4-FFF2-40B4-BE49-F238E27FC236}">
-                <a16:creationId xmlns:a16="http://schemas.microsoft.com/office/drawing/2014/main" id="{5B8F8D8D-3D3A-C54B-99EC-FB3D3978A968}"/>
-              </a:ext>
-            </a:extLst>
-          </p:cNvPr>
-          <p:cNvSpPr/>
-          <p:nvPr/>
-        </p:nvSpPr>
-        <p:spPr>
-          <a:xfrm flipH="1">
-            <a:off x="8506126" y="3092824"/>
-            <a:ext cx="533399" cy="215152"/>
-          </a:xfrm>
-          <a:prstGeom prst="rightArrow">
-            <a:avLst/>
-          </a:prstGeom>
-          <a:solidFill>
-            <a:schemeClr val="bg1"/>
-          </a:solidFill>
-          <a:ln>
-            <a:noFill/>
-          </a:ln>
-        </p:spPr>
-        <p:style>
-          <a:lnRef idx="2">
-            <a:schemeClr val="accent1">
-              <a:shade val="50000"/>
-            </a:schemeClr>
-          </a:lnRef>
-          <a:fillRef idx="1">
-            <a:schemeClr val="accent1"/>
-          </a:fillRef>
-          <a:effectRef idx="0">
-            <a:schemeClr val="accent1"/>
-          </a:effectRef>
-          <a:fontRef idx="minor">
-            <a:schemeClr val="lt1"/>
-          </a:fontRef>
-        </p:style>
-        <p:txBody>
-          <a:bodyPr rtlCol="0" anchor="ctr"/>
-          <a:lstStyle/>
-          <a:p>
-            <a:pPr algn="ctr"/>
-            <a:endParaRPr lang="en-US"/>
-          </a:p>
-        </p:txBody>
-      </p:sp>
-      <p:sp>
-        <p:nvSpPr>
-          <p:cNvPr id="14" name="Right Arrow 13">
-            <a:extLst>
-              <a:ext uri="{FF2B5EF4-FFF2-40B4-BE49-F238E27FC236}">
-                <a16:creationId xmlns:a16="http://schemas.microsoft.com/office/drawing/2014/main" id="{708CB470-B6E4-8649-BF82-C9A795E017E3}"/>
-              </a:ext>
-            </a:extLst>
-          </p:cNvPr>
-          <p:cNvSpPr/>
-          <p:nvPr/>
-        </p:nvSpPr>
-        <p:spPr>
-          <a:xfrm flipH="1">
-            <a:off x="8506125" y="3565626"/>
-            <a:ext cx="533399" cy="215152"/>
-          </a:xfrm>
-          <a:prstGeom prst="rightArrow">
-            <a:avLst/>
-          </a:prstGeom>
-          <a:solidFill>
-            <a:schemeClr val="bg1"/>
-          </a:solidFill>
-          <a:ln>
-            <a:noFill/>
-          </a:ln>
-        </p:spPr>
-        <p:style>
-          <a:lnRef idx="2">
-            <a:schemeClr val="accent1">
-              <a:shade val="50000"/>
-            </a:schemeClr>
-          </a:lnRef>
-          <a:fillRef idx="1">
-            <a:schemeClr val="accent1"/>
-          </a:fillRef>
-          <a:effectRef idx="0">
-            <a:schemeClr val="accent1"/>
-          </a:effectRef>
-          <a:fontRef idx="minor">
-            <a:schemeClr val="lt1"/>
-          </a:fontRef>
-        </p:style>
-        <p:txBody>
-          <a:bodyPr rtlCol="0" anchor="ctr"/>
-          <a:lstStyle/>
-          <a:p>
-            <a:pPr algn="ctr"/>
-            <a:endParaRPr lang="en-US"/>
-          </a:p>
-        </p:txBody>
-      </p:sp>
-      <p:sp>
-        <p:nvSpPr>
-          <p:cNvPr id="15" name="Right Arrow 14">
-            <a:extLst>
-              <a:ext uri="{FF2B5EF4-FFF2-40B4-BE49-F238E27FC236}">
-                <a16:creationId xmlns:a16="http://schemas.microsoft.com/office/drawing/2014/main" id="{AE35C374-9368-4C42-94C0-AF2E7B22E541}"/>
-              </a:ext>
-            </a:extLst>
-          </p:cNvPr>
-          <p:cNvSpPr/>
-          <p:nvPr/>
-        </p:nvSpPr>
-        <p:spPr>
-          <a:xfrm flipH="1">
-            <a:off x="8506124" y="4038429"/>
-            <a:ext cx="533399" cy="215152"/>
-          </a:xfrm>
-          <a:prstGeom prst="rightArrow">
-            <a:avLst/>
-          </a:prstGeom>
-          <a:solidFill>
-            <a:schemeClr val="bg1"/>
-          </a:solidFill>
-          <a:ln>
-            <a:noFill/>
-          </a:ln>
-        </p:spPr>
-        <p:style>
-          <a:lnRef idx="2">
-            <a:schemeClr val="accent1">
-              <a:shade val="50000"/>
-            </a:schemeClr>
-          </a:lnRef>
-          <a:fillRef idx="1">
-            <a:schemeClr val="accent1"/>
-          </a:fillRef>
-          <a:effectRef idx="0">
-            <a:schemeClr val="accent1"/>
-          </a:effectRef>
-          <a:fontRef idx="minor">
-            <a:schemeClr val="lt1"/>
-          </a:fontRef>
-        </p:style>
-        <p:txBody>
-          <a:bodyPr rtlCol="0" anchor="ctr"/>
-          <a:lstStyle/>
-          <a:p>
-            <a:pPr algn="ctr"/>
-            <a:endParaRPr lang="en-US"/>
-          </a:p>
-        </p:txBody>
-      </p:sp>
-      <p:sp>
-        <p:nvSpPr>
           <p:cNvPr id="16" name="TextBox 15">
             <a:extLst>
               <a:ext uri="{FF2B5EF4-FFF2-40B4-BE49-F238E27FC236}">
@@ -10503,7 +10175,7 @@
         <p:spPr>
           <a:xfrm>
             <a:off x="274529" y="1549805"/>
-            <a:ext cx="3411342" cy="830997"/>
+            <a:ext cx="3411342" cy="1015663"/>
           </a:xfrm>
           <a:prstGeom prst="rect">
             <a:avLst/>
@@ -10577,7 +10249,19 @@
                 <a:latin typeface="Inter" panose="020B0502030000000004" pitchFamily="34" charset="0"/>
                 <a:ea typeface="Inter" panose="020B0502030000000004" pitchFamily="34" charset="0"/>
               </a:rPr>
-              <a:t>Force: 	x * g</a:t>
+              <a:t>Force: 	(0, 5 * g)</a:t>
+            </a:r>
+          </a:p>
+          <a:p>
+            <a:r>
+              <a:rPr lang="en-US" sz="1200" dirty="0">
+                <a:solidFill>
+                  <a:schemeClr val="bg1"/>
+                </a:solidFill>
+                <a:latin typeface="Inter" panose="020B0502030000000004" pitchFamily="34" charset="0"/>
+                <a:ea typeface="Inter" panose="020B0502030000000004" pitchFamily="34" charset="0"/>
+              </a:rPr>
+              <a:t>Direction: 	Left or right</a:t>
             </a:r>
           </a:p>
         </p:txBody>
@@ -10600,8 +10284,8 @@
         </p:nvCxnSpPr>
         <p:spPr>
           <a:xfrm flipH="1" flipV="1">
-            <a:off x="1980200" y="2380802"/>
-            <a:ext cx="1122966" cy="819598"/>
+            <a:off x="1980200" y="2565468"/>
+            <a:ext cx="1122966" cy="634932"/>
           </a:xfrm>
           <a:prstGeom prst="line">
             <a:avLst/>
@@ -10629,252 +10313,381 @@
           </a:fontRef>
         </p:style>
       </p:cxnSp>
-      <p:sp>
-        <p:nvSpPr>
-          <p:cNvPr id="22" name="TextBox 21">
+      <p:grpSp>
+        <p:nvGrpSpPr>
+          <p:cNvPr id="3" name="Group 2">
             <a:extLst>
               <a:ext uri="{FF2B5EF4-FFF2-40B4-BE49-F238E27FC236}">
-                <a16:creationId xmlns:a16="http://schemas.microsoft.com/office/drawing/2014/main" id="{CE82ABC0-3730-C54B-9678-58BF44B2DA68}"/>
+                <a16:creationId xmlns:a16="http://schemas.microsoft.com/office/drawing/2014/main" id="{5D9272F0-A989-4EAB-8045-B9EAC222BDAA}"/>
               </a:ext>
             </a:extLst>
           </p:cNvPr>
-          <p:cNvSpPr txBox="1"/>
+          <p:cNvGrpSpPr/>
           <p:nvPr/>
-        </p:nvSpPr>
-        <p:spPr>
+        </p:nvGrpSpPr>
+        <p:grpSpPr>
           <a:xfrm>
-            <a:off x="9273980" y="2349617"/>
-            <a:ext cx="2828635" cy="3046988"/>
+            <a:off x="2964211" y="3092823"/>
+            <a:ext cx="721660" cy="215153"/>
+            <a:chOff x="2964211" y="3092823"/>
+            <a:chExt cx="721660" cy="215153"/>
           </a:xfrm>
-          <a:prstGeom prst="rect">
-            <a:avLst/>
-          </a:prstGeom>
-          <a:noFill/>
-        </p:spPr>
-        <p:txBody>
-          <a:bodyPr wrap="square" rtlCol="0">
-            <a:spAutoFit/>
-          </a:bodyPr>
-          <a:lstStyle/>
-          <a:p>
-            <a:r>
-              <a:rPr lang="en-US" sz="1200" dirty="0">
-                <a:solidFill>
-                  <a:schemeClr val="bg1"/>
-                </a:solidFill>
-                <a:latin typeface="PLAYFAIR DISPLAY BOLD ROMAN" pitchFamily="2" charset="77"/>
-                <a:ea typeface="Inter" panose="020B0502030000000004" pitchFamily="34" charset="0"/>
-              </a:rPr>
-              <a:t>Environment parameters:</a:t>
-            </a:r>
-          </a:p>
-          <a:p>
-            <a:r>
-              <a:rPr lang="en-US" sz="1200" dirty="0">
-                <a:solidFill>
-                  <a:schemeClr val="bg1"/>
-                </a:solidFill>
-                <a:latin typeface="Inter" panose="020B0502030000000004" pitchFamily="34" charset="0"/>
-                <a:ea typeface="Inter" panose="020B0502030000000004" pitchFamily="34" charset="0"/>
-              </a:rPr>
-              <a:t>Timestep:		      20 </a:t>
-            </a:r>
-            <a:r>
-              <a:rPr lang="en-US" sz="1200" dirty="0" err="1">
-                <a:solidFill>
-                  <a:schemeClr val="bg1"/>
-                </a:solidFill>
-                <a:latin typeface="Inter" panose="020B0502030000000004" pitchFamily="34" charset="0"/>
-                <a:ea typeface="Inter" panose="020B0502030000000004" pitchFamily="34" charset="0"/>
-              </a:rPr>
-              <a:t>ms</a:t>
-            </a:r>
-            <a:endParaRPr lang="en-US" sz="1200" dirty="0">
-              <a:solidFill>
-                <a:schemeClr val="bg1"/>
-              </a:solidFill>
-              <a:latin typeface="Inter" panose="020B0502030000000004" pitchFamily="34" charset="0"/>
-              <a:ea typeface="Inter" panose="020B0502030000000004" pitchFamily="34" charset="0"/>
-            </a:endParaRPr>
-          </a:p>
-          <a:p>
-            <a:r>
-              <a:rPr lang="en-US" sz="1200" dirty="0">
-                <a:solidFill>
-                  <a:schemeClr val="bg1"/>
-                </a:solidFill>
-                <a:latin typeface="Inter" panose="020B0502030000000004" pitchFamily="34" charset="0"/>
-                <a:ea typeface="Inter" panose="020B0502030000000004" pitchFamily="34" charset="0"/>
-              </a:rPr>
-              <a:t>Frame skip:		      2</a:t>
-            </a:r>
-          </a:p>
-          <a:p>
-            <a:r>
-              <a:rPr lang="en-US" sz="1200" dirty="0">
-                <a:solidFill>
-                  <a:schemeClr val="bg1"/>
-                </a:solidFill>
-                <a:latin typeface="Inter" panose="020B0502030000000004" pitchFamily="34" charset="0"/>
-                <a:ea typeface="Inter" panose="020B0502030000000004" pitchFamily="34" charset="0"/>
-              </a:rPr>
-              <a:t>Agent Reaction speed:	      40 </a:t>
-            </a:r>
-            <a:r>
-              <a:rPr lang="en-US" sz="1200" dirty="0" err="1">
-                <a:solidFill>
-                  <a:schemeClr val="bg1"/>
-                </a:solidFill>
-                <a:latin typeface="Inter" panose="020B0502030000000004" pitchFamily="34" charset="0"/>
-                <a:ea typeface="Inter" panose="020B0502030000000004" pitchFamily="34" charset="0"/>
-              </a:rPr>
-              <a:t>ms</a:t>
-            </a:r>
-            <a:endParaRPr lang="en-US" sz="1200" dirty="0">
-              <a:solidFill>
-                <a:schemeClr val="bg1"/>
-              </a:solidFill>
-              <a:latin typeface="Inter" panose="020B0502030000000004" pitchFamily="34" charset="0"/>
-              <a:ea typeface="Inter" panose="020B0502030000000004" pitchFamily="34" charset="0"/>
-            </a:endParaRPr>
-          </a:p>
-          <a:p>
-            <a:r>
-              <a:rPr lang="en-US" sz="1200" dirty="0">
-                <a:solidFill>
-                  <a:schemeClr val="bg1"/>
-                </a:solidFill>
-                <a:latin typeface="Inter" panose="020B0502030000000004" pitchFamily="34" charset="0"/>
-                <a:ea typeface="Inter" panose="020B0502030000000004" pitchFamily="34" charset="0"/>
-              </a:rPr>
-              <a:t>Force: 		      -3, 3</a:t>
-            </a:r>
-          </a:p>
-          <a:p>
-            <a:endParaRPr lang="en-US" sz="1200" dirty="0">
-              <a:solidFill>
-                <a:schemeClr val="bg1"/>
-              </a:solidFill>
-              <a:latin typeface="PLAYFAIR DISPLAY BOLD ROMAN" pitchFamily="2" charset="77"/>
-              <a:ea typeface="Inter" panose="020B0502030000000004" pitchFamily="34" charset="0"/>
-            </a:endParaRPr>
-          </a:p>
-          <a:p>
-            <a:r>
-              <a:rPr lang="en-US" sz="1200" dirty="0">
-                <a:solidFill>
-                  <a:schemeClr val="bg1"/>
-                </a:solidFill>
-                <a:latin typeface="PLAYFAIR DISPLAY BOLD ROMAN" pitchFamily="2" charset="77"/>
-                <a:ea typeface="Inter" panose="020B0502030000000004" pitchFamily="34" charset="0"/>
-              </a:rPr>
-              <a:t>Episode parameters:</a:t>
-            </a:r>
-          </a:p>
-          <a:p>
-            <a:r>
-              <a:rPr lang="en-US" sz="1200" dirty="0">
-                <a:solidFill>
-                  <a:schemeClr val="bg1"/>
-                </a:solidFill>
-                <a:latin typeface="Inter" panose="020B0502030000000004" pitchFamily="34" charset="0"/>
-                <a:ea typeface="Inter" panose="020B0502030000000004" pitchFamily="34" charset="0"/>
-              </a:rPr>
-              <a:t>Maximum steps:    	      1000</a:t>
-            </a:r>
-          </a:p>
-          <a:p>
-            <a:r>
-              <a:rPr lang="en-US" sz="1200" dirty="0">
-                <a:solidFill>
-                  <a:schemeClr val="bg1"/>
-                </a:solidFill>
-                <a:latin typeface="Inter" panose="020B0502030000000004" pitchFamily="34" charset="0"/>
-                <a:ea typeface="Inter" panose="020B0502030000000004" pitchFamily="34" charset="0"/>
-              </a:rPr>
-              <a:t>Reward per step:   	      1</a:t>
-            </a:r>
-          </a:p>
-          <a:p>
-            <a:r>
-              <a:rPr lang="en-US" sz="1200" dirty="0">
-                <a:solidFill>
-                  <a:schemeClr val="bg1"/>
-                </a:solidFill>
-                <a:latin typeface="Inter" panose="020B0502030000000004" pitchFamily="34" charset="0"/>
-                <a:ea typeface="Inter" panose="020B0502030000000004" pitchFamily="34" charset="0"/>
-              </a:rPr>
-              <a:t>Max total reward:  	      1000</a:t>
-            </a:r>
-          </a:p>
-          <a:p>
-            <a:endParaRPr lang="en-US" sz="1200" dirty="0">
-              <a:solidFill>
-                <a:schemeClr val="bg1"/>
-              </a:solidFill>
-              <a:latin typeface="Inter" panose="020B0502030000000004" pitchFamily="34" charset="0"/>
-              <a:ea typeface="Inter" panose="020B0502030000000004" pitchFamily="34" charset="0"/>
-            </a:endParaRPr>
-          </a:p>
-          <a:p>
-            <a:r>
-              <a:rPr lang="en-US" sz="1200" dirty="0">
-                <a:solidFill>
-                  <a:schemeClr val="bg1"/>
-                </a:solidFill>
-                <a:latin typeface="PLAYFAIR DISPLAY BOLD ROMAN" pitchFamily="2" charset="77"/>
-                <a:ea typeface="Inter" panose="020B0502030000000004" pitchFamily="34" charset="0"/>
-              </a:rPr>
-              <a:t>Algorithm parameters:</a:t>
-            </a:r>
-          </a:p>
-          <a:p>
-            <a:r>
-              <a:rPr lang="en-US" sz="1200" dirty="0">
-                <a:solidFill>
-                  <a:schemeClr val="bg1"/>
-                </a:solidFill>
-                <a:latin typeface="Inter" panose="020B0502030000000004" pitchFamily="34" charset="0"/>
-                <a:ea typeface="Inter" panose="020B0502030000000004" pitchFamily="34" charset="0"/>
-              </a:rPr>
-              <a:t>Initial timesteps to sample:   25000</a:t>
-            </a:r>
-          </a:p>
-          <a:p>
-            <a:r>
-              <a:rPr lang="en-US" sz="1200" dirty="0">
-                <a:solidFill>
-                  <a:schemeClr val="bg1"/>
-                </a:solidFill>
-                <a:latin typeface="Inter" panose="020B0502030000000004" pitchFamily="34" charset="0"/>
-                <a:ea typeface="Inter" panose="020B0502030000000004" pitchFamily="34" charset="0"/>
-              </a:rPr>
-              <a:t>Maximum timesteps:	     200000</a:t>
-            </a:r>
-          </a:p>
-          <a:p>
-            <a:r>
-              <a:rPr lang="en-US" sz="1200" dirty="0">
-                <a:solidFill>
-                  <a:schemeClr val="bg1"/>
-                </a:solidFill>
-                <a:latin typeface="Inter" panose="020B0502030000000004" pitchFamily="34" charset="0"/>
-                <a:ea typeface="Inter" panose="020B0502030000000004" pitchFamily="34" charset="0"/>
-              </a:rPr>
-              <a:t>Update steps:	     175000</a:t>
-            </a:r>
-          </a:p>
-          <a:p>
-            <a:endParaRPr lang="en-US" sz="1200" dirty="0">
-              <a:solidFill>
-                <a:schemeClr val="bg1"/>
-              </a:solidFill>
-              <a:latin typeface="Inter" panose="020B0502030000000004" pitchFamily="34" charset="0"/>
-              <a:ea typeface="Inter" panose="020B0502030000000004" pitchFamily="34" charset="0"/>
-            </a:endParaRPr>
-          </a:p>
-        </p:txBody>
-      </p:sp>
+        </p:grpSpPr>
+        <p:sp>
+          <p:nvSpPr>
+            <p:cNvPr id="10" name="Right Arrow 9">
+              <a:extLst>
+                <a:ext uri="{FF2B5EF4-FFF2-40B4-BE49-F238E27FC236}">
+                  <a16:creationId xmlns:a16="http://schemas.microsoft.com/office/drawing/2014/main" id="{494D00CE-43D7-6244-B1A8-83527E460974}"/>
+                </a:ext>
+              </a:extLst>
+            </p:cNvPr>
+            <p:cNvSpPr/>
+            <p:nvPr/>
+          </p:nvSpPr>
+          <p:spPr>
+            <a:xfrm>
+              <a:off x="3103166" y="3092824"/>
+              <a:ext cx="582705" cy="215152"/>
+            </a:xfrm>
+            <a:prstGeom prst="rightArrow">
+              <a:avLst/>
+            </a:prstGeom>
+            <a:solidFill>
+              <a:schemeClr val="bg1"/>
+            </a:solidFill>
+            <a:ln>
+              <a:noFill/>
+            </a:ln>
+          </p:spPr>
+          <p:style>
+            <a:lnRef idx="2">
+              <a:schemeClr val="accent1">
+                <a:shade val="50000"/>
+              </a:schemeClr>
+            </a:lnRef>
+            <a:fillRef idx="1">
+              <a:schemeClr val="accent1"/>
+            </a:fillRef>
+            <a:effectRef idx="0">
+              <a:schemeClr val="accent1"/>
+            </a:effectRef>
+            <a:fontRef idx="minor">
+              <a:schemeClr val="lt1"/>
+            </a:fontRef>
+          </p:style>
+          <p:txBody>
+            <a:bodyPr rtlCol="0" anchor="ctr"/>
+            <a:lstStyle/>
+            <a:p>
+              <a:pPr algn="ctr"/>
+              <a:endParaRPr lang="en-US"/>
+            </a:p>
+          </p:txBody>
+        </p:sp>
+        <p:sp>
+          <p:nvSpPr>
+            <p:cNvPr id="17" name="Right Arrow 10">
+              <a:extLst>
+                <a:ext uri="{FF2B5EF4-FFF2-40B4-BE49-F238E27FC236}">
+                  <a16:creationId xmlns:a16="http://schemas.microsoft.com/office/drawing/2014/main" id="{74313817-9958-4723-8FC4-B85C5E051D87}"/>
+                </a:ext>
+              </a:extLst>
+            </p:cNvPr>
+            <p:cNvSpPr/>
+            <p:nvPr/>
+          </p:nvSpPr>
+          <p:spPr>
+            <a:xfrm rot="10800000">
+              <a:off x="2964211" y="3092823"/>
+              <a:ext cx="582705" cy="215152"/>
+            </a:xfrm>
+            <a:prstGeom prst="rightArrow">
+              <a:avLst/>
+            </a:prstGeom>
+            <a:solidFill>
+              <a:schemeClr val="bg1"/>
+            </a:solidFill>
+            <a:ln>
+              <a:noFill/>
+            </a:ln>
+          </p:spPr>
+          <p:style>
+            <a:lnRef idx="2">
+              <a:schemeClr val="accent1">
+                <a:shade val="50000"/>
+              </a:schemeClr>
+            </a:lnRef>
+            <a:fillRef idx="1">
+              <a:schemeClr val="accent1"/>
+            </a:fillRef>
+            <a:effectRef idx="0">
+              <a:schemeClr val="accent1"/>
+            </a:effectRef>
+            <a:fontRef idx="minor">
+              <a:schemeClr val="lt1"/>
+            </a:fontRef>
+          </p:style>
+          <p:txBody>
+            <a:bodyPr rtlCol="0" anchor="ctr"/>
+            <a:lstStyle/>
+            <a:p>
+              <a:pPr algn="ctr"/>
+              <a:endParaRPr lang="en-US"/>
+            </a:p>
+          </p:txBody>
+        </p:sp>
+      </p:grpSp>
+      <p:grpSp>
+        <p:nvGrpSpPr>
+          <p:cNvPr id="19" name="Group 18">
+            <a:extLst>
+              <a:ext uri="{FF2B5EF4-FFF2-40B4-BE49-F238E27FC236}">
+                <a16:creationId xmlns:a16="http://schemas.microsoft.com/office/drawing/2014/main" id="{126C9680-FDC4-4580-B379-A5EEC4E65732}"/>
+              </a:ext>
+            </a:extLst>
+          </p:cNvPr>
+          <p:cNvGrpSpPr/>
+          <p:nvPr/>
+        </p:nvGrpSpPr>
+        <p:grpSpPr>
+          <a:xfrm>
+            <a:off x="2964209" y="3565626"/>
+            <a:ext cx="721660" cy="215153"/>
+            <a:chOff x="2964211" y="3092823"/>
+            <a:chExt cx="721660" cy="215153"/>
+          </a:xfrm>
+        </p:grpSpPr>
+        <p:sp>
+          <p:nvSpPr>
+            <p:cNvPr id="20" name="Right Arrow 9">
+              <a:extLst>
+                <a:ext uri="{FF2B5EF4-FFF2-40B4-BE49-F238E27FC236}">
+                  <a16:creationId xmlns:a16="http://schemas.microsoft.com/office/drawing/2014/main" id="{48154F88-CAE7-4871-81C3-2456C6DB3B30}"/>
+                </a:ext>
+              </a:extLst>
+            </p:cNvPr>
+            <p:cNvSpPr/>
+            <p:nvPr/>
+          </p:nvSpPr>
+          <p:spPr>
+            <a:xfrm>
+              <a:off x="3103166" y="3092824"/>
+              <a:ext cx="582705" cy="215152"/>
+            </a:xfrm>
+            <a:prstGeom prst="rightArrow">
+              <a:avLst/>
+            </a:prstGeom>
+            <a:solidFill>
+              <a:schemeClr val="bg1"/>
+            </a:solidFill>
+            <a:ln>
+              <a:noFill/>
+            </a:ln>
+          </p:spPr>
+          <p:style>
+            <a:lnRef idx="2">
+              <a:schemeClr val="accent1">
+                <a:shade val="50000"/>
+              </a:schemeClr>
+            </a:lnRef>
+            <a:fillRef idx="1">
+              <a:schemeClr val="accent1"/>
+            </a:fillRef>
+            <a:effectRef idx="0">
+              <a:schemeClr val="accent1"/>
+            </a:effectRef>
+            <a:fontRef idx="minor">
+              <a:schemeClr val="lt1"/>
+            </a:fontRef>
+          </p:style>
+          <p:txBody>
+            <a:bodyPr rtlCol="0" anchor="ctr"/>
+            <a:lstStyle/>
+            <a:p>
+              <a:pPr algn="ctr"/>
+              <a:endParaRPr lang="en-US"/>
+            </a:p>
+          </p:txBody>
+        </p:sp>
+        <p:sp>
+          <p:nvSpPr>
+            <p:cNvPr id="21" name="Right Arrow 10">
+              <a:extLst>
+                <a:ext uri="{FF2B5EF4-FFF2-40B4-BE49-F238E27FC236}">
+                  <a16:creationId xmlns:a16="http://schemas.microsoft.com/office/drawing/2014/main" id="{67E32B1A-4C16-43FA-B3ED-4EB4636491B5}"/>
+                </a:ext>
+              </a:extLst>
+            </p:cNvPr>
+            <p:cNvSpPr/>
+            <p:nvPr/>
+          </p:nvSpPr>
+          <p:spPr>
+            <a:xfrm rot="10800000">
+              <a:off x="2964211" y="3092823"/>
+              <a:ext cx="582705" cy="215152"/>
+            </a:xfrm>
+            <a:prstGeom prst="rightArrow">
+              <a:avLst/>
+            </a:prstGeom>
+            <a:solidFill>
+              <a:schemeClr val="bg1"/>
+            </a:solidFill>
+            <a:ln>
+              <a:noFill/>
+            </a:ln>
+          </p:spPr>
+          <p:style>
+            <a:lnRef idx="2">
+              <a:schemeClr val="accent1">
+                <a:shade val="50000"/>
+              </a:schemeClr>
+            </a:lnRef>
+            <a:fillRef idx="1">
+              <a:schemeClr val="accent1"/>
+            </a:fillRef>
+            <a:effectRef idx="0">
+              <a:schemeClr val="accent1"/>
+            </a:effectRef>
+            <a:fontRef idx="minor">
+              <a:schemeClr val="lt1"/>
+            </a:fontRef>
+          </p:style>
+          <p:txBody>
+            <a:bodyPr rtlCol="0" anchor="ctr"/>
+            <a:lstStyle/>
+            <a:p>
+              <a:pPr algn="ctr"/>
+              <a:endParaRPr lang="en-US"/>
+            </a:p>
+          </p:txBody>
+        </p:sp>
+      </p:grpSp>
+      <p:grpSp>
+        <p:nvGrpSpPr>
+          <p:cNvPr id="23" name="Group 22">
+            <a:extLst>
+              <a:ext uri="{FF2B5EF4-FFF2-40B4-BE49-F238E27FC236}">
+                <a16:creationId xmlns:a16="http://schemas.microsoft.com/office/drawing/2014/main" id="{55A60B69-9638-4CD8-AAF8-0C0849023463}"/>
+              </a:ext>
+            </a:extLst>
+          </p:cNvPr>
+          <p:cNvGrpSpPr/>
+          <p:nvPr/>
+        </p:nvGrpSpPr>
+        <p:grpSpPr>
+          <a:xfrm>
+            <a:off x="2958556" y="4038427"/>
+            <a:ext cx="721660" cy="215153"/>
+            <a:chOff x="2964211" y="3092823"/>
+            <a:chExt cx="721660" cy="215153"/>
+          </a:xfrm>
+        </p:grpSpPr>
+        <p:sp>
+          <p:nvSpPr>
+            <p:cNvPr id="24" name="Right Arrow 9">
+              <a:extLst>
+                <a:ext uri="{FF2B5EF4-FFF2-40B4-BE49-F238E27FC236}">
+                  <a16:creationId xmlns:a16="http://schemas.microsoft.com/office/drawing/2014/main" id="{A82C1021-DCDD-4987-BAC2-EAD3B680B5E3}"/>
+                </a:ext>
+              </a:extLst>
+            </p:cNvPr>
+            <p:cNvSpPr/>
+            <p:nvPr/>
+          </p:nvSpPr>
+          <p:spPr>
+            <a:xfrm>
+              <a:off x="3103166" y="3092824"/>
+              <a:ext cx="582705" cy="215152"/>
+            </a:xfrm>
+            <a:prstGeom prst="rightArrow">
+              <a:avLst/>
+            </a:prstGeom>
+            <a:solidFill>
+              <a:schemeClr val="bg1"/>
+            </a:solidFill>
+            <a:ln>
+              <a:noFill/>
+            </a:ln>
+          </p:spPr>
+          <p:style>
+            <a:lnRef idx="2">
+              <a:schemeClr val="accent1">
+                <a:shade val="50000"/>
+              </a:schemeClr>
+            </a:lnRef>
+            <a:fillRef idx="1">
+              <a:schemeClr val="accent1"/>
+            </a:fillRef>
+            <a:effectRef idx="0">
+              <a:schemeClr val="accent1"/>
+            </a:effectRef>
+            <a:fontRef idx="minor">
+              <a:schemeClr val="lt1"/>
+            </a:fontRef>
+          </p:style>
+          <p:txBody>
+            <a:bodyPr rtlCol="0" anchor="ctr"/>
+            <a:lstStyle/>
+            <a:p>
+              <a:pPr algn="ctr"/>
+              <a:endParaRPr lang="en-US"/>
+            </a:p>
+          </p:txBody>
+        </p:sp>
+        <p:sp>
+          <p:nvSpPr>
+            <p:cNvPr id="25" name="Right Arrow 10">
+              <a:extLst>
+                <a:ext uri="{FF2B5EF4-FFF2-40B4-BE49-F238E27FC236}">
+                  <a16:creationId xmlns:a16="http://schemas.microsoft.com/office/drawing/2014/main" id="{7D0F0380-FC01-4496-863B-9C6541125EF3}"/>
+                </a:ext>
+              </a:extLst>
+            </p:cNvPr>
+            <p:cNvSpPr/>
+            <p:nvPr/>
+          </p:nvSpPr>
+          <p:spPr>
+            <a:xfrm rot="10800000">
+              <a:off x="2964211" y="3092823"/>
+              <a:ext cx="582705" cy="215152"/>
+            </a:xfrm>
+            <a:prstGeom prst="rightArrow">
+              <a:avLst/>
+            </a:prstGeom>
+            <a:solidFill>
+              <a:schemeClr val="bg1"/>
+            </a:solidFill>
+            <a:ln>
+              <a:noFill/>
+            </a:ln>
+          </p:spPr>
+          <p:style>
+            <a:lnRef idx="2">
+              <a:schemeClr val="accent1">
+                <a:shade val="50000"/>
+              </a:schemeClr>
+            </a:lnRef>
+            <a:fillRef idx="1">
+              <a:schemeClr val="accent1"/>
+            </a:fillRef>
+            <a:effectRef idx="0">
+              <a:schemeClr val="accent1"/>
+            </a:effectRef>
+            <a:fontRef idx="minor">
+              <a:schemeClr val="lt1"/>
+            </a:fontRef>
+          </p:style>
+          <p:txBody>
+            <a:bodyPr rtlCol="0" anchor="ctr"/>
+            <a:lstStyle/>
+            <a:p>
+              <a:pPr algn="ctr"/>
+              <a:endParaRPr lang="en-US"/>
+            </a:p>
+          </p:txBody>
+        </p:sp>
+      </p:grpSp>
     </p:spTree>
     <p:extLst>
       <p:ext uri="{BB962C8B-B14F-4D97-AF65-F5344CB8AC3E}">

--- a/documents/Real-time Quicknets.pptx
+++ b/documents/Real-time Quicknets.pptx
@@ -5,7 +5,7 @@
     <p:sldMasterId id="2147483648" r:id="rId1"/>
   </p:sldMasterIdLst>
   <p:notesMasterIdLst>
-    <p:notesMasterId r:id="rId24"/>
+    <p:notesMasterId r:id="rId29"/>
   </p:notesMasterIdLst>
   <p:sldIdLst>
     <p:sldId id="256" r:id="rId2"/>
@@ -30,6 +30,11 @@
     <p:sldId id="277" r:id="rId21"/>
     <p:sldId id="279" r:id="rId22"/>
     <p:sldId id="278" r:id="rId23"/>
+    <p:sldId id="282" r:id="rId24"/>
+    <p:sldId id="280" r:id="rId25"/>
+    <p:sldId id="283" r:id="rId26"/>
+    <p:sldId id="284" r:id="rId27"/>
+    <p:sldId id="285" r:id="rId28"/>
   </p:sldIdLst>
   <p:sldSz cx="12192000" cy="6858000"/>
   <p:notesSz cx="6858000" cy="9144000"/>
@@ -218,7 +223,7 @@
           <a:p>
             <a:fld id="{93D201DA-95C4-AD47-B102-389777227850}" type="datetimeFigureOut">
               <a:rPr lang="en-US" smtClean="0"/>
-              <a:t>11/10/2021</a:t>
+              <a:t>12/20/21</a:t>
             </a:fld>
             <a:endParaRPr lang="en-US"/>
           </a:p>
@@ -968,7 +973,7 @@
           <a:p>
             <a:fld id="{DE016FBE-F546-1A47-B8E5-1361F3BA1840}" type="datetimeFigureOut">
               <a:rPr lang="en-US" smtClean="0"/>
-              <a:t>11/10/2021</a:t>
+              <a:t>12/20/21</a:t>
             </a:fld>
             <a:endParaRPr lang="en-US"/>
           </a:p>
@@ -1166,7 +1171,7 @@
           <a:p>
             <a:fld id="{DE016FBE-F546-1A47-B8E5-1361F3BA1840}" type="datetimeFigureOut">
               <a:rPr lang="en-US" smtClean="0"/>
-              <a:t>11/10/2021</a:t>
+              <a:t>12/20/21</a:t>
             </a:fld>
             <a:endParaRPr lang="en-US"/>
           </a:p>
@@ -1374,7 +1379,7 @@
           <a:p>
             <a:fld id="{DE016FBE-F546-1A47-B8E5-1361F3BA1840}" type="datetimeFigureOut">
               <a:rPr lang="en-US" smtClean="0"/>
-              <a:t>11/10/2021</a:t>
+              <a:t>12/20/21</a:t>
             </a:fld>
             <a:endParaRPr lang="en-US"/>
           </a:p>
@@ -1598,7 +1603,7 @@
           <a:p>
             <a:fld id="{DE016FBE-F546-1A47-B8E5-1361F3BA1840}" type="datetimeFigureOut">
               <a:rPr lang="en-US" smtClean="0"/>
-              <a:t>11/10/2021</a:t>
+              <a:t>12/20/21</a:t>
             </a:fld>
             <a:endParaRPr lang="en-US"/>
           </a:p>
@@ -1873,7 +1878,7 @@
           <a:p>
             <a:fld id="{DE016FBE-F546-1A47-B8E5-1361F3BA1840}" type="datetimeFigureOut">
               <a:rPr lang="en-US" smtClean="0"/>
-              <a:t>11/10/2021</a:t>
+              <a:t>12/20/21</a:t>
             </a:fld>
             <a:endParaRPr lang="en-US"/>
           </a:p>
@@ -2138,7 +2143,7 @@
           <a:p>
             <a:fld id="{DE016FBE-F546-1A47-B8E5-1361F3BA1840}" type="datetimeFigureOut">
               <a:rPr lang="en-US" smtClean="0"/>
-              <a:t>11/10/2021</a:t>
+              <a:t>12/20/21</a:t>
             </a:fld>
             <a:endParaRPr lang="en-US"/>
           </a:p>
@@ -2550,7 +2555,7 @@
           <a:p>
             <a:fld id="{DE016FBE-F546-1A47-B8E5-1361F3BA1840}" type="datetimeFigureOut">
               <a:rPr lang="en-US" smtClean="0"/>
-              <a:t>11/10/2021</a:t>
+              <a:t>12/20/21</a:t>
             </a:fld>
             <a:endParaRPr lang="en-US"/>
           </a:p>
@@ -2691,7 +2696,7 @@
           <a:p>
             <a:fld id="{DE016FBE-F546-1A47-B8E5-1361F3BA1840}" type="datetimeFigureOut">
               <a:rPr lang="en-US" smtClean="0"/>
-              <a:t>11/10/2021</a:t>
+              <a:t>12/20/21</a:t>
             </a:fld>
             <a:endParaRPr lang="en-US"/>
           </a:p>
@@ -2804,7 +2809,7 @@
           <a:p>
             <a:fld id="{DE016FBE-F546-1A47-B8E5-1361F3BA1840}" type="datetimeFigureOut">
               <a:rPr lang="en-US" smtClean="0"/>
-              <a:t>11/10/2021</a:t>
+              <a:t>12/20/21</a:t>
             </a:fld>
             <a:endParaRPr lang="en-US"/>
           </a:p>
@@ -3115,7 +3120,7 @@
           <a:p>
             <a:fld id="{DE016FBE-F546-1A47-B8E5-1361F3BA1840}" type="datetimeFigureOut">
               <a:rPr lang="en-US" smtClean="0"/>
-              <a:t>11/10/2021</a:t>
+              <a:t>12/20/21</a:t>
             </a:fld>
             <a:endParaRPr lang="en-US"/>
           </a:p>
@@ -3403,7 +3408,7 @@
           <a:p>
             <a:fld id="{DE016FBE-F546-1A47-B8E5-1361F3BA1840}" type="datetimeFigureOut">
               <a:rPr lang="en-US" smtClean="0"/>
-              <a:t>11/10/2021</a:t>
+              <a:t>12/20/21</a:t>
             </a:fld>
             <a:endParaRPr lang="en-US"/>
           </a:p>
@@ -3644,7 +3649,7 @@
           <a:p>
             <a:fld id="{DE016FBE-F546-1A47-B8E5-1361F3BA1840}" type="datetimeFigureOut">
               <a:rPr lang="en-US" smtClean="0"/>
-              <a:t>11/10/2021</a:t>
+              <a:t>12/20/21</a:t>
             </a:fld>
             <a:endParaRPr lang="en-US"/>
           </a:p>
@@ -9958,6 +9963,781 @@
 </p:sld>
 </file>
 
+<file path=ppt/slides/slide23.xml><?xml version="1.0" encoding="utf-8"?>
+<p:sld xmlns:a="http://schemas.openxmlformats.org/drawingml/2006/main" xmlns:r="http://schemas.openxmlformats.org/officeDocument/2006/relationships" xmlns:p="http://schemas.openxmlformats.org/presentationml/2006/main">
+  <p:cSld>
+    <p:spTree>
+      <p:nvGrpSpPr>
+        <p:cNvPr id="1" name=""/>
+        <p:cNvGrpSpPr/>
+        <p:nvPr/>
+      </p:nvGrpSpPr>
+      <p:grpSpPr>
+        <a:xfrm>
+          <a:off x="0" y="0"/>
+          <a:ext cx="0" cy="0"/>
+          <a:chOff x="0" y="0"/>
+          <a:chExt cx="0" cy="0"/>
+        </a:xfrm>
+      </p:grpSpPr>
+      <p:pic>
+        <p:nvPicPr>
+          <p:cNvPr id="5" name="Picture 4" descr="Chart, treemap chart&#10;&#10;Description automatically generated">
+            <a:extLst>
+              <a:ext uri="{FF2B5EF4-FFF2-40B4-BE49-F238E27FC236}">
+                <a16:creationId xmlns:a16="http://schemas.microsoft.com/office/drawing/2014/main" id="{7956547C-5E06-104B-B483-C5C3DE3FCC62}"/>
+              </a:ext>
+            </a:extLst>
+          </p:cNvPr>
+          <p:cNvPicPr>
+            <a:picLocks noChangeAspect="1"/>
+          </p:cNvPicPr>
+          <p:nvPr/>
+        </p:nvPicPr>
+        <p:blipFill>
+          <a:blip r:embed="rId2"/>
+          <a:stretch>
+            <a:fillRect/>
+          </a:stretch>
+        </p:blipFill>
+        <p:spPr>
+          <a:xfrm>
+            <a:off x="1290501" y="0"/>
+            <a:ext cx="9610997" cy="6858000"/>
+          </a:xfrm>
+          <a:prstGeom prst="rect">
+            <a:avLst/>
+          </a:prstGeom>
+        </p:spPr>
+      </p:pic>
+      <p:pic>
+        <p:nvPicPr>
+          <p:cNvPr id="7" name="Picture 6" descr="Table&#10;&#10;Description automatically generated">
+            <a:extLst>
+              <a:ext uri="{FF2B5EF4-FFF2-40B4-BE49-F238E27FC236}">
+                <a16:creationId xmlns:a16="http://schemas.microsoft.com/office/drawing/2014/main" id="{D7F56CF8-7AE0-9F4A-A3FB-B05DA4004E9A}"/>
+              </a:ext>
+            </a:extLst>
+          </p:cNvPr>
+          <p:cNvPicPr>
+            <a:picLocks noChangeAspect="1"/>
+          </p:cNvPicPr>
+          <p:nvPr/>
+        </p:nvPicPr>
+        <p:blipFill>
+          <a:blip r:embed="rId3"/>
+          <a:stretch>
+            <a:fillRect/>
+          </a:stretch>
+        </p:blipFill>
+        <p:spPr>
+          <a:xfrm>
+            <a:off x="1290501" y="0"/>
+            <a:ext cx="9610997" cy="6858000"/>
+          </a:xfrm>
+          <a:prstGeom prst="rect">
+            <a:avLst/>
+          </a:prstGeom>
+        </p:spPr>
+      </p:pic>
+      <p:pic>
+        <p:nvPicPr>
+          <p:cNvPr id="9" name="Picture 8" descr="Chart, treemap chart&#10;&#10;Description automatically generated">
+            <a:extLst>
+              <a:ext uri="{FF2B5EF4-FFF2-40B4-BE49-F238E27FC236}">
+                <a16:creationId xmlns:a16="http://schemas.microsoft.com/office/drawing/2014/main" id="{EC32C42F-C372-EC42-B19C-0DAD026CBBAF}"/>
+              </a:ext>
+            </a:extLst>
+          </p:cNvPr>
+          <p:cNvPicPr>
+            <a:picLocks noChangeAspect="1"/>
+          </p:cNvPicPr>
+          <p:nvPr/>
+        </p:nvPicPr>
+        <p:blipFill>
+          <a:blip r:embed="rId4"/>
+          <a:stretch>
+            <a:fillRect/>
+          </a:stretch>
+        </p:blipFill>
+        <p:spPr>
+          <a:xfrm>
+            <a:off x="1290501" y="0"/>
+            <a:ext cx="9610997" cy="6858000"/>
+          </a:xfrm>
+          <a:prstGeom prst="rect">
+            <a:avLst/>
+          </a:prstGeom>
+        </p:spPr>
+      </p:pic>
+      <p:pic>
+        <p:nvPicPr>
+          <p:cNvPr id="11" name="Picture 10" descr="Table&#10;&#10;Description automatically generated">
+            <a:extLst>
+              <a:ext uri="{FF2B5EF4-FFF2-40B4-BE49-F238E27FC236}">
+                <a16:creationId xmlns:a16="http://schemas.microsoft.com/office/drawing/2014/main" id="{896110A1-ECD7-1F4C-BA4D-2FB51265BDAB}"/>
+              </a:ext>
+            </a:extLst>
+          </p:cNvPr>
+          <p:cNvPicPr>
+            <a:picLocks noChangeAspect="1"/>
+          </p:cNvPicPr>
+          <p:nvPr/>
+        </p:nvPicPr>
+        <p:blipFill>
+          <a:blip r:embed="rId5"/>
+          <a:stretch>
+            <a:fillRect/>
+          </a:stretch>
+        </p:blipFill>
+        <p:spPr>
+          <a:xfrm>
+            <a:off x="1290501" y="0"/>
+            <a:ext cx="9610997" cy="6858000"/>
+          </a:xfrm>
+          <a:prstGeom prst="rect">
+            <a:avLst/>
+          </a:prstGeom>
+        </p:spPr>
+      </p:pic>
+      <p:sp>
+        <p:nvSpPr>
+          <p:cNvPr id="14" name="TextBox 13">
+            <a:extLst>
+              <a:ext uri="{FF2B5EF4-FFF2-40B4-BE49-F238E27FC236}">
+                <a16:creationId xmlns:a16="http://schemas.microsoft.com/office/drawing/2014/main" id="{C0DA6E22-CC94-FB48-86CA-9B77C6622753}"/>
+              </a:ext>
+            </a:extLst>
+          </p:cNvPr>
+          <p:cNvSpPr txBox="1"/>
+          <p:nvPr/>
+        </p:nvSpPr>
+        <p:spPr>
+          <a:xfrm>
+            <a:off x="2588964" y="121186"/>
+            <a:ext cx="7755875" cy="369332"/>
+          </a:xfrm>
+          <a:prstGeom prst="rect">
+            <a:avLst/>
+          </a:prstGeom>
+          <a:noFill/>
+        </p:spPr>
+        <p:txBody>
+          <a:bodyPr wrap="square" rtlCol="0">
+            <a:spAutoFit/>
+          </a:bodyPr>
+          <a:lstStyle/>
+          <a:p>
+            <a:r>
+              <a:rPr lang="en-US" dirty="0"/>
+              <a:t>InvertedPendulum-V2 Reward / Survival time in seconds</a:t>
+            </a:r>
+          </a:p>
+        </p:txBody>
+      </p:sp>
+    </p:spTree>
+    <p:extLst>
+      <p:ext uri="{BB962C8B-B14F-4D97-AF65-F5344CB8AC3E}">
+        <p14:creationId xmlns:p14="http://schemas.microsoft.com/office/powerpoint/2010/main" val="2345248020"/>
+      </p:ext>
+    </p:extLst>
+  </p:cSld>
+  <p:clrMapOvr>
+    <a:masterClrMapping/>
+  </p:clrMapOvr>
+</p:sld>
+</file>
+
+<file path=ppt/slides/slide24.xml><?xml version="1.0" encoding="utf-8"?>
+<p:sld xmlns:a="http://schemas.openxmlformats.org/drawingml/2006/main" xmlns:r="http://schemas.openxmlformats.org/officeDocument/2006/relationships" xmlns:p="http://schemas.openxmlformats.org/presentationml/2006/main">
+  <p:cSld>
+    <p:spTree>
+      <p:nvGrpSpPr>
+        <p:cNvPr id="1" name=""/>
+        <p:cNvGrpSpPr/>
+        <p:nvPr/>
+      </p:nvGrpSpPr>
+      <p:grpSpPr>
+        <a:xfrm>
+          <a:off x="0" y="0"/>
+          <a:ext cx="0" cy="0"/>
+          <a:chOff x="0" y="0"/>
+          <a:chExt cx="0" cy="0"/>
+        </a:xfrm>
+      </p:grpSpPr>
+      <p:pic>
+        <p:nvPicPr>
+          <p:cNvPr id="5" name="Picture 4" descr="Chart, treemap chart&#10;&#10;Description automatically generated">
+            <a:extLst>
+              <a:ext uri="{FF2B5EF4-FFF2-40B4-BE49-F238E27FC236}">
+                <a16:creationId xmlns:a16="http://schemas.microsoft.com/office/drawing/2014/main" id="{7956547C-5E06-104B-B483-C5C3DE3FCC62}"/>
+              </a:ext>
+            </a:extLst>
+          </p:cNvPr>
+          <p:cNvPicPr>
+            <a:picLocks noChangeAspect="1"/>
+          </p:cNvPicPr>
+          <p:nvPr/>
+        </p:nvPicPr>
+        <p:blipFill>
+          <a:blip r:embed="rId2"/>
+          <a:stretch>
+            <a:fillRect/>
+          </a:stretch>
+        </p:blipFill>
+        <p:spPr>
+          <a:xfrm>
+            <a:off x="1290501" y="0"/>
+            <a:ext cx="9610997" cy="6858000"/>
+          </a:xfrm>
+          <a:prstGeom prst="rect">
+            <a:avLst/>
+          </a:prstGeom>
+        </p:spPr>
+      </p:pic>
+      <p:pic>
+        <p:nvPicPr>
+          <p:cNvPr id="7" name="Picture 6" descr="Table&#10;&#10;Description automatically generated">
+            <a:extLst>
+              <a:ext uri="{FF2B5EF4-FFF2-40B4-BE49-F238E27FC236}">
+                <a16:creationId xmlns:a16="http://schemas.microsoft.com/office/drawing/2014/main" id="{D7F56CF8-7AE0-9F4A-A3FB-B05DA4004E9A}"/>
+              </a:ext>
+            </a:extLst>
+          </p:cNvPr>
+          <p:cNvPicPr>
+            <a:picLocks noChangeAspect="1"/>
+          </p:cNvPicPr>
+          <p:nvPr/>
+        </p:nvPicPr>
+        <p:blipFill>
+          <a:blip r:embed="rId3"/>
+          <a:stretch>
+            <a:fillRect/>
+          </a:stretch>
+        </p:blipFill>
+        <p:spPr>
+          <a:xfrm>
+            <a:off x="1290501" y="0"/>
+            <a:ext cx="9610997" cy="6858000"/>
+          </a:xfrm>
+          <a:prstGeom prst="rect">
+            <a:avLst/>
+          </a:prstGeom>
+        </p:spPr>
+      </p:pic>
+      <p:pic>
+        <p:nvPicPr>
+          <p:cNvPr id="9" name="Picture 8" descr="Chart, treemap chart&#10;&#10;Description automatically generated">
+            <a:extLst>
+              <a:ext uri="{FF2B5EF4-FFF2-40B4-BE49-F238E27FC236}">
+                <a16:creationId xmlns:a16="http://schemas.microsoft.com/office/drawing/2014/main" id="{EC32C42F-C372-EC42-B19C-0DAD026CBBAF}"/>
+              </a:ext>
+            </a:extLst>
+          </p:cNvPr>
+          <p:cNvPicPr>
+            <a:picLocks noChangeAspect="1"/>
+          </p:cNvPicPr>
+          <p:nvPr/>
+        </p:nvPicPr>
+        <p:blipFill>
+          <a:blip r:embed="rId4"/>
+          <a:stretch>
+            <a:fillRect/>
+          </a:stretch>
+        </p:blipFill>
+        <p:spPr>
+          <a:xfrm>
+            <a:off x="1290501" y="0"/>
+            <a:ext cx="9610997" cy="6858000"/>
+          </a:xfrm>
+          <a:prstGeom prst="rect">
+            <a:avLst/>
+          </a:prstGeom>
+        </p:spPr>
+      </p:pic>
+      <p:pic>
+        <p:nvPicPr>
+          <p:cNvPr id="11" name="Picture 10" descr="Table&#10;&#10;Description automatically generated">
+            <a:extLst>
+              <a:ext uri="{FF2B5EF4-FFF2-40B4-BE49-F238E27FC236}">
+                <a16:creationId xmlns:a16="http://schemas.microsoft.com/office/drawing/2014/main" id="{896110A1-ECD7-1F4C-BA4D-2FB51265BDAB}"/>
+              </a:ext>
+            </a:extLst>
+          </p:cNvPr>
+          <p:cNvPicPr>
+            <a:picLocks noChangeAspect="1"/>
+          </p:cNvPicPr>
+          <p:nvPr/>
+        </p:nvPicPr>
+        <p:blipFill>
+          <a:blip r:embed="rId5"/>
+          <a:stretch>
+            <a:fillRect/>
+          </a:stretch>
+        </p:blipFill>
+        <p:spPr>
+          <a:xfrm>
+            <a:off x="1290501" y="0"/>
+            <a:ext cx="9610997" cy="6858000"/>
+          </a:xfrm>
+          <a:prstGeom prst="rect">
+            <a:avLst/>
+          </a:prstGeom>
+        </p:spPr>
+      </p:pic>
+      <p:pic>
+        <p:nvPicPr>
+          <p:cNvPr id="13" name="Picture 12" descr="Table&#10;&#10;Description automatically generated">
+            <a:extLst>
+              <a:ext uri="{FF2B5EF4-FFF2-40B4-BE49-F238E27FC236}">
+                <a16:creationId xmlns:a16="http://schemas.microsoft.com/office/drawing/2014/main" id="{2F8233C4-0DA4-9F4D-81E1-C9E7F0E331B4}"/>
+              </a:ext>
+            </a:extLst>
+          </p:cNvPr>
+          <p:cNvPicPr>
+            <a:picLocks noChangeAspect="1"/>
+          </p:cNvPicPr>
+          <p:nvPr/>
+        </p:nvPicPr>
+        <p:blipFill>
+          <a:blip r:embed="rId6"/>
+          <a:stretch>
+            <a:fillRect/>
+          </a:stretch>
+        </p:blipFill>
+        <p:spPr>
+          <a:xfrm>
+            <a:off x="1290501" y="0"/>
+            <a:ext cx="9610997" cy="6858000"/>
+          </a:xfrm>
+          <a:prstGeom prst="rect">
+            <a:avLst/>
+          </a:prstGeom>
+        </p:spPr>
+      </p:pic>
+      <p:sp>
+        <p:nvSpPr>
+          <p:cNvPr id="14" name="TextBox 13">
+            <a:extLst>
+              <a:ext uri="{FF2B5EF4-FFF2-40B4-BE49-F238E27FC236}">
+                <a16:creationId xmlns:a16="http://schemas.microsoft.com/office/drawing/2014/main" id="{C0DA6E22-CC94-FB48-86CA-9B77C6622753}"/>
+              </a:ext>
+            </a:extLst>
+          </p:cNvPr>
+          <p:cNvSpPr txBox="1"/>
+          <p:nvPr/>
+        </p:nvSpPr>
+        <p:spPr>
+          <a:xfrm>
+            <a:off x="2588964" y="121186"/>
+            <a:ext cx="7755875" cy="369332"/>
+          </a:xfrm>
+          <a:prstGeom prst="rect">
+            <a:avLst/>
+          </a:prstGeom>
+          <a:noFill/>
+        </p:spPr>
+        <p:txBody>
+          <a:bodyPr wrap="square" rtlCol="0">
+            <a:spAutoFit/>
+          </a:bodyPr>
+          <a:lstStyle/>
+          <a:p>
+            <a:r>
+              <a:rPr lang="en-US" dirty="0"/>
+              <a:t>InvertedPendulum-V2 Jerk</a:t>
+            </a:r>
+          </a:p>
+        </p:txBody>
+      </p:sp>
+    </p:spTree>
+    <p:extLst>
+      <p:ext uri="{BB962C8B-B14F-4D97-AF65-F5344CB8AC3E}">
+        <p14:creationId xmlns:p14="http://schemas.microsoft.com/office/powerpoint/2010/main" val="3093038626"/>
+      </p:ext>
+    </p:extLst>
+  </p:cSld>
+  <p:clrMapOvr>
+    <a:masterClrMapping/>
+  </p:clrMapOvr>
+</p:sld>
+</file>
+
+<file path=ppt/slides/slide25.xml><?xml version="1.0" encoding="utf-8"?>
+<p:sld xmlns:a="http://schemas.openxmlformats.org/drawingml/2006/main" xmlns:r="http://schemas.openxmlformats.org/officeDocument/2006/relationships" xmlns:p="http://schemas.openxmlformats.org/presentationml/2006/main">
+  <p:cSld>
+    <p:spTree>
+      <p:nvGrpSpPr>
+        <p:cNvPr id="1" name=""/>
+        <p:cNvGrpSpPr/>
+        <p:nvPr/>
+      </p:nvGrpSpPr>
+      <p:grpSpPr>
+        <a:xfrm>
+          <a:off x="0" y="0"/>
+          <a:ext cx="0" cy="0"/>
+          <a:chOff x="0" y="0"/>
+          <a:chExt cx="0" cy="0"/>
+        </a:xfrm>
+      </p:grpSpPr>
+      <p:pic>
+        <p:nvPicPr>
+          <p:cNvPr id="5" name="Picture 4" descr="Chart, treemap chart&#10;&#10;Description automatically generated">
+            <a:extLst>
+              <a:ext uri="{FF2B5EF4-FFF2-40B4-BE49-F238E27FC236}">
+                <a16:creationId xmlns:a16="http://schemas.microsoft.com/office/drawing/2014/main" id="{7956547C-5E06-104B-B483-C5C3DE3FCC62}"/>
+              </a:ext>
+            </a:extLst>
+          </p:cNvPr>
+          <p:cNvPicPr>
+            <a:picLocks noChangeAspect="1"/>
+          </p:cNvPicPr>
+          <p:nvPr/>
+        </p:nvPicPr>
+        <p:blipFill>
+          <a:blip r:embed="rId2"/>
+          <a:stretch>
+            <a:fillRect/>
+          </a:stretch>
+        </p:blipFill>
+        <p:spPr>
+          <a:xfrm>
+            <a:off x="1290501" y="0"/>
+            <a:ext cx="9610997" cy="6858000"/>
+          </a:xfrm>
+          <a:prstGeom prst="rect">
+            <a:avLst/>
+          </a:prstGeom>
+        </p:spPr>
+      </p:pic>
+      <p:pic>
+        <p:nvPicPr>
+          <p:cNvPr id="7" name="Picture 6" descr="Table&#10;&#10;Description automatically generated">
+            <a:extLst>
+              <a:ext uri="{FF2B5EF4-FFF2-40B4-BE49-F238E27FC236}">
+                <a16:creationId xmlns:a16="http://schemas.microsoft.com/office/drawing/2014/main" id="{D7F56CF8-7AE0-9F4A-A3FB-B05DA4004E9A}"/>
+              </a:ext>
+            </a:extLst>
+          </p:cNvPr>
+          <p:cNvPicPr>
+            <a:picLocks noChangeAspect="1"/>
+          </p:cNvPicPr>
+          <p:nvPr/>
+        </p:nvPicPr>
+        <p:blipFill>
+          <a:blip r:embed="rId3"/>
+          <a:stretch>
+            <a:fillRect/>
+          </a:stretch>
+        </p:blipFill>
+        <p:spPr>
+          <a:xfrm>
+            <a:off x="1290501" y="0"/>
+            <a:ext cx="9610997" cy="6858000"/>
+          </a:xfrm>
+          <a:prstGeom prst="rect">
+            <a:avLst/>
+          </a:prstGeom>
+        </p:spPr>
+      </p:pic>
+      <p:pic>
+        <p:nvPicPr>
+          <p:cNvPr id="9" name="Picture 8" descr="Chart, treemap chart&#10;&#10;Description automatically generated">
+            <a:extLst>
+              <a:ext uri="{FF2B5EF4-FFF2-40B4-BE49-F238E27FC236}">
+                <a16:creationId xmlns:a16="http://schemas.microsoft.com/office/drawing/2014/main" id="{EC32C42F-C372-EC42-B19C-0DAD026CBBAF}"/>
+              </a:ext>
+            </a:extLst>
+          </p:cNvPr>
+          <p:cNvPicPr>
+            <a:picLocks noChangeAspect="1"/>
+          </p:cNvPicPr>
+          <p:nvPr/>
+        </p:nvPicPr>
+        <p:blipFill>
+          <a:blip r:embed="rId4"/>
+          <a:stretch>
+            <a:fillRect/>
+          </a:stretch>
+        </p:blipFill>
+        <p:spPr>
+          <a:xfrm>
+            <a:off x="1290501" y="0"/>
+            <a:ext cx="9610997" cy="6858000"/>
+          </a:xfrm>
+          <a:prstGeom prst="rect">
+            <a:avLst/>
+          </a:prstGeom>
+        </p:spPr>
+      </p:pic>
+      <p:sp>
+        <p:nvSpPr>
+          <p:cNvPr id="14" name="TextBox 13">
+            <a:extLst>
+              <a:ext uri="{FF2B5EF4-FFF2-40B4-BE49-F238E27FC236}">
+                <a16:creationId xmlns:a16="http://schemas.microsoft.com/office/drawing/2014/main" id="{C0DA6E22-CC94-FB48-86CA-9B77C6622753}"/>
+              </a:ext>
+            </a:extLst>
+          </p:cNvPr>
+          <p:cNvSpPr txBox="1"/>
+          <p:nvPr/>
+        </p:nvSpPr>
+        <p:spPr>
+          <a:xfrm>
+            <a:off x="2588964" y="121186"/>
+            <a:ext cx="7755875" cy="369332"/>
+          </a:xfrm>
+          <a:prstGeom prst="rect">
+            <a:avLst/>
+          </a:prstGeom>
+          <a:noFill/>
+        </p:spPr>
+        <p:txBody>
+          <a:bodyPr wrap="square" rtlCol="0">
+            <a:spAutoFit/>
+          </a:bodyPr>
+          <a:lstStyle/>
+          <a:p>
+            <a:r>
+              <a:rPr lang="en-US" dirty="0"/>
+              <a:t>InvertedPendulum-V2 Reward / Survival time in seconds</a:t>
+            </a:r>
+          </a:p>
+        </p:txBody>
+      </p:sp>
+    </p:spTree>
+    <p:extLst>
+      <p:ext uri="{BB962C8B-B14F-4D97-AF65-F5344CB8AC3E}">
+        <p14:creationId xmlns:p14="http://schemas.microsoft.com/office/powerpoint/2010/main" val="3941973621"/>
+      </p:ext>
+    </p:extLst>
+  </p:cSld>
+  <p:clrMapOvr>
+    <a:masterClrMapping/>
+  </p:clrMapOvr>
+</p:sld>
+</file>
+
+<file path=ppt/slides/slide26.xml><?xml version="1.0" encoding="utf-8"?>
+<p:sld xmlns:a="http://schemas.openxmlformats.org/drawingml/2006/main" xmlns:r="http://schemas.openxmlformats.org/officeDocument/2006/relationships" xmlns:p="http://schemas.openxmlformats.org/presentationml/2006/main">
+  <p:cSld>
+    <p:spTree>
+      <p:nvGrpSpPr>
+        <p:cNvPr id="1" name=""/>
+        <p:cNvGrpSpPr/>
+        <p:nvPr/>
+      </p:nvGrpSpPr>
+      <p:grpSpPr>
+        <a:xfrm>
+          <a:off x="0" y="0"/>
+          <a:ext cx="0" cy="0"/>
+          <a:chOff x="0" y="0"/>
+          <a:chExt cx="0" cy="0"/>
+        </a:xfrm>
+      </p:grpSpPr>
+      <p:pic>
+        <p:nvPicPr>
+          <p:cNvPr id="5" name="Picture 4" descr="Chart, treemap chart&#10;&#10;Description automatically generated">
+            <a:extLst>
+              <a:ext uri="{FF2B5EF4-FFF2-40B4-BE49-F238E27FC236}">
+                <a16:creationId xmlns:a16="http://schemas.microsoft.com/office/drawing/2014/main" id="{7956547C-5E06-104B-B483-C5C3DE3FCC62}"/>
+              </a:ext>
+            </a:extLst>
+          </p:cNvPr>
+          <p:cNvPicPr>
+            <a:picLocks noChangeAspect="1"/>
+          </p:cNvPicPr>
+          <p:nvPr/>
+        </p:nvPicPr>
+        <p:blipFill>
+          <a:blip r:embed="rId2"/>
+          <a:stretch>
+            <a:fillRect/>
+          </a:stretch>
+        </p:blipFill>
+        <p:spPr>
+          <a:xfrm>
+            <a:off x="1290501" y="0"/>
+            <a:ext cx="9610997" cy="6858000"/>
+          </a:xfrm>
+          <a:prstGeom prst="rect">
+            <a:avLst/>
+          </a:prstGeom>
+        </p:spPr>
+      </p:pic>
+      <p:pic>
+        <p:nvPicPr>
+          <p:cNvPr id="7" name="Picture 6" descr="Table&#10;&#10;Description automatically generated">
+            <a:extLst>
+              <a:ext uri="{FF2B5EF4-FFF2-40B4-BE49-F238E27FC236}">
+                <a16:creationId xmlns:a16="http://schemas.microsoft.com/office/drawing/2014/main" id="{D7F56CF8-7AE0-9F4A-A3FB-B05DA4004E9A}"/>
+              </a:ext>
+            </a:extLst>
+          </p:cNvPr>
+          <p:cNvPicPr>
+            <a:picLocks noChangeAspect="1"/>
+          </p:cNvPicPr>
+          <p:nvPr/>
+        </p:nvPicPr>
+        <p:blipFill>
+          <a:blip r:embed="rId3"/>
+          <a:stretch>
+            <a:fillRect/>
+          </a:stretch>
+        </p:blipFill>
+        <p:spPr>
+          <a:xfrm>
+            <a:off x="1290501" y="0"/>
+            <a:ext cx="9610997" cy="6858000"/>
+          </a:xfrm>
+          <a:prstGeom prst="rect">
+            <a:avLst/>
+          </a:prstGeom>
+        </p:spPr>
+      </p:pic>
+      <p:sp>
+        <p:nvSpPr>
+          <p:cNvPr id="14" name="TextBox 13">
+            <a:extLst>
+              <a:ext uri="{FF2B5EF4-FFF2-40B4-BE49-F238E27FC236}">
+                <a16:creationId xmlns:a16="http://schemas.microsoft.com/office/drawing/2014/main" id="{C0DA6E22-CC94-FB48-86CA-9B77C6622753}"/>
+              </a:ext>
+            </a:extLst>
+          </p:cNvPr>
+          <p:cNvSpPr txBox="1"/>
+          <p:nvPr/>
+        </p:nvSpPr>
+        <p:spPr>
+          <a:xfrm>
+            <a:off x="2588964" y="121186"/>
+            <a:ext cx="7755875" cy="369332"/>
+          </a:xfrm>
+          <a:prstGeom prst="rect">
+            <a:avLst/>
+          </a:prstGeom>
+          <a:noFill/>
+        </p:spPr>
+        <p:txBody>
+          <a:bodyPr wrap="square" rtlCol="0">
+            <a:spAutoFit/>
+          </a:bodyPr>
+          <a:lstStyle/>
+          <a:p>
+            <a:r>
+              <a:rPr lang="en-US" dirty="0"/>
+              <a:t>HalfCheetah-V2 Reward</a:t>
+            </a:r>
+          </a:p>
+        </p:txBody>
+      </p:sp>
+    </p:spTree>
+    <p:extLst>
+      <p:ext uri="{BB962C8B-B14F-4D97-AF65-F5344CB8AC3E}">
+        <p14:creationId xmlns:p14="http://schemas.microsoft.com/office/powerpoint/2010/main" val="164828142"/>
+      </p:ext>
+    </p:extLst>
+  </p:cSld>
+  <p:clrMapOvr>
+    <a:masterClrMapping/>
+  </p:clrMapOvr>
+</p:sld>
+</file>
+
+<file path=ppt/slides/slide27.xml><?xml version="1.0" encoding="utf-8"?>
+<p:sld xmlns:a="http://schemas.openxmlformats.org/drawingml/2006/main" xmlns:r="http://schemas.openxmlformats.org/officeDocument/2006/relationships" xmlns:p="http://schemas.openxmlformats.org/presentationml/2006/main">
+  <p:cSld>
+    <p:spTree>
+      <p:nvGrpSpPr>
+        <p:cNvPr id="1" name=""/>
+        <p:cNvGrpSpPr/>
+        <p:nvPr/>
+      </p:nvGrpSpPr>
+      <p:grpSpPr>
+        <a:xfrm>
+          <a:off x="0" y="0"/>
+          <a:ext cx="0" cy="0"/>
+          <a:chOff x="0" y="0"/>
+          <a:chExt cx="0" cy="0"/>
+        </a:xfrm>
+      </p:grpSpPr>
+      <p:pic>
+        <p:nvPicPr>
+          <p:cNvPr id="5" name="Picture 4" descr="Chart, treemap chart&#10;&#10;Description automatically generated">
+            <a:extLst>
+              <a:ext uri="{FF2B5EF4-FFF2-40B4-BE49-F238E27FC236}">
+                <a16:creationId xmlns:a16="http://schemas.microsoft.com/office/drawing/2014/main" id="{7956547C-5E06-104B-B483-C5C3DE3FCC62}"/>
+              </a:ext>
+            </a:extLst>
+          </p:cNvPr>
+          <p:cNvPicPr>
+            <a:picLocks noChangeAspect="1"/>
+          </p:cNvPicPr>
+          <p:nvPr/>
+        </p:nvPicPr>
+        <p:blipFill>
+          <a:blip r:embed="rId2"/>
+          <a:stretch>
+            <a:fillRect/>
+          </a:stretch>
+        </p:blipFill>
+        <p:spPr>
+          <a:xfrm>
+            <a:off x="1290501" y="0"/>
+            <a:ext cx="9610997" cy="6858000"/>
+          </a:xfrm>
+          <a:prstGeom prst="rect">
+            <a:avLst/>
+          </a:prstGeom>
+        </p:spPr>
+      </p:pic>
+      <p:sp>
+        <p:nvSpPr>
+          <p:cNvPr id="14" name="TextBox 13">
+            <a:extLst>
+              <a:ext uri="{FF2B5EF4-FFF2-40B4-BE49-F238E27FC236}">
+                <a16:creationId xmlns:a16="http://schemas.microsoft.com/office/drawing/2014/main" id="{C0DA6E22-CC94-FB48-86CA-9B77C6622753}"/>
+              </a:ext>
+            </a:extLst>
+          </p:cNvPr>
+          <p:cNvSpPr txBox="1"/>
+          <p:nvPr/>
+        </p:nvSpPr>
+        <p:spPr>
+          <a:xfrm>
+            <a:off x="2588964" y="121186"/>
+            <a:ext cx="7755875" cy="369332"/>
+          </a:xfrm>
+          <a:prstGeom prst="rect">
+            <a:avLst/>
+          </a:prstGeom>
+          <a:noFill/>
+        </p:spPr>
+        <p:txBody>
+          <a:bodyPr wrap="square" rtlCol="0">
+            <a:spAutoFit/>
+          </a:bodyPr>
+          <a:lstStyle/>
+          <a:p>
+            <a:r>
+              <a:rPr lang="en-US" dirty="0"/>
+              <a:t>HalfCheetah-V2 Reward</a:t>
+            </a:r>
+          </a:p>
+        </p:txBody>
+      </p:sp>
+    </p:spTree>
+    <p:extLst>
+      <p:ext uri="{BB962C8B-B14F-4D97-AF65-F5344CB8AC3E}">
+        <p14:creationId xmlns:p14="http://schemas.microsoft.com/office/powerpoint/2010/main" val="1857654829"/>
+      </p:ext>
+    </p:extLst>
+  </p:cSld>
+  <p:clrMapOvr>
+    <a:masterClrMapping/>
+  </p:clrMapOvr>
+</p:sld>
+</file>
+
 <file path=ppt/slides/slide3.xml><?xml version="1.0" encoding="utf-8"?>
 <p:sld xmlns:a="http://schemas.openxmlformats.org/drawingml/2006/main" xmlns:r="http://schemas.openxmlformats.org/officeDocument/2006/relationships" xmlns:p="http://schemas.openxmlformats.org/presentationml/2006/main">
   <p:cSld>
@@ -10015,7 +10795,7 @@
                   <a:schemeClr val="bg1"/>
                 </a:solidFill>
               </a:rPr>
-              <a:t>IntertedPendulum-v2</a:t>
+              <a:t>InvertedPendulum-v2</a:t>
             </a:r>
           </a:p>
         </p:txBody>
